--- a/output/pLIN_Tool_Architecture.pptx
+++ b/output/pLIN_Tool_Architecture.pptx
@@ -16,6 +16,8 @@
     <p:sldId id="264" r:id="rId15"/>
     <p:sldId id="265" r:id="rId16"/>
     <p:sldId id="266" r:id="rId17"/>
+    <p:sldId id="267" r:id="rId18"/>
+    <p:sldId id="268" r:id="rId19"/>
   </p:sldIdLst>
   <p:sldSz cx="12191695" cy="6858000" type="screen4x3"/>
   <p:notesSz cx="6858000" cy="9144000"/>
@@ -3923,7 +3925,7 @@
               </a:defRPr>
             </a:pPr>
             <a:r>
-              <a:t>Novelty of pLIN System</a:t>
+              <a:t>Nucleotide Transformer LLM Integration</a:t>
             </a:r>
           </a:p>
         </p:txBody>
@@ -3959,7 +3961,7 @@
               </a:defRPr>
             </a:pPr>
             <a:r>
-              <a:t>What distinguishes pLIN from existing plasmid classification approaches</a:t>
+              <a:t>Optional genomic language model for enhanced Inc group and AMR prediction</a:t>
             </a:r>
           </a:p>
         </p:txBody>
@@ -3973,7 +3975,467 @@
         <p:spPr>
           <a:xfrm>
             <a:off x="365760" y="1371600"/>
-            <a:ext cx="109728" cy="868680"/>
+            <a:ext cx="11430000" cy="2560320"/>
+          </a:xfrm>
+          <a:prstGeom prst="roundRect">
+            <a:avLst/>
+          </a:prstGeom>
+          <a:solidFill>
+            <a:srgbClr val="ECEFF1"/>
+          </a:solidFill>
+          <a:ln w="12700">
+            <a:solidFill>
+              <a:srgbClr val="757575"/>
+            </a:solidFill>
+          </a:ln>
+        </p:spPr>
+        <p:style>
+          <a:lnRef idx="1">
+            <a:schemeClr val="accent1"/>
+          </a:lnRef>
+          <a:fillRef idx="3">
+            <a:schemeClr val="accent1"/>
+          </a:fillRef>
+          <a:effectRef idx="2">
+            <a:schemeClr val="accent1"/>
+          </a:effectRef>
+          <a:fontRef idx="minor">
+            <a:schemeClr val="lt1"/>
+          </a:fontRef>
+        </p:style>
+        <p:txBody>
+          <a:bodyPr rtlCol="0" anchor="ctr"/>
+          <a:lstStyle/>
+          <a:p>
+            <a:pPr algn="ctr"/>
+          </a:p>
+        </p:txBody>
+      </p:sp>
+      <p:sp>
+        <p:nvSpPr>
+          <p:cNvPr id="6" name="TextBox 5"/>
+          <p:cNvSpPr txBox="1"/>
+          <p:nvPr/>
+        </p:nvSpPr>
+        <p:spPr>
+          <a:xfrm>
+            <a:off x="548640" y="1417320"/>
+            <a:ext cx="10972800" cy="320040"/>
+          </a:xfrm>
+          <a:prstGeom prst="rect">
+            <a:avLst/>
+          </a:prstGeom>
+          <a:noFill/>
+        </p:spPr>
+        <p:txBody>
+          <a:bodyPr wrap="square">
+            <a:spAutoFit/>
+          </a:bodyPr>
+          <a:lstStyle/>
+          <a:p>
+            <a:pPr algn="l">
+              <a:defRPr sz="1600" b="1">
+                <a:solidFill>
+                  <a:srgbClr val="0D47A1"/>
+                </a:solidFill>
+                <a:latin typeface="Calibri"/>
+              </a:defRPr>
+            </a:pPr>
+            <a:r>
+              <a:t>Dual Prediction Architecture</a:t>
+            </a:r>
+          </a:p>
+        </p:txBody>
+      </p:sp>
+      <p:sp>
+        <p:nvSpPr>
+          <p:cNvPr id="7" name="Rounded Rectangle 6"/>
+          <p:cNvSpPr/>
+          <p:nvPr/>
+        </p:nvSpPr>
+        <p:spPr>
+          <a:xfrm>
+            <a:off x="640080" y="1920240"/>
+            <a:ext cx="5029200" cy="1737360"/>
+          </a:xfrm>
+          <a:prstGeom prst="roundRect">
+            <a:avLst/>
+          </a:prstGeom>
+          <a:solidFill>
+            <a:srgbClr val="FFFFFF"/>
+          </a:solidFill>
+          <a:ln w="25400">
+            <a:solidFill>
+              <a:srgbClr val="1E88E5"/>
+            </a:solidFill>
+          </a:ln>
+        </p:spPr>
+        <p:style>
+          <a:lnRef idx="1">
+            <a:schemeClr val="accent1"/>
+          </a:lnRef>
+          <a:fillRef idx="3">
+            <a:schemeClr val="accent1"/>
+          </a:fillRef>
+          <a:effectRef idx="2">
+            <a:schemeClr val="accent1"/>
+          </a:effectRef>
+          <a:fontRef idx="minor">
+            <a:schemeClr val="lt1"/>
+          </a:fontRef>
+        </p:style>
+        <p:txBody>
+          <a:bodyPr rtlCol="0" anchor="ctr"/>
+          <a:lstStyle/>
+          <a:p>
+            <a:pPr algn="ctr"/>
+          </a:p>
+        </p:txBody>
+      </p:sp>
+      <p:sp>
+        <p:nvSpPr>
+          <p:cNvPr id="8" name="TextBox 7"/>
+          <p:cNvSpPr txBox="1"/>
+          <p:nvPr/>
+        </p:nvSpPr>
+        <p:spPr>
+          <a:xfrm>
+            <a:off x="822960" y="1965960"/>
+            <a:ext cx="4663440" cy="320040"/>
+          </a:xfrm>
+          <a:prstGeom prst="rect">
+            <a:avLst/>
+          </a:prstGeom>
+          <a:noFill/>
+        </p:spPr>
+        <p:txBody>
+          <a:bodyPr wrap="square">
+            <a:spAutoFit/>
+          </a:bodyPr>
+          <a:lstStyle/>
+          <a:p>
+            <a:pPr algn="l">
+              <a:defRPr sz="1400" b="1">
+                <a:solidFill>
+                  <a:srgbClr val="1E88E5"/>
+                </a:solidFill>
+                <a:latin typeface="Calibri"/>
+              </a:defRPr>
+            </a:pPr>
+            <a:r>
+              <a:t>Traditional Pipeline (KNN)</a:t>
+            </a:r>
+          </a:p>
+        </p:txBody>
+      </p:sp>
+      <p:sp>
+        <p:nvSpPr>
+          <p:cNvPr id="9" name="TextBox 8"/>
+          <p:cNvSpPr txBox="1"/>
+          <p:nvPr/>
+        </p:nvSpPr>
+        <p:spPr>
+          <a:xfrm>
+            <a:off x="822960" y="2331720"/>
+            <a:ext cx="4663440" cy="1188720"/>
+          </a:xfrm>
+          <a:prstGeom prst="rect">
+            <a:avLst/>
+          </a:prstGeom>
+          <a:noFill/>
+        </p:spPr>
+        <p:txBody>
+          <a:bodyPr wrap="square">
+            <a:spAutoFit/>
+          </a:bodyPr>
+          <a:lstStyle/>
+          <a:p>
+            <a:pPr>
+              <a:spcAft>
+                <a:spcPts val="200"/>
+              </a:spcAft>
+              <a:defRPr sz="1100">
+                <a:solidFill>
+                  <a:srgbClr val="333333"/>
+                </a:solidFill>
+                <a:latin typeface="Calibri"/>
+              </a:defRPr>
+            </a:pPr>
+            <a:r>
+              <a:t>FASTA → 4-mer frequency vectors (256D)</a:t>
+            </a:r>
+          </a:p>
+          <a:p>
+            <a:pPr>
+              <a:spcAft>
+                <a:spcPts val="200"/>
+              </a:spcAft>
+              <a:defRPr sz="1100">
+                <a:solidFill>
+                  <a:srgbClr val="333333"/>
+                </a:solidFill>
+                <a:latin typeface="Calibri"/>
+              </a:defRPr>
+            </a:pPr>
+            <a:r>
+              <a:t>KNN classifier (k=5, cosine distance)</a:t>
+            </a:r>
+          </a:p>
+          <a:p>
+            <a:pPr>
+              <a:spcAft>
+                <a:spcPts val="200"/>
+              </a:spcAft>
+              <a:defRPr sz="1100">
+                <a:solidFill>
+                  <a:srgbClr val="333333"/>
+                </a:solidFill>
+                <a:latin typeface="Calibri"/>
+              </a:defRPr>
+            </a:pPr>
+            <a:r>
+              <a:t>96.1% cross-validation accuracy</a:t>
+            </a:r>
+          </a:p>
+          <a:p>
+            <a:pPr>
+              <a:spcAft>
+                <a:spcPts val="200"/>
+              </a:spcAft>
+              <a:defRPr sz="1100">
+                <a:solidFill>
+                  <a:srgbClr val="333333"/>
+                </a:solidFill>
+                <a:latin typeface="Calibri"/>
+              </a:defRPr>
+            </a:pPr>
+            <a:r>
+              <a:t>Instant inference (&lt;100ms)</a:t>
+            </a:r>
+          </a:p>
+        </p:txBody>
+      </p:sp>
+      <p:sp>
+        <p:nvSpPr>
+          <p:cNvPr id="10" name="Left-Right Arrow 9"/>
+          <p:cNvSpPr/>
+          <p:nvPr/>
+        </p:nvSpPr>
+        <p:spPr>
+          <a:xfrm>
+            <a:off x="5806440" y="2560320"/>
+            <a:ext cx="548640" cy="320040"/>
+          </a:xfrm>
+          <a:prstGeom prst="leftRightArrow">
+            <a:avLst/>
+          </a:prstGeom>
+          <a:solidFill>
+            <a:srgbClr val="333333"/>
+          </a:solidFill>
+          <a:ln>
+            <a:noFill/>
+          </a:ln>
+        </p:spPr>
+        <p:style>
+          <a:lnRef idx="1">
+            <a:schemeClr val="accent1"/>
+          </a:lnRef>
+          <a:fillRef idx="3">
+            <a:schemeClr val="accent1"/>
+          </a:fillRef>
+          <a:effectRef idx="2">
+            <a:schemeClr val="accent1"/>
+          </a:effectRef>
+          <a:fontRef idx="minor">
+            <a:schemeClr val="lt1"/>
+          </a:fontRef>
+        </p:style>
+        <p:txBody>
+          <a:bodyPr rtlCol="0" anchor="ctr"/>
+          <a:lstStyle/>
+          <a:p>
+            <a:pPr algn="ctr"/>
+          </a:p>
+        </p:txBody>
+      </p:sp>
+      <p:sp>
+        <p:nvSpPr>
+          <p:cNvPr id="11" name="Rounded Rectangle 10"/>
+          <p:cNvSpPr/>
+          <p:nvPr/>
+        </p:nvSpPr>
+        <p:spPr>
+          <a:xfrm>
+            <a:off x="6492240" y="1920240"/>
+            <a:ext cx="5029200" cy="1737360"/>
+          </a:xfrm>
+          <a:prstGeom prst="roundRect">
+            <a:avLst/>
+          </a:prstGeom>
+          <a:solidFill>
+            <a:srgbClr val="FFFFFF"/>
+          </a:solidFill>
+          <a:ln w="25400">
+            <a:solidFill>
+              <a:srgbClr val="8E24AA"/>
+            </a:solidFill>
+          </a:ln>
+        </p:spPr>
+        <p:style>
+          <a:lnRef idx="1">
+            <a:schemeClr val="accent1"/>
+          </a:lnRef>
+          <a:fillRef idx="3">
+            <a:schemeClr val="accent1"/>
+          </a:fillRef>
+          <a:effectRef idx="2">
+            <a:schemeClr val="accent1"/>
+          </a:effectRef>
+          <a:fontRef idx="minor">
+            <a:schemeClr val="lt1"/>
+          </a:fontRef>
+        </p:style>
+        <p:txBody>
+          <a:bodyPr rtlCol="0" anchor="ctr"/>
+          <a:lstStyle/>
+          <a:p>
+            <a:pPr algn="ctr"/>
+          </a:p>
+        </p:txBody>
+      </p:sp>
+      <p:sp>
+        <p:nvSpPr>
+          <p:cNvPr id="12" name="TextBox 11"/>
+          <p:cNvSpPr txBox="1"/>
+          <p:nvPr/>
+        </p:nvSpPr>
+        <p:spPr>
+          <a:xfrm>
+            <a:off x="6675120" y="1965960"/>
+            <a:ext cx="4663440" cy="320040"/>
+          </a:xfrm>
+          <a:prstGeom prst="rect">
+            <a:avLst/>
+          </a:prstGeom>
+          <a:noFill/>
+        </p:spPr>
+        <p:txBody>
+          <a:bodyPr wrap="square">
+            <a:spAutoFit/>
+          </a:bodyPr>
+          <a:lstStyle/>
+          <a:p>
+            <a:pPr algn="l">
+              <a:defRPr sz="1400" b="1">
+                <a:solidFill>
+                  <a:srgbClr val="8E24AA"/>
+                </a:solidFill>
+                <a:latin typeface="Calibri"/>
+              </a:defRPr>
+            </a:pPr>
+            <a:r>
+              <a:t>Nucleotide Transformer (LLM)</a:t>
+            </a:r>
+          </a:p>
+        </p:txBody>
+      </p:sp>
+      <p:sp>
+        <p:nvSpPr>
+          <p:cNvPr id="13" name="TextBox 12"/>
+          <p:cNvSpPr txBox="1"/>
+          <p:nvPr/>
+        </p:nvSpPr>
+        <p:spPr>
+          <a:xfrm>
+            <a:off x="6675120" y="2331720"/>
+            <a:ext cx="4663440" cy="1188720"/>
+          </a:xfrm>
+          <a:prstGeom prst="rect">
+            <a:avLst/>
+          </a:prstGeom>
+          <a:noFill/>
+        </p:spPr>
+        <p:txBody>
+          <a:bodyPr wrap="square">
+            <a:spAutoFit/>
+          </a:bodyPr>
+          <a:lstStyle/>
+          <a:p>
+            <a:pPr>
+              <a:spcAft>
+                <a:spcPts val="200"/>
+              </a:spcAft>
+              <a:defRPr sz="1100">
+                <a:solidFill>
+                  <a:srgbClr val="333333"/>
+                </a:solidFill>
+                <a:latin typeface="Calibri"/>
+              </a:defRPr>
+            </a:pPr>
+            <a:r>
+              <a:t>FASTA → 6-mer tokenization → Transformer</a:t>
+            </a:r>
+          </a:p>
+          <a:p>
+            <a:pPr>
+              <a:spcAft>
+                <a:spcPts val="200"/>
+              </a:spcAft>
+              <a:defRPr sz="1100">
+                <a:solidFill>
+                  <a:srgbClr val="333333"/>
+                </a:solidFill>
+                <a:latin typeface="Calibri"/>
+              </a:defRPr>
+            </a:pPr>
+            <a:r>
+              <a:t>Chunked embedding (5kb chunks, mean-pooled)</a:t>
+            </a:r>
+          </a:p>
+          <a:p>
+            <a:pPr>
+              <a:spcAft>
+                <a:spcPts val="200"/>
+              </a:spcAft>
+              <a:defRPr sz="1100">
+                <a:solidFill>
+                  <a:srgbClr val="333333"/>
+                </a:solidFill>
+                <a:latin typeface="Calibri"/>
+              </a:defRPr>
+            </a:pPr>
+            <a:r>
+              <a:t>Linear probe classifiers on frozen embeddings</a:t>
+            </a:r>
+          </a:p>
+          <a:p>
+            <a:pPr>
+              <a:spcAft>
+                <a:spcPts val="200"/>
+              </a:spcAft>
+              <a:defRPr sz="1100">
+                <a:solidFill>
+                  <a:srgbClr val="333333"/>
+                </a:solidFill>
+                <a:latin typeface="Calibri"/>
+              </a:defRPr>
+            </a:pPr>
+            <a:r>
+              <a:t>Models: 50M / 100M / 250M / 500M params</a:t>
+            </a:r>
+          </a:p>
+        </p:txBody>
+      </p:sp>
+      <p:sp>
+        <p:nvSpPr>
+          <p:cNvPr id="14" name="Rounded Rectangle 13"/>
+          <p:cNvSpPr/>
+          <p:nvPr/>
+        </p:nvSpPr>
+        <p:spPr>
+          <a:xfrm>
+            <a:off x="365760" y="4206240"/>
+            <a:ext cx="1828800" cy="365760"/>
           </a:xfrm>
           <a:prstGeom prst="roundRect">
             <a:avLst/>
@@ -4009,64 +4471,112 @@
       </p:sp>
       <p:sp>
         <p:nvSpPr>
-          <p:cNvPr id="6" name="TextBox 5"/>
-          <p:cNvSpPr txBox="1"/>
-          <p:nvPr/>
-        </p:nvSpPr>
-        <p:spPr>
-          <a:xfrm>
-            <a:off x="640080" y="1389888"/>
-            <a:ext cx="11155680" cy="320040"/>
-          </a:xfrm>
-          <a:prstGeom prst="rect">
-            <a:avLst/>
-          </a:prstGeom>
-          <a:noFill/>
-        </p:spPr>
-        <p:txBody>
-          <a:bodyPr wrap="square">
-            <a:spAutoFit/>
-          </a:bodyPr>
-          <a:lstStyle/>
-          <a:p>
-            <a:pPr algn="l">
-              <a:defRPr sz="1500" b="1">
-                <a:solidFill>
-                  <a:srgbClr val="1E88E5"/>
-                </a:solidFill>
-                <a:latin typeface="Calibri"/>
-              </a:defRPr>
-            </a:pPr>
-            <a:r>
-              <a:t>Reference-Free Classification</a:t>
-            </a:r>
-          </a:p>
-        </p:txBody>
-      </p:sp>
-      <p:sp>
-        <p:nvSpPr>
-          <p:cNvPr id="7" name="TextBox 6"/>
-          <p:cNvSpPr txBox="1"/>
-          <p:nvPr/>
-        </p:nvSpPr>
-        <p:spPr>
-          <a:xfrm>
-            <a:off x="640080" y="1719072"/>
-            <a:ext cx="11155680" cy="502920"/>
-          </a:xfrm>
-          <a:prstGeom prst="rect">
-            <a:avLst/>
-          </a:prstGeom>
-          <a:noFill/>
-        </p:spPr>
-        <p:txBody>
-          <a:bodyPr wrap="square">
-            <a:spAutoFit/>
-          </a:bodyPr>
-          <a:lstStyle/>
-          <a:p>
-            <a:pPr algn="l">
-              <a:defRPr sz="1100" b="0">
+          <p:cNvPr id="15" name="TextBox 14"/>
+          <p:cNvSpPr txBox="1"/>
+          <p:nvPr/>
+        </p:nvSpPr>
+        <p:spPr>
+          <a:xfrm>
+            <a:off x="365760" y="4251960"/>
+            <a:ext cx="1828800" cy="274320"/>
+          </a:xfrm>
+          <a:prstGeom prst="rect">
+            <a:avLst/>
+          </a:prstGeom>
+          <a:noFill/>
+        </p:spPr>
+        <p:txBody>
+          <a:bodyPr wrap="square">
+            <a:spAutoFit/>
+          </a:bodyPr>
+          <a:lstStyle/>
+          <a:p>
+            <a:pPr algn="ctr">
+              <a:defRPr sz="1000" b="1">
+                <a:solidFill>
+                  <a:srgbClr val="FFFFFF"/>
+                </a:solidFill>
+                <a:latin typeface="Calibri"/>
+              </a:defRPr>
+            </a:pPr>
+            <a:r>
+              <a:t>Sequence Understanding</a:t>
+            </a:r>
+          </a:p>
+        </p:txBody>
+      </p:sp>
+      <p:sp>
+        <p:nvSpPr>
+          <p:cNvPr id="16" name="Rounded Rectangle 15"/>
+          <p:cNvSpPr/>
+          <p:nvPr/>
+        </p:nvSpPr>
+        <p:spPr>
+          <a:xfrm>
+            <a:off x="365760" y="4572000"/>
+            <a:ext cx="1828800" cy="1280160"/>
+          </a:xfrm>
+          <a:prstGeom prst="roundRect">
+            <a:avLst/>
+          </a:prstGeom>
+          <a:solidFill>
+            <a:srgbClr val="FFFFFF"/>
+          </a:solidFill>
+          <a:ln w="12700">
+            <a:solidFill>
+              <a:srgbClr val="1E88E5"/>
+            </a:solidFill>
+          </a:ln>
+        </p:spPr>
+        <p:style>
+          <a:lnRef idx="1">
+            <a:schemeClr val="accent1"/>
+          </a:lnRef>
+          <a:fillRef idx="3">
+            <a:schemeClr val="accent1"/>
+          </a:fillRef>
+          <a:effectRef idx="2">
+            <a:schemeClr val="accent1"/>
+          </a:effectRef>
+          <a:fontRef idx="minor">
+            <a:schemeClr val="lt1"/>
+          </a:fontRef>
+        </p:style>
+        <p:txBody>
+          <a:bodyPr rtlCol="0" anchor="ctr"/>
+          <a:lstStyle/>
+          <a:p>
+            <a:pPr algn="ctr"/>
+          </a:p>
+        </p:txBody>
+      </p:sp>
+      <p:sp>
+        <p:nvSpPr>
+          <p:cNvPr id="17" name="TextBox 16"/>
+          <p:cNvSpPr txBox="1"/>
+          <p:nvPr/>
+        </p:nvSpPr>
+        <p:spPr>
+          <a:xfrm>
+            <a:off x="411480" y="4663440"/>
+            <a:ext cx="1737360" cy="1097280"/>
+          </a:xfrm>
+          <a:prstGeom prst="rect">
+            <a:avLst/>
+          </a:prstGeom>
+          <a:noFill/>
+        </p:spPr>
+        <p:txBody>
+          <a:bodyPr wrap="square">
+            <a:spAutoFit/>
+          </a:bodyPr>
+          <a:lstStyle/>
+          <a:p>
+            <a:pPr>
+              <a:spcAft>
+                <a:spcPts val="200"/>
+              </a:spcAft>
+              <a:defRPr sz="900">
                 <a:solidFill>
                   <a:srgbClr val="333333"/>
                 </a:solidFill>
@@ -4074,21 +4584,53 @@
               </a:defRPr>
             </a:pPr>
             <a:r>
-              <a:t>Unlike MOB-suite, PlasmidFinder, or replicon typing that rely on curated reference databases, pLIN uses intrinsic sequence composition (4-mer frequencies). New or divergent plasmids that lack known replicons are still classifiable — no database gaps.</a:t>
-            </a:r>
-          </a:p>
-        </p:txBody>
-      </p:sp>
-      <p:sp>
-        <p:nvSpPr>
-          <p:cNvPr id="8" name="Rounded Rectangle 7"/>
+              <a:t>NT captures long-range sequence</a:t>
+            </a:r>
+          </a:p>
+          <a:p>
+            <a:pPr>
+              <a:spcAft>
+                <a:spcPts val="200"/>
+              </a:spcAft>
+              <a:defRPr sz="900">
+                <a:solidFill>
+                  <a:srgbClr val="333333"/>
+                </a:solidFill>
+                <a:latin typeface="Calibri"/>
+              </a:defRPr>
+            </a:pPr>
+            <a:r>
+              <a:t>context and motif patterns</a:t>
+            </a:r>
+          </a:p>
+          <a:p>
+            <a:pPr>
+              <a:spcAft>
+                <a:spcPts val="200"/>
+              </a:spcAft>
+              <a:defRPr sz="900">
+                <a:solidFill>
+                  <a:srgbClr val="333333"/>
+                </a:solidFill>
+                <a:latin typeface="Calibri"/>
+              </a:defRPr>
+            </a:pPr>
+            <a:r>
+              <a:t>beyond simple k-mer counts</a:t>
+            </a:r>
+          </a:p>
+        </p:txBody>
+      </p:sp>
+      <p:sp>
+        <p:nvSpPr>
+          <p:cNvPr id="18" name="Rounded Rectangle 17"/>
           <p:cNvSpPr/>
           <p:nvPr/>
         </p:nvSpPr>
         <p:spPr>
           <a:xfrm>
-            <a:off x="365760" y="2423160"/>
-            <a:ext cx="109728" cy="868680"/>
+            <a:off x="2331720" y="4206240"/>
+            <a:ext cx="1828800" cy="365760"/>
           </a:xfrm>
           <a:prstGeom prst="roundRect">
             <a:avLst/>
@@ -4124,64 +4666,112 @@
       </p:sp>
       <p:sp>
         <p:nvSpPr>
-          <p:cNvPr id="9" name="TextBox 8"/>
-          <p:cNvSpPr txBox="1"/>
-          <p:nvPr/>
-        </p:nvSpPr>
-        <p:spPr>
-          <a:xfrm>
-            <a:off x="640080" y="2441448"/>
-            <a:ext cx="11155680" cy="320040"/>
-          </a:xfrm>
-          <a:prstGeom prst="rect">
-            <a:avLst/>
-          </a:prstGeom>
-          <a:noFill/>
-        </p:spPr>
-        <p:txBody>
-          <a:bodyPr wrap="square">
-            <a:spAutoFit/>
-          </a:bodyPr>
-          <a:lstStyle/>
-          <a:p>
-            <a:pPr algn="l">
-              <a:defRPr sz="1500" b="1">
-                <a:solidFill>
-                  <a:srgbClr val="43A047"/>
-                </a:solidFill>
-                <a:latin typeface="Calibri"/>
-              </a:defRPr>
-            </a:pPr>
-            <a:r>
-              <a:t>Permanent, Hierarchical Codes</a:t>
-            </a:r>
-          </a:p>
-        </p:txBody>
-      </p:sp>
-      <p:sp>
-        <p:nvSpPr>
-          <p:cNvPr id="10" name="TextBox 9"/>
-          <p:cNvSpPr txBox="1"/>
-          <p:nvPr/>
-        </p:nvSpPr>
-        <p:spPr>
-          <a:xfrm>
-            <a:off x="640080" y="2770632"/>
-            <a:ext cx="11155680" cy="502920"/>
-          </a:xfrm>
-          <a:prstGeom prst="rect">
-            <a:avLst/>
-          </a:prstGeom>
-          <a:noFill/>
-        </p:spPr>
-        <p:txBody>
-          <a:bodyPr wrap="square">
-            <a:spAutoFit/>
-          </a:bodyPr>
-          <a:lstStyle/>
-          <a:p>
-            <a:pPr algn="l">
-              <a:defRPr sz="1100" b="0">
+          <p:cNvPr id="19" name="TextBox 18"/>
+          <p:cNvSpPr txBox="1"/>
+          <p:nvPr/>
+        </p:nvSpPr>
+        <p:spPr>
+          <a:xfrm>
+            <a:off x="2331720" y="4251960"/>
+            <a:ext cx="1828800" cy="274320"/>
+          </a:xfrm>
+          <a:prstGeom prst="rect">
+            <a:avLst/>
+          </a:prstGeom>
+          <a:noFill/>
+        </p:spPr>
+        <p:txBody>
+          <a:bodyPr wrap="square">
+            <a:spAutoFit/>
+          </a:bodyPr>
+          <a:lstStyle/>
+          <a:p>
+            <a:pPr algn="ctr">
+              <a:defRPr sz="1000" b="1">
+                <a:solidFill>
+                  <a:srgbClr val="FFFFFF"/>
+                </a:solidFill>
+                <a:latin typeface="Calibri"/>
+              </a:defRPr>
+            </a:pPr>
+            <a:r>
+              <a:t>Chunked Embedding</a:t>
+            </a:r>
+          </a:p>
+        </p:txBody>
+      </p:sp>
+      <p:sp>
+        <p:nvSpPr>
+          <p:cNvPr id="20" name="Rounded Rectangle 19"/>
+          <p:cNvSpPr/>
+          <p:nvPr/>
+        </p:nvSpPr>
+        <p:spPr>
+          <a:xfrm>
+            <a:off x="2331720" y="4572000"/>
+            <a:ext cx="1828800" cy="1280160"/>
+          </a:xfrm>
+          <a:prstGeom prst="roundRect">
+            <a:avLst/>
+          </a:prstGeom>
+          <a:solidFill>
+            <a:srgbClr val="FFFFFF"/>
+          </a:solidFill>
+          <a:ln w="12700">
+            <a:solidFill>
+              <a:srgbClr val="43A047"/>
+            </a:solidFill>
+          </a:ln>
+        </p:spPr>
+        <p:style>
+          <a:lnRef idx="1">
+            <a:schemeClr val="accent1"/>
+          </a:lnRef>
+          <a:fillRef idx="3">
+            <a:schemeClr val="accent1"/>
+          </a:fillRef>
+          <a:effectRef idx="2">
+            <a:schemeClr val="accent1"/>
+          </a:effectRef>
+          <a:fontRef idx="minor">
+            <a:schemeClr val="lt1"/>
+          </a:fontRef>
+        </p:style>
+        <p:txBody>
+          <a:bodyPr rtlCol="0" anchor="ctr"/>
+          <a:lstStyle/>
+          <a:p>
+            <a:pPr algn="ctr"/>
+          </a:p>
+        </p:txBody>
+      </p:sp>
+      <p:sp>
+        <p:nvSpPr>
+          <p:cNvPr id="21" name="TextBox 20"/>
+          <p:cNvSpPr txBox="1"/>
+          <p:nvPr/>
+        </p:nvSpPr>
+        <p:spPr>
+          <a:xfrm>
+            <a:off x="2377440" y="4663440"/>
+            <a:ext cx="1737360" cy="1097280"/>
+          </a:xfrm>
+          <a:prstGeom prst="rect">
+            <a:avLst/>
+          </a:prstGeom>
+          <a:noFill/>
+        </p:spPr>
+        <p:txBody>
+          <a:bodyPr wrap="square">
+            <a:spAutoFit/>
+          </a:bodyPr>
+          <a:lstStyle/>
+          <a:p>
+            <a:pPr>
+              <a:spcAft>
+                <a:spcPts val="200"/>
+              </a:spcAft>
+              <a:defRPr sz="900">
                 <a:solidFill>
                   <a:srgbClr val="333333"/>
                 </a:solidFill>
@@ -4189,21 +4779,53 @@
               </a:defRPr>
             </a:pPr>
             <a:r>
-              <a:t>pLIN codes are stable and never change when new sequences are added. Existing plasmid typing schemes (e.g., pMLST) can reassign types as databases grow. The six-level hierarchy (Family → Strain) provides resolution at multiple scales in a single code — no existing system offers this.</a:t>
-            </a:r>
-          </a:p>
-        </p:txBody>
-      </p:sp>
-      <p:sp>
-        <p:nvSpPr>
-          <p:cNvPr id="11" name="Rounded Rectangle 10"/>
+              <a:t>Plasmids split into 5,000 bp</a:t>
+            </a:r>
+          </a:p>
+          <a:p>
+            <a:pPr>
+              <a:spcAft>
+                <a:spcPts val="200"/>
+              </a:spcAft>
+              <a:defRPr sz="900">
+                <a:solidFill>
+                  <a:srgbClr val="333333"/>
+                </a:solidFill>
+                <a:latin typeface="Calibri"/>
+              </a:defRPr>
+            </a:pPr>
+            <a:r>
+              <a:t>overlapping chunks (stride 2,500)</a:t>
+            </a:r>
+          </a:p>
+          <a:p>
+            <a:pPr>
+              <a:spcAft>
+                <a:spcPts val="200"/>
+              </a:spcAft>
+              <a:defRPr sz="900">
+                <a:solidFill>
+                  <a:srgbClr val="333333"/>
+                </a:solidFill>
+                <a:latin typeface="Calibri"/>
+              </a:defRPr>
+            </a:pPr>
+            <a:r>
+              <a:t>Mean-pooled across chunks</a:t>
+            </a:r>
+          </a:p>
+        </p:txBody>
+      </p:sp>
+      <p:sp>
+        <p:nvSpPr>
+          <p:cNvPr id="22" name="Rounded Rectangle 21"/>
           <p:cNvSpPr/>
           <p:nvPr/>
         </p:nvSpPr>
         <p:spPr>
           <a:xfrm>
-            <a:off x="365760" y="3474720"/>
-            <a:ext cx="109728" cy="868680"/>
+            <a:off x="4297680" y="4206240"/>
+            <a:ext cx="1828800" cy="365760"/>
           </a:xfrm>
           <a:prstGeom prst="roundRect">
             <a:avLst/>
@@ -4239,64 +4861,112 @@
       </p:sp>
       <p:sp>
         <p:nvSpPr>
-          <p:cNvPr id="12" name="TextBox 11"/>
-          <p:cNvSpPr txBox="1"/>
-          <p:nvPr/>
-        </p:nvSpPr>
-        <p:spPr>
-          <a:xfrm>
-            <a:off x="640080" y="3493008"/>
-            <a:ext cx="11155680" cy="320040"/>
-          </a:xfrm>
-          <a:prstGeom prst="rect">
-            <a:avLst/>
-          </a:prstGeom>
-          <a:noFill/>
-        </p:spPr>
-        <p:txBody>
-          <a:bodyPr wrap="square">
-            <a:spAutoFit/>
-          </a:bodyPr>
-          <a:lstStyle/>
-          <a:p>
-            <a:pPr algn="l">
-              <a:defRPr sz="1500" b="1">
-                <a:solidFill>
-                  <a:srgbClr val="FB8C00"/>
-                </a:solidFill>
-                <a:latin typeface="Calibri"/>
-              </a:defRPr>
-            </a:pPr>
-            <a:r>
-              <a:t>Composition-Based Inc Group Detection</a:t>
-            </a:r>
-          </a:p>
-        </p:txBody>
-      </p:sp>
-      <p:sp>
-        <p:nvSpPr>
-          <p:cNvPr id="13" name="TextBox 12"/>
-          <p:cNvSpPr txBox="1"/>
-          <p:nvPr/>
-        </p:nvSpPr>
-        <p:spPr>
-          <a:xfrm>
-            <a:off x="640080" y="3822192"/>
-            <a:ext cx="11155680" cy="502920"/>
-          </a:xfrm>
-          <a:prstGeom prst="rect">
-            <a:avLst/>
-          </a:prstGeom>
-          <a:noFill/>
-        </p:spPr>
-        <p:txBody>
-          <a:bodyPr wrap="square">
-            <a:spAutoFit/>
-          </a:bodyPr>
-          <a:lstStyle/>
-          <a:p>
-            <a:pPr algn="l">
-              <a:defRPr sz="1100" b="0">
+          <p:cNvPr id="23" name="TextBox 22"/>
+          <p:cNvSpPr txBox="1"/>
+          <p:nvPr/>
+        </p:nvSpPr>
+        <p:spPr>
+          <a:xfrm>
+            <a:off x="4297680" y="4251960"/>
+            <a:ext cx="1828800" cy="274320"/>
+          </a:xfrm>
+          <a:prstGeom prst="rect">
+            <a:avLst/>
+          </a:prstGeom>
+          <a:noFill/>
+        </p:spPr>
+        <p:txBody>
+          <a:bodyPr wrap="square">
+            <a:spAutoFit/>
+          </a:bodyPr>
+          <a:lstStyle/>
+          <a:p>
+            <a:pPr algn="ctr">
+              <a:defRPr sz="1000" b="1">
+                <a:solidFill>
+                  <a:srgbClr val="FFFFFF"/>
+                </a:solidFill>
+                <a:latin typeface="Calibri"/>
+              </a:defRPr>
+            </a:pPr>
+            <a:r>
+              <a:t>Inc Group Prediction</a:t>
+            </a:r>
+          </a:p>
+        </p:txBody>
+      </p:sp>
+      <p:sp>
+        <p:nvSpPr>
+          <p:cNvPr id="24" name="Rounded Rectangle 23"/>
+          <p:cNvSpPr/>
+          <p:nvPr/>
+        </p:nvSpPr>
+        <p:spPr>
+          <a:xfrm>
+            <a:off x="4297680" y="4572000"/>
+            <a:ext cx="1828800" cy="1280160"/>
+          </a:xfrm>
+          <a:prstGeom prst="roundRect">
+            <a:avLst/>
+          </a:prstGeom>
+          <a:solidFill>
+            <a:srgbClr val="FFFFFF"/>
+          </a:solidFill>
+          <a:ln w="12700">
+            <a:solidFill>
+              <a:srgbClr val="FB8C00"/>
+            </a:solidFill>
+          </a:ln>
+        </p:spPr>
+        <p:style>
+          <a:lnRef idx="1">
+            <a:schemeClr val="accent1"/>
+          </a:lnRef>
+          <a:fillRef idx="3">
+            <a:schemeClr val="accent1"/>
+          </a:fillRef>
+          <a:effectRef idx="2">
+            <a:schemeClr val="accent1"/>
+          </a:effectRef>
+          <a:fontRef idx="minor">
+            <a:schemeClr val="lt1"/>
+          </a:fontRef>
+        </p:style>
+        <p:txBody>
+          <a:bodyPr rtlCol="0" anchor="ctr"/>
+          <a:lstStyle/>
+          <a:p>
+            <a:pPr algn="ctr"/>
+          </a:p>
+        </p:txBody>
+      </p:sp>
+      <p:sp>
+        <p:nvSpPr>
+          <p:cNvPr id="25" name="TextBox 24"/>
+          <p:cNvSpPr txBox="1"/>
+          <p:nvPr/>
+        </p:nvSpPr>
+        <p:spPr>
+          <a:xfrm>
+            <a:off x="4343400" y="4663440"/>
+            <a:ext cx="1737360" cy="1097280"/>
+          </a:xfrm>
+          <a:prstGeom prst="rect">
+            <a:avLst/>
+          </a:prstGeom>
+          <a:noFill/>
+        </p:spPr>
+        <p:txBody>
+          <a:bodyPr wrap="square">
+            <a:spAutoFit/>
+          </a:bodyPr>
+          <a:lstStyle/>
+          <a:p>
+            <a:pPr>
+              <a:spcAft>
+                <a:spcPts val="200"/>
+              </a:spcAft>
+              <a:defRPr sz="900">
                 <a:solidFill>
                   <a:srgbClr val="333333"/>
                 </a:solidFill>
@@ -4304,21 +4974,53 @@
               </a:defRPr>
             </a:pPr>
             <a:r>
-              <a:t>Most Inc group detection tools (PlasmidFinder, COPLA) require gene-level BLAST searches. pLIN's KNN classifier predicts Inc group from global k-mer composition alone (96% accuracy), enabling classification even when replicon genes are fragmented, truncated, or absent from assemblies.</a:t>
-            </a:r>
-          </a:p>
-        </p:txBody>
-      </p:sp>
-      <p:sp>
-        <p:nvSpPr>
-          <p:cNvPr id="14" name="Rounded Rectangle 13"/>
+              <a:t>LogisticRegression probe on</a:t>
+            </a:r>
+          </a:p>
+          <a:p>
+            <a:pPr>
+              <a:spcAft>
+                <a:spcPts val="200"/>
+              </a:spcAft>
+              <a:defRPr sz="900">
+                <a:solidFill>
+                  <a:srgbClr val="333333"/>
+                </a:solidFill>
+                <a:latin typeface="Calibri"/>
+              </a:defRPr>
+            </a:pPr>
+            <a:r>
+              <a:t>NT embeddings predicts Inc</a:t>
+            </a:r>
+          </a:p>
+          <a:p>
+            <a:pPr>
+              <a:spcAft>
+                <a:spcPts val="200"/>
+              </a:spcAft>
+              <a:defRPr sz="900">
+                <a:solidFill>
+                  <a:srgbClr val="333333"/>
+                </a:solidFill>
+                <a:latin typeface="Calibri"/>
+              </a:defRPr>
+            </a:pPr>
+            <a:r>
+              <a:t>group with CV accuracy report</a:t>
+            </a:r>
+          </a:p>
+        </p:txBody>
+      </p:sp>
+      <p:sp>
+        <p:nvSpPr>
+          <p:cNvPr id="26" name="Rounded Rectangle 25"/>
           <p:cNvSpPr/>
           <p:nvPr/>
         </p:nvSpPr>
         <p:spPr>
           <a:xfrm>
-            <a:off x="365760" y="4526279"/>
-            <a:ext cx="109728" cy="868680"/>
+            <a:off x="6263640" y="4206240"/>
+            <a:ext cx="1828800" cy="365760"/>
           </a:xfrm>
           <a:prstGeom prst="roundRect">
             <a:avLst/>
@@ -4354,64 +5056,112 @@
       </p:sp>
       <p:sp>
         <p:nvSpPr>
-          <p:cNvPr id="15" name="TextBox 14"/>
-          <p:cNvSpPr txBox="1"/>
-          <p:nvPr/>
-        </p:nvSpPr>
-        <p:spPr>
-          <a:xfrm>
-            <a:off x="640080" y="4544567"/>
-            <a:ext cx="11155680" cy="320040"/>
-          </a:xfrm>
-          <a:prstGeom prst="rect">
-            <a:avLst/>
-          </a:prstGeom>
-          <a:noFill/>
-        </p:spPr>
-        <p:txBody>
-          <a:bodyPr wrap="square">
-            <a:spAutoFit/>
-          </a:bodyPr>
-          <a:lstStyle/>
-          <a:p>
-            <a:pPr algn="l">
-              <a:defRPr sz="1500" b="1">
-                <a:solidFill>
-                  <a:srgbClr val="E53935"/>
-                </a:solidFill>
-                <a:latin typeface="Calibri"/>
-              </a:defRPr>
-            </a:pPr>
-            <a:r>
-              <a:t>Integrated AMR Surveillance Pipeline</a:t>
-            </a:r>
-          </a:p>
-        </p:txBody>
-      </p:sp>
-      <p:sp>
-        <p:nvSpPr>
-          <p:cNvPr id="16" name="TextBox 15"/>
-          <p:cNvSpPr txBox="1"/>
-          <p:nvPr/>
-        </p:nvSpPr>
-        <p:spPr>
-          <a:xfrm>
-            <a:off x="640080" y="4873751"/>
-            <a:ext cx="11155680" cy="502920"/>
-          </a:xfrm>
-          <a:prstGeom prst="rect">
-            <a:avLst/>
-          </a:prstGeom>
-          <a:noFill/>
-        </p:spPr>
-        <p:txBody>
-          <a:bodyPr wrap="square">
-            <a:spAutoFit/>
-          </a:bodyPr>
-          <a:lstStyle/>
-          <a:p>
-            <a:pPr algn="l">
-              <a:defRPr sz="1100" b="0">
+          <p:cNvPr id="27" name="TextBox 26"/>
+          <p:cNvSpPr txBox="1"/>
+          <p:nvPr/>
+        </p:nvSpPr>
+        <p:spPr>
+          <a:xfrm>
+            <a:off x="6263640" y="4251960"/>
+            <a:ext cx="1828800" cy="274320"/>
+          </a:xfrm>
+          <a:prstGeom prst="rect">
+            <a:avLst/>
+          </a:prstGeom>
+          <a:noFill/>
+        </p:spPr>
+        <p:txBody>
+          <a:bodyPr wrap="square">
+            <a:spAutoFit/>
+          </a:bodyPr>
+          <a:lstStyle/>
+          <a:p>
+            <a:pPr algn="ctr">
+              <a:defRPr sz="1000" b="1">
+                <a:solidFill>
+                  <a:srgbClr val="FFFFFF"/>
+                </a:solidFill>
+                <a:latin typeface="Calibri"/>
+              </a:defRPr>
+            </a:pPr>
+            <a:r>
+              <a:t>AMR Class Prediction</a:t>
+            </a:r>
+          </a:p>
+        </p:txBody>
+      </p:sp>
+      <p:sp>
+        <p:nvSpPr>
+          <p:cNvPr id="28" name="Rounded Rectangle 27"/>
+          <p:cNvSpPr/>
+          <p:nvPr/>
+        </p:nvSpPr>
+        <p:spPr>
+          <a:xfrm>
+            <a:off x="6263640" y="4572000"/>
+            <a:ext cx="1828800" cy="1280160"/>
+          </a:xfrm>
+          <a:prstGeom prst="roundRect">
+            <a:avLst/>
+          </a:prstGeom>
+          <a:solidFill>
+            <a:srgbClr val="FFFFFF"/>
+          </a:solidFill>
+          <a:ln w="12700">
+            <a:solidFill>
+              <a:srgbClr val="E53935"/>
+            </a:solidFill>
+          </a:ln>
+        </p:spPr>
+        <p:style>
+          <a:lnRef idx="1">
+            <a:schemeClr val="accent1"/>
+          </a:lnRef>
+          <a:fillRef idx="3">
+            <a:schemeClr val="accent1"/>
+          </a:fillRef>
+          <a:effectRef idx="2">
+            <a:schemeClr val="accent1"/>
+          </a:effectRef>
+          <a:fontRef idx="minor">
+            <a:schemeClr val="lt1"/>
+          </a:fontRef>
+        </p:style>
+        <p:txBody>
+          <a:bodyPr rtlCol="0" anchor="ctr"/>
+          <a:lstStyle/>
+          <a:p>
+            <a:pPr algn="ctr"/>
+          </a:p>
+        </p:txBody>
+      </p:sp>
+      <p:sp>
+        <p:nvSpPr>
+          <p:cNvPr id="29" name="TextBox 28"/>
+          <p:cNvSpPr txBox="1"/>
+          <p:nvPr/>
+        </p:nvSpPr>
+        <p:spPr>
+          <a:xfrm>
+            <a:off x="6309360" y="4663440"/>
+            <a:ext cx="1737360" cy="1097280"/>
+          </a:xfrm>
+          <a:prstGeom prst="rect">
+            <a:avLst/>
+          </a:prstGeom>
+          <a:noFill/>
+        </p:spPr>
+        <p:txBody>
+          <a:bodyPr wrap="square">
+            <a:spAutoFit/>
+          </a:bodyPr>
+          <a:lstStyle/>
+          <a:p>
+            <a:pPr>
+              <a:spcAft>
+                <a:spcPts val="200"/>
+              </a:spcAft>
+              <a:defRPr sz="900">
                 <a:solidFill>
                   <a:srgbClr val="333333"/>
                 </a:solidFill>
@@ -4419,21 +5169,53 @@
               </a:defRPr>
             </a:pPr>
             <a:r>
-              <a:t>pLIN is the first system to natively integrate plasmid hierarchical classification with AMRFinderPlus gene detection in a single automated pipeline. This enables direct mapping of resistance gene cargo onto the plasmid phylogeny — linking plasmid backbone evolution with AMR gene acquisition.</a:t>
-            </a:r>
-          </a:p>
-        </p:txBody>
-      </p:sp>
-      <p:sp>
-        <p:nvSpPr>
-          <p:cNvPr id="17" name="Rounded Rectangle 16"/>
+              <a:t>Multi-label probe predicts</a:t>
+            </a:r>
+          </a:p>
+          <a:p>
+            <a:pPr>
+              <a:spcAft>
+                <a:spcPts val="200"/>
+              </a:spcAft>
+              <a:defRPr sz="900">
+                <a:solidFill>
+                  <a:srgbClr val="333333"/>
+                </a:solidFill>
+                <a:latin typeface="Calibri"/>
+              </a:defRPr>
+            </a:pPr>
+            <a:r>
+              <a:t>AMR drug classes from</a:t>
+            </a:r>
+          </a:p>
+          <a:p>
+            <a:pPr>
+              <a:spcAft>
+                <a:spcPts val="200"/>
+              </a:spcAft>
+              <a:defRPr sz="900">
+                <a:solidFill>
+                  <a:srgbClr val="333333"/>
+                </a:solidFill>
+                <a:latin typeface="Calibri"/>
+              </a:defRPr>
+            </a:pPr>
+            <a:r>
+              <a:t>sequence composition alone</a:t>
+            </a:r>
+          </a:p>
+        </p:txBody>
+      </p:sp>
+      <p:sp>
+        <p:nvSpPr>
+          <p:cNvPr id="30" name="Rounded Rectangle 29"/>
           <p:cNvSpPr/>
           <p:nvPr/>
         </p:nvSpPr>
         <p:spPr>
           <a:xfrm>
-            <a:off x="365760" y="5577840"/>
-            <a:ext cx="109728" cy="868680"/>
+            <a:off x="8229600" y="4206240"/>
+            <a:ext cx="1828800" cy="365760"/>
           </a:xfrm>
           <a:prstGeom prst="roundRect">
             <a:avLst/>
@@ -4469,95 +5251,61 @@
       </p:sp>
       <p:sp>
         <p:nvSpPr>
-          <p:cNvPr id="18" name="TextBox 17"/>
-          <p:cNvSpPr txBox="1"/>
-          <p:nvPr/>
-        </p:nvSpPr>
-        <p:spPr>
-          <a:xfrm>
-            <a:off x="640080" y="5596128"/>
-            <a:ext cx="11155680" cy="320040"/>
-          </a:xfrm>
-          <a:prstGeom prst="rect">
-            <a:avLst/>
-          </a:prstGeom>
-          <a:noFill/>
-        </p:spPr>
-        <p:txBody>
-          <a:bodyPr wrap="square">
-            <a:spAutoFit/>
-          </a:bodyPr>
-          <a:lstStyle/>
-          <a:p>
-            <a:pPr algn="l">
-              <a:defRPr sz="1500" b="1">
-                <a:solidFill>
-                  <a:srgbClr val="8E24AA"/>
-                </a:solidFill>
-                <a:latin typeface="Calibri"/>
-              </a:defRPr>
-            </a:pPr>
-            <a:r>
-              <a:t>Interactive GUI with Epidemiological Intelligence</a:t>
-            </a:r>
-          </a:p>
-        </p:txBody>
-      </p:sp>
-      <p:sp>
-        <p:nvSpPr>
-          <p:cNvPr id="19" name="TextBox 18"/>
-          <p:cNvSpPr txBox="1"/>
-          <p:nvPr/>
-        </p:nvSpPr>
-        <p:spPr>
-          <a:xfrm>
-            <a:off x="640080" y="5925312"/>
-            <a:ext cx="11155680" cy="502920"/>
-          </a:xfrm>
-          <a:prstGeom prst="rect">
-            <a:avLst/>
-          </a:prstGeom>
-          <a:noFill/>
-        </p:spPr>
-        <p:txBody>
-          <a:bodyPr wrap="square">
-            <a:spAutoFit/>
-          </a:bodyPr>
-          <a:lstStyle/>
-          <a:p>
-            <a:pPr algn="l">
-              <a:defRPr sz="1100" b="0">
-                <a:solidFill>
-                  <a:srgbClr val="333333"/>
-                </a:solidFill>
-                <a:latin typeface="Calibri"/>
-              </a:defRPr>
-            </a:pPr>
-            <a:r>
-              <a:t>Unlike command-line-only tools (MOB-suite, plasmidfinder CLI), pLIN ships a Streamlit web app with upload, classification, AMR screening, cladogram visualization, mobility prediction, outbreak detection, adaptive thresholds, and multi-linkage clustering — accessible to non-bioinformaticians.</a:t>
-            </a:r>
-          </a:p>
-        </p:txBody>
-      </p:sp>
-      <p:sp>
-        <p:nvSpPr>
-          <p:cNvPr id="20" name="Rounded Rectangle 19"/>
+          <p:cNvPr id="31" name="TextBox 30"/>
+          <p:cNvSpPr txBox="1"/>
+          <p:nvPr/>
+        </p:nvSpPr>
+        <p:spPr>
+          <a:xfrm>
+            <a:off x="8229600" y="4251960"/>
+            <a:ext cx="1828800" cy="274320"/>
+          </a:xfrm>
+          <a:prstGeom prst="rect">
+            <a:avLst/>
+          </a:prstGeom>
+          <a:noFill/>
+        </p:spPr>
+        <p:txBody>
+          <a:bodyPr wrap="square">
+            <a:spAutoFit/>
+          </a:bodyPr>
+          <a:lstStyle/>
+          <a:p>
+            <a:pPr algn="ctr">
+              <a:defRPr sz="1000" b="1">
+                <a:solidFill>
+                  <a:srgbClr val="FFFFFF"/>
+                </a:solidFill>
+                <a:latin typeface="Calibri"/>
+              </a:defRPr>
+            </a:pPr>
+            <a:r>
+              <a:t>KNN vs NT Comparison</a:t>
+            </a:r>
+          </a:p>
+        </p:txBody>
+      </p:sp>
+      <p:sp>
+        <p:nvSpPr>
+          <p:cNvPr id="32" name="Rounded Rectangle 31"/>
           <p:cNvSpPr/>
           <p:nvPr/>
         </p:nvSpPr>
         <p:spPr>
           <a:xfrm>
-            <a:off x="365760" y="6400800"/>
-            <a:ext cx="11430000" cy="320040"/>
+            <a:off x="8229600" y="4572000"/>
+            <a:ext cx="1828800" cy="1280160"/>
           </a:xfrm>
           <a:prstGeom prst="roundRect">
             <a:avLst/>
           </a:prstGeom>
           <a:solidFill>
-            <a:srgbClr val="0D47A1"/>
+            <a:srgbClr val="FFFFFF"/>
           </a:solidFill>
-          <a:ln>
-            <a:noFill/>
+          <a:ln w="12700">
+            <a:solidFill>
+              <a:srgbClr val="8E24AA"/>
+            </a:solidFill>
           </a:ln>
         </p:spPr>
         <p:style>
@@ -4584,14 +5332,128 @@
       </p:sp>
       <p:sp>
         <p:nvSpPr>
-          <p:cNvPr id="21" name="TextBox 20"/>
-          <p:cNvSpPr txBox="1"/>
-          <p:nvPr/>
-        </p:nvSpPr>
-        <p:spPr>
-          <a:xfrm>
-            <a:off x="411480" y="6419088"/>
-            <a:ext cx="2560320" cy="274320"/>
+          <p:cNvPr id="33" name="TextBox 32"/>
+          <p:cNvSpPr txBox="1"/>
+          <p:nvPr/>
+        </p:nvSpPr>
+        <p:spPr>
+          <a:xfrm>
+            <a:off x="8275320" y="4663440"/>
+            <a:ext cx="1737360" cy="1097280"/>
+          </a:xfrm>
+          <a:prstGeom prst="rect">
+            <a:avLst/>
+          </a:prstGeom>
+          <a:noFill/>
+        </p:spPr>
+        <p:txBody>
+          <a:bodyPr wrap="square">
+            <a:spAutoFit/>
+          </a:bodyPr>
+          <a:lstStyle/>
+          <a:p>
+            <a:pPr>
+              <a:spcAft>
+                <a:spcPts val="200"/>
+              </a:spcAft>
+              <a:defRPr sz="900">
+                <a:solidFill>
+                  <a:srgbClr val="333333"/>
+                </a:solidFill>
+                <a:latin typeface="Calibri"/>
+              </a:defRPr>
+            </a:pPr>
+            <a:r>
+              <a:t>Agreement rate shown in</a:t>
+            </a:r>
+          </a:p>
+          <a:p>
+            <a:pPr>
+              <a:spcAft>
+                <a:spcPts val="200"/>
+              </a:spcAft>
+              <a:defRPr sz="900">
+                <a:solidFill>
+                  <a:srgbClr val="333333"/>
+                </a:solidFill>
+                <a:latin typeface="Calibri"/>
+              </a:defRPr>
+            </a:pPr>
+            <a:r>
+              <a:t>Overview tab. Disagreements</a:t>
+            </a:r>
+          </a:p>
+          <a:p>
+            <a:pPr>
+              <a:spcAft>
+                <a:spcPts val="200"/>
+              </a:spcAft>
+              <a:defRPr sz="900">
+                <a:solidFill>
+                  <a:srgbClr val="333333"/>
+                </a:solidFill>
+                <a:latin typeface="Calibri"/>
+              </a:defRPr>
+            </a:pPr>
+            <a:r>
+              <a:t>flagged for manual review</a:t>
+            </a:r>
+          </a:p>
+        </p:txBody>
+      </p:sp>
+      <p:sp>
+        <p:nvSpPr>
+          <p:cNvPr id="34" name="Rounded Rectangle 33"/>
+          <p:cNvSpPr/>
+          <p:nvPr/>
+        </p:nvSpPr>
+        <p:spPr>
+          <a:xfrm>
+            <a:off x="10195560" y="4206240"/>
+            <a:ext cx="1828800" cy="365760"/>
+          </a:xfrm>
+          <a:prstGeom prst="roundRect">
+            <a:avLst/>
+          </a:prstGeom>
+          <a:solidFill>
+            <a:srgbClr val="009688"/>
+          </a:solidFill>
+          <a:ln>
+            <a:noFill/>
+          </a:ln>
+        </p:spPr>
+        <p:style>
+          <a:lnRef idx="1">
+            <a:schemeClr val="accent1"/>
+          </a:lnRef>
+          <a:fillRef idx="3">
+            <a:schemeClr val="accent1"/>
+          </a:fillRef>
+          <a:effectRef idx="2">
+            <a:schemeClr val="accent1"/>
+          </a:effectRef>
+          <a:fontRef idx="minor">
+            <a:schemeClr val="lt1"/>
+          </a:fontRef>
+        </p:style>
+        <p:txBody>
+          <a:bodyPr rtlCol="0" anchor="ctr"/>
+          <a:lstStyle/>
+          <a:p>
+            <a:pPr algn="ctr"/>
+          </a:p>
+        </p:txBody>
+      </p:sp>
+      <p:sp>
+        <p:nvSpPr>
+          <p:cNvPr id="35" name="TextBox 34"/>
+          <p:cNvSpPr txBox="1"/>
+          <p:nvPr/>
+        </p:nvSpPr>
+        <p:spPr>
+          <a:xfrm>
+            <a:off x="10195560" y="4251960"/>
+            <a:ext cx="1828800" cy="274320"/>
           </a:xfrm>
           <a:prstGeom prst="rect">
             <a:avLst/>
@@ -4613,151 +5475,240 @@
               </a:defRPr>
             </a:pPr>
             <a:r>
-              <a:t>Feature</a:t>
-            </a:r>
-          </a:p>
-        </p:txBody>
-      </p:sp>
-      <p:sp>
-        <p:nvSpPr>
-          <p:cNvPr id="22" name="TextBox 21"/>
-          <p:cNvSpPr txBox="1"/>
-          <p:nvPr/>
-        </p:nvSpPr>
-        <p:spPr>
-          <a:xfrm>
-            <a:off x="2971799" y="6419088"/>
-            <a:ext cx="2011680" cy="274320"/>
-          </a:xfrm>
-          <a:prstGeom prst="rect">
-            <a:avLst/>
-          </a:prstGeom>
-          <a:noFill/>
-        </p:spPr>
-        <p:txBody>
-          <a:bodyPr wrap="square">
-            <a:spAutoFit/>
-          </a:bodyPr>
-          <a:lstStyle/>
-          <a:p>
-            <a:pPr algn="ctr">
-              <a:defRPr sz="1000" b="1">
-                <a:solidFill>
-                  <a:srgbClr val="FFFFFF"/>
-                </a:solidFill>
-                <a:latin typeface="Calibri"/>
-              </a:defRPr>
-            </a:pPr>
-            <a:r>
-              <a:t>pLIN</a:t>
-            </a:r>
-          </a:p>
-        </p:txBody>
-      </p:sp>
-      <p:sp>
-        <p:nvSpPr>
-          <p:cNvPr id="23" name="TextBox 22"/>
-          <p:cNvSpPr txBox="1"/>
-          <p:nvPr/>
-        </p:nvSpPr>
-        <p:spPr>
-          <a:xfrm>
-            <a:off x="4983480" y="6419088"/>
-            <a:ext cx="2286000" cy="274320"/>
-          </a:xfrm>
-          <a:prstGeom prst="rect">
-            <a:avLst/>
-          </a:prstGeom>
-          <a:noFill/>
-        </p:spPr>
-        <p:txBody>
-          <a:bodyPr wrap="square">
-            <a:spAutoFit/>
-          </a:bodyPr>
-          <a:lstStyle/>
-          <a:p>
-            <a:pPr algn="ctr">
-              <a:defRPr sz="1000" b="1">
-                <a:solidFill>
-                  <a:srgbClr val="FFFFFF"/>
-                </a:solidFill>
-                <a:latin typeface="Calibri"/>
-              </a:defRPr>
-            </a:pPr>
-            <a:r>
-              <a:t>MOB-suite</a:t>
-            </a:r>
-          </a:p>
-        </p:txBody>
-      </p:sp>
-      <p:sp>
-        <p:nvSpPr>
-          <p:cNvPr id="24" name="TextBox 23"/>
-          <p:cNvSpPr txBox="1"/>
-          <p:nvPr/>
-        </p:nvSpPr>
-        <p:spPr>
-          <a:xfrm>
-            <a:off x="7269480" y="6419088"/>
-            <a:ext cx="2286000" cy="274320"/>
-          </a:xfrm>
-          <a:prstGeom prst="rect">
-            <a:avLst/>
-          </a:prstGeom>
-          <a:noFill/>
-        </p:spPr>
-        <p:txBody>
-          <a:bodyPr wrap="square">
-            <a:spAutoFit/>
-          </a:bodyPr>
-          <a:lstStyle/>
-          <a:p>
-            <a:pPr algn="ctr">
-              <a:defRPr sz="1000" b="1">
-                <a:solidFill>
-                  <a:srgbClr val="FFFFFF"/>
-                </a:solidFill>
-                <a:latin typeface="Calibri"/>
-              </a:defRPr>
-            </a:pPr>
-            <a:r>
-              <a:t>PlasmidFinder</a:t>
-            </a:r>
-          </a:p>
-        </p:txBody>
-      </p:sp>
-      <p:sp>
-        <p:nvSpPr>
-          <p:cNvPr id="25" name="TextBox 24"/>
-          <p:cNvSpPr txBox="1"/>
-          <p:nvPr/>
-        </p:nvSpPr>
-        <p:spPr>
-          <a:xfrm>
-            <a:off x="9555480" y="6419088"/>
-            <a:ext cx="2286000" cy="274320"/>
-          </a:xfrm>
-          <a:prstGeom prst="rect">
-            <a:avLst/>
-          </a:prstGeom>
-          <a:noFill/>
-        </p:spPr>
-        <p:txBody>
-          <a:bodyPr wrap="square">
-            <a:spAutoFit/>
-          </a:bodyPr>
-          <a:lstStyle/>
-          <a:p>
-            <a:pPr algn="ctr">
-              <a:defRPr sz="1000" b="1">
-                <a:solidFill>
-                  <a:srgbClr val="FFFFFF"/>
-                </a:solidFill>
-                <a:latin typeface="Calibri"/>
-              </a:defRPr>
-            </a:pPr>
-            <a:r>
-              <a:t>pMLST</a:t>
+              <a:t>Graceful Degradation</a:t>
+            </a:r>
+          </a:p>
+        </p:txBody>
+      </p:sp>
+      <p:sp>
+        <p:nvSpPr>
+          <p:cNvPr id="36" name="Rounded Rectangle 35"/>
+          <p:cNvSpPr/>
+          <p:nvPr/>
+        </p:nvSpPr>
+        <p:spPr>
+          <a:xfrm>
+            <a:off x="10195560" y="4572000"/>
+            <a:ext cx="1828800" cy="1280160"/>
+          </a:xfrm>
+          <a:prstGeom prst="roundRect">
+            <a:avLst/>
+          </a:prstGeom>
+          <a:solidFill>
+            <a:srgbClr val="FFFFFF"/>
+          </a:solidFill>
+          <a:ln w="12700">
+            <a:solidFill>
+              <a:srgbClr val="009688"/>
+            </a:solidFill>
+          </a:ln>
+        </p:spPr>
+        <p:style>
+          <a:lnRef idx="1">
+            <a:schemeClr val="accent1"/>
+          </a:lnRef>
+          <a:fillRef idx="3">
+            <a:schemeClr val="accent1"/>
+          </a:fillRef>
+          <a:effectRef idx="2">
+            <a:schemeClr val="accent1"/>
+          </a:effectRef>
+          <a:fontRef idx="minor">
+            <a:schemeClr val="lt1"/>
+          </a:fontRef>
+        </p:style>
+        <p:txBody>
+          <a:bodyPr rtlCol="0" anchor="ctr"/>
+          <a:lstStyle/>
+          <a:p>
+            <a:pPr algn="ctr"/>
+          </a:p>
+        </p:txBody>
+      </p:sp>
+      <p:sp>
+        <p:nvSpPr>
+          <p:cNvPr id="37" name="TextBox 36"/>
+          <p:cNvSpPr txBox="1"/>
+          <p:nvPr/>
+        </p:nvSpPr>
+        <p:spPr>
+          <a:xfrm>
+            <a:off x="10241280" y="4663440"/>
+            <a:ext cx="1737360" cy="1097280"/>
+          </a:xfrm>
+          <a:prstGeom prst="rect">
+            <a:avLst/>
+          </a:prstGeom>
+          <a:noFill/>
+        </p:spPr>
+        <p:txBody>
+          <a:bodyPr wrap="square">
+            <a:spAutoFit/>
+          </a:bodyPr>
+          <a:lstStyle/>
+          <a:p>
+            <a:pPr>
+              <a:spcAft>
+                <a:spcPts val="200"/>
+              </a:spcAft>
+              <a:defRPr sz="900">
+                <a:solidFill>
+                  <a:srgbClr val="333333"/>
+                </a:solidFill>
+                <a:latin typeface="Calibri"/>
+              </a:defRPr>
+            </a:pPr>
+            <a:r>
+              <a:t>Fully optional — works without</a:t>
+            </a:r>
+          </a:p>
+          <a:p>
+            <a:pPr>
+              <a:spcAft>
+                <a:spcPts val="200"/>
+              </a:spcAft>
+              <a:defRPr sz="900">
+                <a:solidFill>
+                  <a:srgbClr val="333333"/>
+                </a:solidFill>
+                <a:latin typeface="Calibri"/>
+              </a:defRPr>
+            </a:pPr>
+            <a:r>
+              <a:t>transformers/torch installed.</a:t>
+            </a:r>
+          </a:p>
+          <a:p>
+            <a:pPr>
+              <a:spcAft>
+                <a:spcPts val="200"/>
+              </a:spcAft>
+              <a:defRPr sz="900">
+                <a:solidFill>
+                  <a:srgbClr val="333333"/>
+                </a:solidFill>
+                <a:latin typeface="Calibri"/>
+              </a:defRPr>
+            </a:pPr>
+            <a:r>
+              <a:t>Fallback to KNN if NT fails</a:t>
+            </a:r>
+          </a:p>
+        </p:txBody>
+      </p:sp>
+      <p:sp>
+        <p:nvSpPr>
+          <p:cNvPr id="38" name="Rounded Rectangle 37"/>
+          <p:cNvSpPr/>
+          <p:nvPr/>
+        </p:nvSpPr>
+        <p:spPr>
+          <a:xfrm>
+            <a:off x="365760" y="5760720"/>
+            <a:ext cx="11430000" cy="822960"/>
+          </a:xfrm>
+          <a:prstGeom prst="roundRect">
+            <a:avLst/>
+          </a:prstGeom>
+          <a:solidFill>
+            <a:srgbClr val="FFFFFF"/>
+          </a:solidFill>
+          <a:ln w="12700">
+            <a:solidFill>
+              <a:srgbClr val="0D47A1"/>
+            </a:solidFill>
+          </a:ln>
+        </p:spPr>
+        <p:style>
+          <a:lnRef idx="1">
+            <a:schemeClr val="accent1"/>
+          </a:lnRef>
+          <a:fillRef idx="3">
+            <a:schemeClr val="accent1"/>
+          </a:fillRef>
+          <a:effectRef idx="2">
+            <a:schemeClr val="accent1"/>
+          </a:effectRef>
+          <a:fontRef idx="minor">
+            <a:schemeClr val="lt1"/>
+          </a:fontRef>
+        </p:style>
+        <p:txBody>
+          <a:bodyPr rtlCol="0" anchor="ctr"/>
+          <a:lstStyle/>
+          <a:p>
+            <a:pPr algn="ctr"/>
+          </a:p>
+        </p:txBody>
+      </p:sp>
+      <p:sp>
+        <p:nvSpPr>
+          <p:cNvPr id="39" name="TextBox 38"/>
+          <p:cNvSpPr txBox="1"/>
+          <p:nvPr/>
+        </p:nvSpPr>
+        <p:spPr>
+          <a:xfrm>
+            <a:off x="548640" y="5806440"/>
+            <a:ext cx="10972800" cy="274320"/>
+          </a:xfrm>
+          <a:prstGeom prst="rect">
+            <a:avLst/>
+          </a:prstGeom>
+          <a:noFill/>
+        </p:spPr>
+        <p:txBody>
+          <a:bodyPr wrap="square">
+            <a:spAutoFit/>
+          </a:bodyPr>
+          <a:lstStyle/>
+          <a:p>
+            <a:pPr algn="l">
+              <a:defRPr sz="1300" b="1">
+                <a:solidFill>
+                  <a:srgbClr val="0D47A1"/>
+                </a:solidFill>
+                <a:latin typeface="Calibri"/>
+              </a:defRPr>
+            </a:pPr>
+            <a:r>
+              <a:t>Training Workflow</a:t>
+            </a:r>
+          </a:p>
+        </p:txBody>
+      </p:sp>
+      <p:sp>
+        <p:nvSpPr>
+          <p:cNvPr id="40" name="TextBox 39"/>
+          <p:cNvSpPr txBox="1"/>
+          <p:nvPr/>
+        </p:nvSpPr>
+        <p:spPr>
+          <a:xfrm>
+            <a:off x="548640" y="6080760"/>
+            <a:ext cx="10972800" cy="411480"/>
+          </a:xfrm>
+          <a:prstGeom prst="rect">
+            <a:avLst/>
+          </a:prstGeom>
+          <a:noFill/>
+        </p:spPr>
+        <p:txBody>
+          <a:bodyPr wrap="square">
+            <a:spAutoFit/>
+          </a:bodyPr>
+          <a:lstStyle/>
+          <a:p>
+            <a:pPr algn="l">
+              <a:defRPr sz="1000" b="0">
+                <a:solidFill>
+                  <a:srgbClr val="757575"/>
+                </a:solidFill>
+                <a:latin typeface="Calibri"/>
+              </a:defRPr>
+            </a:pPr>
+            <a:r>
+              <a:t>pip install transformers torch  →  python train_nt_classifier.py --model 50m  →  Extracts embeddings from training data  →  Trains Inc + AMR probes  →  Saves data/nt_inc_probe.pkl &amp; data/nt_amr_probe.pkl</a:t>
             </a:r>
           </a:p>
         </p:txBody>
@@ -4771,6 +5722,3506 @@
 </file>
 
 <file path=ppt/slides/slide11.xml><?xml version="1.0" encoding="utf-8"?>
+<p:sld xmlns:a="http://schemas.openxmlformats.org/drawingml/2006/main" xmlns:p="http://schemas.openxmlformats.org/presentationml/2006/main" xmlns:r="http://schemas.openxmlformats.org/officeDocument/2006/relationships">
+  <p:cSld>
+    <p:bg>
+      <p:bgPr>
+        <a:solidFill>
+          <a:srgbClr val="FFFFFF"/>
+        </a:solidFill>
+        <a:effectLst/>
+      </p:bgPr>
+    </p:bg>
+    <p:spTree>
+      <p:nvGrpSpPr>
+        <p:cNvPr id="1" name=""/>
+        <p:cNvGrpSpPr/>
+        <p:nvPr/>
+      </p:nvGrpSpPr>
+      <p:grpSpPr/>
+      <p:sp>
+        <p:nvSpPr>
+          <p:cNvPr id="2" name="Rounded Rectangle 1"/>
+          <p:cNvSpPr/>
+          <p:nvPr/>
+        </p:nvSpPr>
+        <p:spPr>
+          <a:xfrm>
+            <a:off x="0" y="0"/>
+            <a:ext cx="12191695" cy="1097280"/>
+          </a:xfrm>
+          <a:prstGeom prst="roundRect">
+            <a:avLst/>
+          </a:prstGeom>
+          <a:solidFill>
+            <a:srgbClr val="0D47A1"/>
+          </a:solidFill>
+          <a:ln>
+            <a:noFill/>
+          </a:ln>
+        </p:spPr>
+        <p:style>
+          <a:lnRef idx="1">
+            <a:schemeClr val="accent1"/>
+          </a:lnRef>
+          <a:fillRef idx="3">
+            <a:schemeClr val="accent1"/>
+          </a:fillRef>
+          <a:effectRef idx="2">
+            <a:schemeClr val="accent1"/>
+          </a:effectRef>
+          <a:fontRef idx="minor">
+            <a:schemeClr val="lt1"/>
+          </a:fontRef>
+        </p:style>
+        <p:txBody>
+          <a:bodyPr rtlCol="0" anchor="ctr"/>
+          <a:lstStyle/>
+          <a:p>
+            <a:pPr algn="ctr"/>
+          </a:p>
+        </p:txBody>
+      </p:sp>
+      <p:sp>
+        <p:nvSpPr>
+          <p:cNvPr id="3" name="TextBox 2"/>
+          <p:cNvSpPr txBox="1"/>
+          <p:nvPr/>
+        </p:nvSpPr>
+        <p:spPr>
+          <a:xfrm>
+            <a:off x="548640" y="137160"/>
+            <a:ext cx="10972800" cy="548640"/>
+          </a:xfrm>
+          <a:prstGeom prst="rect">
+            <a:avLst/>
+          </a:prstGeom>
+          <a:noFill/>
+        </p:spPr>
+        <p:txBody>
+          <a:bodyPr wrap="square">
+            <a:spAutoFit/>
+          </a:bodyPr>
+          <a:lstStyle/>
+          <a:p>
+            <a:pPr algn="l">
+              <a:defRPr sz="3200" b="1">
+                <a:solidFill>
+                  <a:srgbClr val="FFFFFF"/>
+                </a:solidFill>
+                <a:latin typeface="Calibri"/>
+              </a:defRPr>
+            </a:pPr>
+            <a:r>
+              <a:t>Deployment &amp; Distribution</a:t>
+            </a:r>
+          </a:p>
+        </p:txBody>
+      </p:sp>
+      <p:sp>
+        <p:nvSpPr>
+          <p:cNvPr id="4" name="TextBox 3"/>
+          <p:cNvSpPr txBox="1"/>
+          <p:nvPr/>
+        </p:nvSpPr>
+        <p:spPr>
+          <a:xfrm>
+            <a:off x="548640" y="640080"/>
+            <a:ext cx="10972800" cy="365760"/>
+          </a:xfrm>
+          <a:prstGeom prst="rect">
+            <a:avLst/>
+          </a:prstGeom>
+          <a:noFill/>
+        </p:spPr>
+        <p:txBody>
+          <a:bodyPr wrap="square">
+            <a:spAutoFit/>
+          </a:bodyPr>
+          <a:lstStyle/>
+          <a:p>
+            <a:pPr algn="l">
+              <a:defRPr sz="1600" b="0">
+                <a:solidFill>
+                  <a:srgbClr val="BBDEFB"/>
+                </a:solidFill>
+                <a:latin typeface="Calibri"/>
+              </a:defRPr>
+            </a:pPr>
+            <a:r>
+              <a:t>Multiple deployment options for different user environments</a:t>
+            </a:r>
+          </a:p>
+        </p:txBody>
+      </p:sp>
+      <p:sp>
+        <p:nvSpPr>
+          <p:cNvPr id="5" name="Rounded Rectangle 4"/>
+          <p:cNvSpPr/>
+          <p:nvPr/>
+        </p:nvSpPr>
+        <p:spPr>
+          <a:xfrm>
+            <a:off x="365760" y="1371600"/>
+            <a:ext cx="3611880" cy="457200"/>
+          </a:xfrm>
+          <a:prstGeom prst="roundRect">
+            <a:avLst/>
+          </a:prstGeom>
+          <a:solidFill>
+            <a:srgbClr val="1E88E5"/>
+          </a:solidFill>
+          <a:ln>
+            <a:noFill/>
+          </a:ln>
+        </p:spPr>
+        <p:style>
+          <a:lnRef idx="1">
+            <a:schemeClr val="accent1"/>
+          </a:lnRef>
+          <a:fillRef idx="3">
+            <a:schemeClr val="accent1"/>
+          </a:fillRef>
+          <a:effectRef idx="2">
+            <a:schemeClr val="accent1"/>
+          </a:effectRef>
+          <a:fontRef idx="minor">
+            <a:schemeClr val="lt1"/>
+          </a:fontRef>
+        </p:style>
+        <p:txBody>
+          <a:bodyPr rtlCol="0" anchor="ctr"/>
+          <a:lstStyle/>
+          <a:p>
+            <a:pPr algn="ctr"/>
+          </a:p>
+        </p:txBody>
+      </p:sp>
+      <p:sp>
+        <p:nvSpPr>
+          <p:cNvPr id="6" name="TextBox 5"/>
+          <p:cNvSpPr txBox="1"/>
+          <p:nvPr/>
+        </p:nvSpPr>
+        <p:spPr>
+          <a:xfrm>
+            <a:off x="365760" y="1417320"/>
+            <a:ext cx="3611880" cy="365760"/>
+          </a:xfrm>
+          <a:prstGeom prst="rect">
+            <a:avLst/>
+          </a:prstGeom>
+          <a:noFill/>
+        </p:spPr>
+        <p:txBody>
+          <a:bodyPr wrap="square">
+            <a:spAutoFit/>
+          </a:bodyPr>
+          <a:lstStyle/>
+          <a:p>
+            <a:pPr algn="ctr">
+              <a:defRPr sz="1400" b="1">
+                <a:solidFill>
+                  <a:srgbClr val="FFFFFF"/>
+                </a:solidFill>
+                <a:latin typeface="Calibri"/>
+              </a:defRPr>
+            </a:pPr>
+            <a:r>
+              <a:t>One-Click Desktop Launch</a:t>
+            </a:r>
+          </a:p>
+        </p:txBody>
+      </p:sp>
+      <p:sp>
+        <p:nvSpPr>
+          <p:cNvPr id="7" name="Rounded Rectangle 6"/>
+          <p:cNvSpPr/>
+          <p:nvPr/>
+        </p:nvSpPr>
+        <p:spPr>
+          <a:xfrm>
+            <a:off x="365760" y="1828800"/>
+            <a:ext cx="3611880" cy="914400"/>
+          </a:xfrm>
+          <a:prstGeom prst="roundRect">
+            <a:avLst/>
+          </a:prstGeom>
+          <a:solidFill>
+            <a:srgbClr val="FFFFFF"/>
+          </a:solidFill>
+          <a:ln w="12700">
+            <a:solidFill>
+              <a:srgbClr val="1E88E5"/>
+            </a:solidFill>
+          </a:ln>
+        </p:spPr>
+        <p:style>
+          <a:lnRef idx="1">
+            <a:schemeClr val="accent1"/>
+          </a:lnRef>
+          <a:fillRef idx="3">
+            <a:schemeClr val="accent1"/>
+          </a:fillRef>
+          <a:effectRef idx="2">
+            <a:schemeClr val="accent1"/>
+          </a:effectRef>
+          <a:fontRef idx="minor">
+            <a:schemeClr val="lt1"/>
+          </a:fontRef>
+        </p:style>
+        <p:txBody>
+          <a:bodyPr rtlCol="0" anchor="ctr"/>
+          <a:lstStyle/>
+          <a:p>
+            <a:pPr algn="ctr"/>
+          </a:p>
+        </p:txBody>
+      </p:sp>
+      <p:sp>
+        <p:nvSpPr>
+          <p:cNvPr id="8" name="TextBox 7"/>
+          <p:cNvSpPr txBox="1"/>
+          <p:nvPr/>
+        </p:nvSpPr>
+        <p:spPr>
+          <a:xfrm>
+            <a:off x="457200" y="1920240"/>
+            <a:ext cx="3429000" cy="777240"/>
+          </a:xfrm>
+          <a:prstGeom prst="rect">
+            <a:avLst/>
+          </a:prstGeom>
+          <a:noFill/>
+        </p:spPr>
+        <p:txBody>
+          <a:bodyPr wrap="square">
+            <a:spAutoFit/>
+          </a:bodyPr>
+          <a:lstStyle/>
+          <a:p>
+            <a:pPr>
+              <a:spcAft>
+                <a:spcPts val="200"/>
+              </a:spcAft>
+              <a:defRPr sz="1000">
+                <a:solidFill>
+                  <a:srgbClr val="757575"/>
+                </a:solidFill>
+                <a:latin typeface="Calibri"/>
+              </a:defRPr>
+            </a:pPr>
+            <a:r>
+              <a:t>Platform-specific launchers that</a:t>
+            </a:r>
+          </a:p>
+          <a:p>
+            <a:pPr>
+              <a:spcAft>
+                <a:spcPts val="200"/>
+              </a:spcAft>
+              <a:defRPr sz="1000">
+                <a:solidFill>
+                  <a:srgbClr val="757575"/>
+                </a:solidFill>
+                <a:latin typeface="Calibri"/>
+              </a:defRPr>
+            </a:pPr>
+            <a:r>
+              <a:t>auto-install dependencies and</a:t>
+            </a:r>
+          </a:p>
+          <a:p>
+            <a:pPr>
+              <a:spcAft>
+                <a:spcPts val="200"/>
+              </a:spcAft>
+              <a:defRPr sz="1000">
+                <a:solidFill>
+                  <a:srgbClr val="757575"/>
+                </a:solidFill>
+                <a:latin typeface="Calibri"/>
+              </a:defRPr>
+            </a:pPr>
+            <a:r>
+              <a:t>launch the Streamlit web app</a:t>
+            </a:r>
+          </a:p>
+        </p:txBody>
+      </p:sp>
+      <p:sp>
+        <p:nvSpPr>
+          <p:cNvPr id="9" name="Rounded Rectangle 8"/>
+          <p:cNvSpPr/>
+          <p:nvPr/>
+        </p:nvSpPr>
+        <p:spPr>
+          <a:xfrm>
+            <a:off x="365760" y="2743200"/>
+            <a:ext cx="3611880" cy="2103120"/>
+          </a:xfrm>
+          <a:prstGeom prst="roundRect">
+            <a:avLst/>
+          </a:prstGeom>
+          <a:solidFill>
+            <a:srgbClr val="FFFFFF"/>
+          </a:solidFill>
+          <a:ln w="12700">
+            <a:solidFill>
+              <a:srgbClr val="1E88E5"/>
+            </a:solidFill>
+          </a:ln>
+        </p:spPr>
+        <p:style>
+          <a:lnRef idx="1">
+            <a:schemeClr val="accent1"/>
+          </a:lnRef>
+          <a:fillRef idx="3">
+            <a:schemeClr val="accent1"/>
+          </a:fillRef>
+          <a:effectRef idx="2">
+            <a:schemeClr val="accent1"/>
+          </a:effectRef>
+          <a:fontRef idx="minor">
+            <a:schemeClr val="lt1"/>
+          </a:fontRef>
+        </p:style>
+        <p:txBody>
+          <a:bodyPr rtlCol="0" anchor="ctr"/>
+          <a:lstStyle/>
+          <a:p>
+            <a:pPr algn="ctr"/>
+          </a:p>
+        </p:txBody>
+      </p:sp>
+      <p:sp>
+        <p:nvSpPr>
+          <p:cNvPr id="10" name="TextBox 9"/>
+          <p:cNvSpPr txBox="1"/>
+          <p:nvPr/>
+        </p:nvSpPr>
+        <p:spPr>
+          <a:xfrm>
+            <a:off x="457200" y="2834640"/>
+            <a:ext cx="3429000" cy="1920240"/>
+          </a:xfrm>
+          <a:prstGeom prst="rect">
+            <a:avLst/>
+          </a:prstGeom>
+          <a:noFill/>
+        </p:spPr>
+        <p:txBody>
+          <a:bodyPr wrap="square">
+            <a:spAutoFit/>
+          </a:bodyPr>
+          <a:lstStyle/>
+          <a:p>
+            <a:pPr>
+              <a:spcAft>
+                <a:spcPts val="200"/>
+              </a:spcAft>
+              <a:defRPr sz="1000">
+                <a:solidFill>
+                  <a:srgbClr val="333333"/>
+                </a:solidFill>
+                <a:latin typeface="Calibri"/>
+              </a:defRPr>
+            </a:pPr>
+            <a:r>
+              <a:t>Windows: launch_pLIN.bat (double-click)</a:t>
+            </a:r>
+          </a:p>
+          <a:p>
+            <a:pPr>
+              <a:spcAft>
+                <a:spcPts val="200"/>
+              </a:spcAft>
+              <a:defRPr sz="1000">
+                <a:solidFill>
+                  <a:srgbClr val="333333"/>
+                </a:solidFill>
+                <a:latin typeface="Calibri"/>
+              </a:defRPr>
+            </a:pPr>
+            <a:r>
+              <a:t>macOS: launch_pLIN.command (double-click)</a:t>
+            </a:r>
+          </a:p>
+          <a:p>
+            <a:pPr>
+              <a:spcAft>
+                <a:spcPts val="200"/>
+              </a:spcAft>
+              <a:defRPr sz="1000">
+                <a:solidFill>
+                  <a:srgbClr val="333333"/>
+                </a:solidFill>
+                <a:latin typeface="Calibri"/>
+              </a:defRPr>
+            </a:pPr>
+            <a:r>
+              <a:t>Linux: launch_pLIN.sh (chmod +x, run)</a:t>
+            </a:r>
+          </a:p>
+          <a:p>
+            <a:pPr>
+              <a:spcAft>
+                <a:spcPts val="200"/>
+              </a:spcAft>
+              <a:defRPr sz="1000">
+                <a:solidFill>
+                  <a:srgbClr val="333333"/>
+                </a:solidFill>
+                <a:latin typeface="Calibri"/>
+              </a:defRPr>
+            </a:pPr>
+            <a:r>
+              <a:t>Auto-creates virtual environment</a:t>
+            </a:r>
+          </a:p>
+          <a:p>
+            <a:pPr>
+              <a:spcAft>
+                <a:spcPts val="200"/>
+              </a:spcAft>
+              <a:defRPr sz="1000">
+                <a:solidFill>
+                  <a:srgbClr val="333333"/>
+                </a:solidFill>
+                <a:latin typeface="Calibri"/>
+              </a:defRPr>
+            </a:pPr>
+            <a:r>
+              <a:t>Installs all dependencies on first run</a:t>
+            </a:r>
+          </a:p>
+          <a:p>
+            <a:pPr>
+              <a:spcAft>
+                <a:spcPts val="200"/>
+              </a:spcAft>
+              <a:defRPr sz="1000">
+                <a:solidFill>
+                  <a:srgbClr val="333333"/>
+                </a:solidFill>
+                <a:latin typeface="Calibri"/>
+              </a:defRPr>
+            </a:pPr>
+            <a:r>
+              <a:t>No command-line experience required</a:t>
+            </a:r>
+          </a:p>
+        </p:txBody>
+      </p:sp>
+      <p:sp>
+        <p:nvSpPr>
+          <p:cNvPr id="11" name="Rounded Rectangle 10"/>
+          <p:cNvSpPr/>
+          <p:nvPr/>
+        </p:nvSpPr>
+        <p:spPr>
+          <a:xfrm>
+            <a:off x="4251960" y="1371600"/>
+            <a:ext cx="3611880" cy="457200"/>
+          </a:xfrm>
+          <a:prstGeom prst="roundRect">
+            <a:avLst/>
+          </a:prstGeom>
+          <a:solidFill>
+            <a:srgbClr val="43A047"/>
+          </a:solidFill>
+          <a:ln>
+            <a:noFill/>
+          </a:ln>
+        </p:spPr>
+        <p:style>
+          <a:lnRef idx="1">
+            <a:schemeClr val="accent1"/>
+          </a:lnRef>
+          <a:fillRef idx="3">
+            <a:schemeClr val="accent1"/>
+          </a:fillRef>
+          <a:effectRef idx="2">
+            <a:schemeClr val="accent1"/>
+          </a:effectRef>
+          <a:fontRef idx="minor">
+            <a:schemeClr val="lt1"/>
+          </a:fontRef>
+        </p:style>
+        <p:txBody>
+          <a:bodyPr rtlCol="0" anchor="ctr"/>
+          <a:lstStyle/>
+          <a:p>
+            <a:pPr algn="ctr"/>
+          </a:p>
+        </p:txBody>
+      </p:sp>
+      <p:sp>
+        <p:nvSpPr>
+          <p:cNvPr id="12" name="TextBox 11"/>
+          <p:cNvSpPr txBox="1"/>
+          <p:nvPr/>
+        </p:nvSpPr>
+        <p:spPr>
+          <a:xfrm>
+            <a:off x="4251960" y="1417320"/>
+            <a:ext cx="3611880" cy="365760"/>
+          </a:xfrm>
+          <a:prstGeom prst="rect">
+            <a:avLst/>
+          </a:prstGeom>
+          <a:noFill/>
+        </p:spPr>
+        <p:txBody>
+          <a:bodyPr wrap="square">
+            <a:spAutoFit/>
+          </a:bodyPr>
+          <a:lstStyle/>
+          <a:p>
+            <a:pPr algn="ctr">
+              <a:defRPr sz="1400" b="1">
+                <a:solidFill>
+                  <a:srgbClr val="FFFFFF"/>
+                </a:solidFill>
+                <a:latin typeface="Calibri"/>
+              </a:defRPr>
+            </a:pPr>
+            <a:r>
+              <a:t>Docker Container</a:t>
+            </a:r>
+          </a:p>
+        </p:txBody>
+      </p:sp>
+      <p:sp>
+        <p:nvSpPr>
+          <p:cNvPr id="13" name="Rounded Rectangle 12"/>
+          <p:cNvSpPr/>
+          <p:nvPr/>
+        </p:nvSpPr>
+        <p:spPr>
+          <a:xfrm>
+            <a:off x="4251960" y="1828800"/>
+            <a:ext cx="3611880" cy="914400"/>
+          </a:xfrm>
+          <a:prstGeom prst="roundRect">
+            <a:avLst/>
+          </a:prstGeom>
+          <a:solidFill>
+            <a:srgbClr val="FFFFFF"/>
+          </a:solidFill>
+          <a:ln w="12700">
+            <a:solidFill>
+              <a:srgbClr val="43A047"/>
+            </a:solidFill>
+          </a:ln>
+        </p:spPr>
+        <p:style>
+          <a:lnRef idx="1">
+            <a:schemeClr val="accent1"/>
+          </a:lnRef>
+          <a:fillRef idx="3">
+            <a:schemeClr val="accent1"/>
+          </a:fillRef>
+          <a:effectRef idx="2">
+            <a:schemeClr val="accent1"/>
+          </a:effectRef>
+          <a:fontRef idx="minor">
+            <a:schemeClr val="lt1"/>
+          </a:fontRef>
+        </p:style>
+        <p:txBody>
+          <a:bodyPr rtlCol="0" anchor="ctr"/>
+          <a:lstStyle/>
+          <a:p>
+            <a:pPr algn="ctr"/>
+          </a:p>
+        </p:txBody>
+      </p:sp>
+      <p:sp>
+        <p:nvSpPr>
+          <p:cNvPr id="14" name="TextBox 13"/>
+          <p:cNvSpPr txBox="1"/>
+          <p:nvPr/>
+        </p:nvSpPr>
+        <p:spPr>
+          <a:xfrm>
+            <a:off x="4343400" y="1920240"/>
+            <a:ext cx="3429000" cy="777240"/>
+          </a:xfrm>
+          <a:prstGeom prst="rect">
+            <a:avLst/>
+          </a:prstGeom>
+          <a:noFill/>
+        </p:spPr>
+        <p:txBody>
+          <a:bodyPr wrap="square">
+            <a:spAutoFit/>
+          </a:bodyPr>
+          <a:lstStyle/>
+          <a:p>
+            <a:pPr>
+              <a:spcAft>
+                <a:spcPts val="200"/>
+              </a:spcAft>
+              <a:defRPr sz="1000">
+                <a:solidFill>
+                  <a:srgbClr val="757575"/>
+                </a:solidFill>
+                <a:latin typeface="Calibri"/>
+              </a:defRPr>
+            </a:pPr>
+            <a:r>
+              <a:t>Containerized deployment for</a:t>
+            </a:r>
+          </a:p>
+          <a:p>
+            <a:pPr>
+              <a:spcAft>
+                <a:spcPts val="200"/>
+              </a:spcAft>
+              <a:defRPr sz="1000">
+                <a:solidFill>
+                  <a:srgbClr val="757575"/>
+                </a:solidFill>
+                <a:latin typeface="Calibri"/>
+              </a:defRPr>
+            </a:pPr>
+            <a:r>
+              <a:t>reproducible, isolated execution</a:t>
+            </a:r>
+          </a:p>
+          <a:p>
+            <a:pPr>
+              <a:spcAft>
+                <a:spcPts val="200"/>
+              </a:spcAft>
+              <a:defRPr sz="1000">
+                <a:solidFill>
+                  <a:srgbClr val="757575"/>
+                </a:solidFill>
+                <a:latin typeface="Calibri"/>
+              </a:defRPr>
+            </a:pPr>
+            <a:r>
+              <a:t>on any cloud or server</a:t>
+            </a:r>
+          </a:p>
+        </p:txBody>
+      </p:sp>
+      <p:sp>
+        <p:nvSpPr>
+          <p:cNvPr id="15" name="Rounded Rectangle 14"/>
+          <p:cNvSpPr/>
+          <p:nvPr/>
+        </p:nvSpPr>
+        <p:spPr>
+          <a:xfrm>
+            <a:off x="4251960" y="2743200"/>
+            <a:ext cx="3611880" cy="2103120"/>
+          </a:xfrm>
+          <a:prstGeom prst="roundRect">
+            <a:avLst/>
+          </a:prstGeom>
+          <a:solidFill>
+            <a:srgbClr val="FFFFFF"/>
+          </a:solidFill>
+          <a:ln w="12700">
+            <a:solidFill>
+              <a:srgbClr val="43A047"/>
+            </a:solidFill>
+          </a:ln>
+        </p:spPr>
+        <p:style>
+          <a:lnRef idx="1">
+            <a:schemeClr val="accent1"/>
+          </a:lnRef>
+          <a:fillRef idx="3">
+            <a:schemeClr val="accent1"/>
+          </a:fillRef>
+          <a:effectRef idx="2">
+            <a:schemeClr val="accent1"/>
+          </a:effectRef>
+          <a:fontRef idx="minor">
+            <a:schemeClr val="lt1"/>
+          </a:fontRef>
+        </p:style>
+        <p:txBody>
+          <a:bodyPr rtlCol="0" anchor="ctr"/>
+          <a:lstStyle/>
+          <a:p>
+            <a:pPr algn="ctr"/>
+          </a:p>
+        </p:txBody>
+      </p:sp>
+      <p:sp>
+        <p:nvSpPr>
+          <p:cNvPr id="16" name="TextBox 15"/>
+          <p:cNvSpPr txBox="1"/>
+          <p:nvPr/>
+        </p:nvSpPr>
+        <p:spPr>
+          <a:xfrm>
+            <a:off x="4343400" y="2834640"/>
+            <a:ext cx="3429000" cy="1920240"/>
+          </a:xfrm>
+          <a:prstGeom prst="rect">
+            <a:avLst/>
+          </a:prstGeom>
+          <a:noFill/>
+        </p:spPr>
+        <p:txBody>
+          <a:bodyPr wrap="square">
+            <a:spAutoFit/>
+          </a:bodyPr>
+          <a:lstStyle/>
+          <a:p>
+            <a:pPr>
+              <a:spcAft>
+                <a:spcPts val="200"/>
+              </a:spcAft>
+              <a:defRPr sz="1000">
+                <a:solidFill>
+                  <a:srgbClr val="333333"/>
+                </a:solidFill>
+                <a:latin typeface="Calibri"/>
+              </a:defRPr>
+            </a:pPr>
+            <a:r>
+              <a:t>docker build -t plin .</a:t>
+            </a:r>
+          </a:p>
+          <a:p>
+            <a:pPr>
+              <a:spcAft>
+                <a:spcPts val="200"/>
+              </a:spcAft>
+              <a:defRPr sz="1000">
+                <a:solidFill>
+                  <a:srgbClr val="333333"/>
+                </a:solidFill>
+                <a:latin typeface="Calibri"/>
+              </a:defRPr>
+            </a:pPr>
+            <a:r>
+              <a:t>docker run -p 8501:8501 plin</a:t>
+            </a:r>
+          </a:p>
+          <a:p>
+            <a:pPr>
+              <a:spcAft>
+                <a:spcPts val="200"/>
+              </a:spcAft>
+              <a:defRPr sz="1000">
+                <a:solidFill>
+                  <a:srgbClr val="333333"/>
+                </a:solidFill>
+                <a:latin typeface="Calibri"/>
+              </a:defRPr>
+            </a:pPr>
+            <a:r>
+              <a:t>Docker Compose support included</a:t>
+            </a:r>
+          </a:p>
+          <a:p>
+            <a:pPr>
+              <a:spcAft>
+                <a:spcPts val="200"/>
+              </a:spcAft>
+              <a:defRPr sz="1000">
+                <a:solidFill>
+                  <a:srgbClr val="333333"/>
+                </a:solidFill>
+                <a:latin typeface="Calibri"/>
+              </a:defRPr>
+            </a:pPr>
+            <a:r>
+              <a:t>Health check endpoint built-in</a:t>
+            </a:r>
+          </a:p>
+          <a:p>
+            <a:pPr>
+              <a:spcAft>
+                <a:spcPts val="200"/>
+              </a:spcAft>
+              <a:defRPr sz="1000">
+                <a:solidFill>
+                  <a:srgbClr val="333333"/>
+                </a:solidFill>
+                <a:latin typeface="Calibri"/>
+              </a:defRPr>
+            </a:pPr>
+            <a:r>
+              <a:t>Volumes for data persistence</a:t>
+            </a:r>
+          </a:p>
+          <a:p>
+            <a:pPr>
+              <a:spcAft>
+                <a:spcPts val="200"/>
+              </a:spcAft>
+              <a:defRPr sz="1000">
+                <a:solidFill>
+                  <a:srgbClr val="333333"/>
+                </a:solidFill>
+                <a:latin typeface="Calibri"/>
+              </a:defRPr>
+            </a:pPr>
+            <a:r>
+              <a:t>Deploy to AWS, GCP, Azure, etc.</a:t>
+            </a:r>
+          </a:p>
+        </p:txBody>
+      </p:sp>
+      <p:sp>
+        <p:nvSpPr>
+          <p:cNvPr id="17" name="Rounded Rectangle 16"/>
+          <p:cNvSpPr/>
+          <p:nvPr/>
+        </p:nvSpPr>
+        <p:spPr>
+          <a:xfrm>
+            <a:off x="8138160" y="1371600"/>
+            <a:ext cx="3611880" cy="457200"/>
+          </a:xfrm>
+          <a:prstGeom prst="roundRect">
+            <a:avLst/>
+          </a:prstGeom>
+          <a:solidFill>
+            <a:srgbClr val="8E24AA"/>
+          </a:solidFill>
+          <a:ln>
+            <a:noFill/>
+          </a:ln>
+        </p:spPr>
+        <p:style>
+          <a:lnRef idx="1">
+            <a:schemeClr val="accent1"/>
+          </a:lnRef>
+          <a:fillRef idx="3">
+            <a:schemeClr val="accent1"/>
+          </a:fillRef>
+          <a:effectRef idx="2">
+            <a:schemeClr val="accent1"/>
+          </a:effectRef>
+          <a:fontRef idx="minor">
+            <a:schemeClr val="lt1"/>
+          </a:fontRef>
+        </p:style>
+        <p:txBody>
+          <a:bodyPr rtlCol="0" anchor="ctr"/>
+          <a:lstStyle/>
+          <a:p>
+            <a:pPr algn="ctr"/>
+          </a:p>
+        </p:txBody>
+      </p:sp>
+      <p:sp>
+        <p:nvSpPr>
+          <p:cNvPr id="18" name="TextBox 17"/>
+          <p:cNvSpPr txBox="1"/>
+          <p:nvPr/>
+        </p:nvSpPr>
+        <p:spPr>
+          <a:xfrm>
+            <a:off x="8138160" y="1417320"/>
+            <a:ext cx="3611880" cy="365760"/>
+          </a:xfrm>
+          <a:prstGeom prst="rect">
+            <a:avLst/>
+          </a:prstGeom>
+          <a:noFill/>
+        </p:spPr>
+        <p:txBody>
+          <a:bodyPr wrap="square">
+            <a:spAutoFit/>
+          </a:bodyPr>
+          <a:lstStyle/>
+          <a:p>
+            <a:pPr algn="ctr">
+              <a:defRPr sz="1400" b="1">
+                <a:solidFill>
+                  <a:srgbClr val="FFFFFF"/>
+                </a:solidFill>
+                <a:latin typeface="Calibri"/>
+              </a:defRPr>
+            </a:pPr>
+            <a:r>
+              <a:t>Streamlit Community Cloud</a:t>
+            </a:r>
+          </a:p>
+        </p:txBody>
+      </p:sp>
+      <p:sp>
+        <p:nvSpPr>
+          <p:cNvPr id="19" name="Rounded Rectangle 18"/>
+          <p:cNvSpPr/>
+          <p:nvPr/>
+        </p:nvSpPr>
+        <p:spPr>
+          <a:xfrm>
+            <a:off x="8138160" y="1828800"/>
+            <a:ext cx="3611880" cy="914400"/>
+          </a:xfrm>
+          <a:prstGeom prst="roundRect">
+            <a:avLst/>
+          </a:prstGeom>
+          <a:solidFill>
+            <a:srgbClr val="FFFFFF"/>
+          </a:solidFill>
+          <a:ln w="12700">
+            <a:solidFill>
+              <a:srgbClr val="8E24AA"/>
+            </a:solidFill>
+          </a:ln>
+        </p:spPr>
+        <p:style>
+          <a:lnRef idx="1">
+            <a:schemeClr val="accent1"/>
+          </a:lnRef>
+          <a:fillRef idx="3">
+            <a:schemeClr val="accent1"/>
+          </a:fillRef>
+          <a:effectRef idx="2">
+            <a:schemeClr val="accent1"/>
+          </a:effectRef>
+          <a:fontRef idx="minor">
+            <a:schemeClr val="lt1"/>
+          </a:fontRef>
+        </p:style>
+        <p:txBody>
+          <a:bodyPr rtlCol="0" anchor="ctr"/>
+          <a:lstStyle/>
+          <a:p>
+            <a:pPr algn="ctr"/>
+          </a:p>
+        </p:txBody>
+      </p:sp>
+      <p:sp>
+        <p:nvSpPr>
+          <p:cNvPr id="20" name="TextBox 19"/>
+          <p:cNvSpPr txBox="1"/>
+          <p:nvPr/>
+        </p:nvSpPr>
+        <p:spPr>
+          <a:xfrm>
+            <a:off x="8229600" y="1920240"/>
+            <a:ext cx="3429000" cy="777240"/>
+          </a:xfrm>
+          <a:prstGeom prst="rect">
+            <a:avLst/>
+          </a:prstGeom>
+          <a:noFill/>
+        </p:spPr>
+        <p:txBody>
+          <a:bodyPr wrap="square">
+            <a:spAutoFit/>
+          </a:bodyPr>
+          <a:lstStyle/>
+          <a:p>
+            <a:pPr>
+              <a:spcAft>
+                <a:spcPts val="200"/>
+              </a:spcAft>
+              <a:defRPr sz="1000">
+                <a:solidFill>
+                  <a:srgbClr val="757575"/>
+                </a:solidFill>
+                <a:latin typeface="Calibri"/>
+              </a:defRPr>
+            </a:pPr>
+            <a:r>
+              <a:t>Free public web app deployment</a:t>
+            </a:r>
+          </a:p>
+          <a:p>
+            <a:pPr>
+              <a:spcAft>
+                <a:spcPts val="200"/>
+              </a:spcAft>
+              <a:defRPr sz="1000">
+                <a:solidFill>
+                  <a:srgbClr val="757575"/>
+                </a:solidFill>
+                <a:latin typeface="Calibri"/>
+              </a:defRPr>
+            </a:pPr>
+            <a:r>
+              <a:t>directly from GitHub repository</a:t>
+            </a:r>
+          </a:p>
+          <a:p>
+            <a:pPr>
+              <a:spcAft>
+                <a:spcPts val="200"/>
+              </a:spcAft>
+              <a:defRPr sz="1000">
+                <a:solidFill>
+                  <a:srgbClr val="757575"/>
+                </a:solidFill>
+                <a:latin typeface="Calibri"/>
+              </a:defRPr>
+            </a:pPr>
+            <a:r>
+              <a:t>— zero infrastructure needed</a:t>
+            </a:r>
+          </a:p>
+        </p:txBody>
+      </p:sp>
+      <p:sp>
+        <p:nvSpPr>
+          <p:cNvPr id="21" name="Rounded Rectangle 20"/>
+          <p:cNvSpPr/>
+          <p:nvPr/>
+        </p:nvSpPr>
+        <p:spPr>
+          <a:xfrm>
+            <a:off x="8138160" y="2743200"/>
+            <a:ext cx="3611880" cy="2103120"/>
+          </a:xfrm>
+          <a:prstGeom prst="roundRect">
+            <a:avLst/>
+          </a:prstGeom>
+          <a:solidFill>
+            <a:srgbClr val="FFFFFF"/>
+          </a:solidFill>
+          <a:ln w="12700">
+            <a:solidFill>
+              <a:srgbClr val="8E24AA"/>
+            </a:solidFill>
+          </a:ln>
+        </p:spPr>
+        <p:style>
+          <a:lnRef idx="1">
+            <a:schemeClr val="accent1"/>
+          </a:lnRef>
+          <a:fillRef idx="3">
+            <a:schemeClr val="accent1"/>
+          </a:fillRef>
+          <a:effectRef idx="2">
+            <a:schemeClr val="accent1"/>
+          </a:effectRef>
+          <a:fontRef idx="minor">
+            <a:schemeClr val="lt1"/>
+          </a:fontRef>
+        </p:style>
+        <p:txBody>
+          <a:bodyPr rtlCol="0" anchor="ctr"/>
+          <a:lstStyle/>
+          <a:p>
+            <a:pPr algn="ctr"/>
+          </a:p>
+        </p:txBody>
+      </p:sp>
+      <p:sp>
+        <p:nvSpPr>
+          <p:cNvPr id="22" name="TextBox 21"/>
+          <p:cNvSpPr txBox="1"/>
+          <p:nvPr/>
+        </p:nvSpPr>
+        <p:spPr>
+          <a:xfrm>
+            <a:off x="8229600" y="2834640"/>
+            <a:ext cx="3429000" cy="1920240"/>
+          </a:xfrm>
+          <a:prstGeom prst="rect">
+            <a:avLst/>
+          </a:prstGeom>
+          <a:noFill/>
+        </p:spPr>
+        <p:txBody>
+          <a:bodyPr wrap="square">
+            <a:spAutoFit/>
+          </a:bodyPr>
+          <a:lstStyle/>
+          <a:p>
+            <a:pPr>
+              <a:spcAft>
+                <a:spcPts val="200"/>
+              </a:spcAft>
+              <a:defRPr sz="1000">
+                <a:solidFill>
+                  <a:srgbClr val="333333"/>
+                </a:solidFill>
+                <a:latin typeface="Calibri"/>
+              </a:defRPr>
+            </a:pPr>
+            <a:r>
+              <a:t>Deploy at share.streamlit.io</a:t>
+            </a:r>
+          </a:p>
+          <a:p>
+            <a:pPr>
+              <a:spcAft>
+                <a:spcPts val="200"/>
+              </a:spcAft>
+              <a:defRPr sz="1000">
+                <a:solidFill>
+                  <a:srgbClr val="333333"/>
+                </a:solidFill>
+                <a:latin typeface="Calibri"/>
+              </a:defRPr>
+            </a:pPr>
+            <a:r>
+              <a:t>Sign in with GitHub account</a:t>
+            </a:r>
+          </a:p>
+          <a:p>
+            <a:pPr>
+              <a:spcAft>
+                <a:spcPts val="200"/>
+              </a:spcAft>
+              <a:defRPr sz="1000">
+                <a:solidFill>
+                  <a:srgbClr val="333333"/>
+                </a:solidFill>
+                <a:latin typeface="Calibri"/>
+              </a:defRPr>
+            </a:pPr>
+            <a:r>
+              <a:t>Select repo + plin_app.py</a:t>
+            </a:r>
+          </a:p>
+          <a:p>
+            <a:pPr>
+              <a:spcAft>
+                <a:spcPts val="200"/>
+              </a:spcAft>
+              <a:defRPr sz="1000">
+                <a:solidFill>
+                  <a:srgbClr val="333333"/>
+                </a:solidFill>
+                <a:latin typeface="Calibri"/>
+              </a:defRPr>
+            </a:pPr>
+            <a:r>
+              <a:t>Public URL auto-generated</a:t>
+            </a:r>
+          </a:p>
+          <a:p>
+            <a:pPr>
+              <a:spcAft>
+                <a:spcPts val="200"/>
+              </a:spcAft>
+              <a:defRPr sz="1000">
+                <a:solidFill>
+                  <a:srgbClr val="333333"/>
+                </a:solidFill>
+                <a:latin typeface="Calibri"/>
+              </a:defRPr>
+            </a:pPr>
+            <a:r>
+              <a:t>Auto-redeploys on git push</a:t>
+            </a:r>
+          </a:p>
+          <a:p>
+            <a:pPr>
+              <a:spcAft>
+                <a:spcPts val="200"/>
+              </a:spcAft>
+              <a:defRPr sz="1000">
+                <a:solidFill>
+                  <a:srgbClr val="333333"/>
+                </a:solidFill>
+                <a:latin typeface="Calibri"/>
+              </a:defRPr>
+            </a:pPr>
+            <a:r>
+              <a:t>Free tier available</a:t>
+            </a:r>
+          </a:p>
+        </p:txBody>
+      </p:sp>
+      <p:sp>
+        <p:nvSpPr>
+          <p:cNvPr id="23" name="Rounded Rectangle 22"/>
+          <p:cNvSpPr/>
+          <p:nvPr/>
+        </p:nvSpPr>
+        <p:spPr>
+          <a:xfrm>
+            <a:off x="365760" y="5120640"/>
+            <a:ext cx="11430000" cy="1463040"/>
+          </a:xfrm>
+          <a:prstGeom prst="roundRect">
+            <a:avLst/>
+          </a:prstGeom>
+          <a:solidFill>
+            <a:srgbClr val="ECEFF1"/>
+          </a:solidFill>
+          <a:ln w="12700">
+            <a:solidFill>
+              <a:srgbClr val="757575"/>
+            </a:solidFill>
+          </a:ln>
+        </p:spPr>
+        <p:style>
+          <a:lnRef idx="1">
+            <a:schemeClr val="accent1"/>
+          </a:lnRef>
+          <a:fillRef idx="3">
+            <a:schemeClr val="accent1"/>
+          </a:fillRef>
+          <a:effectRef idx="2">
+            <a:schemeClr val="accent1"/>
+          </a:effectRef>
+          <a:fontRef idx="minor">
+            <a:schemeClr val="lt1"/>
+          </a:fontRef>
+        </p:style>
+        <p:txBody>
+          <a:bodyPr rtlCol="0" anchor="ctr"/>
+          <a:lstStyle/>
+          <a:p>
+            <a:pPr algn="ctr"/>
+          </a:p>
+        </p:txBody>
+      </p:sp>
+      <p:sp>
+        <p:nvSpPr>
+          <p:cNvPr id="24" name="TextBox 23"/>
+          <p:cNvSpPr txBox="1"/>
+          <p:nvPr/>
+        </p:nvSpPr>
+        <p:spPr>
+          <a:xfrm>
+            <a:off x="548640" y="5166360"/>
+            <a:ext cx="10972800" cy="320040"/>
+          </a:xfrm>
+          <a:prstGeom prst="rect">
+            <a:avLst/>
+          </a:prstGeom>
+          <a:noFill/>
+        </p:spPr>
+        <p:txBody>
+          <a:bodyPr wrap="square">
+            <a:spAutoFit/>
+          </a:bodyPr>
+          <a:lstStyle/>
+          <a:p>
+            <a:pPr algn="l">
+              <a:defRPr sz="1400" b="1">
+                <a:solidFill>
+                  <a:srgbClr val="0D47A1"/>
+                </a:solidFill>
+                <a:latin typeface="Calibri"/>
+              </a:defRPr>
+            </a:pPr>
+            <a:r>
+              <a:t>Distribution Architecture</a:t>
+            </a:r>
+          </a:p>
+        </p:txBody>
+      </p:sp>
+      <p:sp>
+        <p:nvSpPr>
+          <p:cNvPr id="25" name="Rounded Rectangle 24"/>
+          <p:cNvSpPr/>
+          <p:nvPr/>
+        </p:nvSpPr>
+        <p:spPr>
+          <a:xfrm>
+            <a:off x="548640" y="5577840"/>
+            <a:ext cx="1920240" cy="320040"/>
+          </a:xfrm>
+          <a:prstGeom prst="roundRect">
+            <a:avLst/>
+          </a:prstGeom>
+          <a:solidFill>
+            <a:srgbClr val="0D47A1"/>
+          </a:solidFill>
+          <a:ln>
+            <a:noFill/>
+          </a:ln>
+        </p:spPr>
+        <p:style>
+          <a:lnRef idx="1">
+            <a:schemeClr val="accent1"/>
+          </a:lnRef>
+          <a:fillRef idx="3">
+            <a:schemeClr val="accent1"/>
+          </a:fillRef>
+          <a:effectRef idx="2">
+            <a:schemeClr val="accent1"/>
+          </a:effectRef>
+          <a:fontRef idx="minor">
+            <a:schemeClr val="lt1"/>
+          </a:fontRef>
+        </p:style>
+        <p:txBody>
+          <a:bodyPr rtlCol="0" anchor="ctr"/>
+          <a:lstStyle/>
+          <a:p>
+            <a:pPr algn="ctr"/>
+          </a:p>
+        </p:txBody>
+      </p:sp>
+      <p:sp>
+        <p:nvSpPr>
+          <p:cNvPr id="26" name="TextBox 25"/>
+          <p:cNvSpPr txBox="1"/>
+          <p:nvPr/>
+        </p:nvSpPr>
+        <p:spPr>
+          <a:xfrm>
+            <a:off x="548640" y="5596128"/>
+            <a:ext cx="1920240" cy="274320"/>
+          </a:xfrm>
+          <a:prstGeom prst="rect">
+            <a:avLst/>
+          </a:prstGeom>
+          <a:noFill/>
+        </p:spPr>
+        <p:txBody>
+          <a:bodyPr wrap="square">
+            <a:spAutoFit/>
+          </a:bodyPr>
+          <a:lstStyle/>
+          <a:p>
+            <a:pPr algn="ctr">
+              <a:defRPr sz="1000" b="1">
+                <a:solidFill>
+                  <a:srgbClr val="FFFFFF"/>
+                </a:solidFill>
+                <a:latin typeface="Calibri"/>
+              </a:defRPr>
+            </a:pPr>
+            <a:r>
+              <a:t>GitHub Repo</a:t>
+            </a:r>
+          </a:p>
+        </p:txBody>
+      </p:sp>
+      <p:sp>
+        <p:nvSpPr>
+          <p:cNvPr id="27" name="Rounded Rectangle 26"/>
+          <p:cNvSpPr/>
+          <p:nvPr/>
+        </p:nvSpPr>
+        <p:spPr>
+          <a:xfrm>
+            <a:off x="548640" y="5897880"/>
+            <a:ext cx="1920240" cy="594360"/>
+          </a:xfrm>
+          <a:prstGeom prst="roundRect">
+            <a:avLst/>
+          </a:prstGeom>
+          <a:solidFill>
+            <a:srgbClr val="FFFFFF"/>
+          </a:solidFill>
+          <a:ln w="12700">
+            <a:solidFill>
+              <a:srgbClr val="0D47A1"/>
+            </a:solidFill>
+          </a:ln>
+        </p:spPr>
+        <p:style>
+          <a:lnRef idx="1">
+            <a:schemeClr val="accent1"/>
+          </a:lnRef>
+          <a:fillRef idx="3">
+            <a:schemeClr val="accent1"/>
+          </a:fillRef>
+          <a:effectRef idx="2">
+            <a:schemeClr val="accent1"/>
+          </a:effectRef>
+          <a:fontRef idx="minor">
+            <a:schemeClr val="lt1"/>
+          </a:fontRef>
+        </p:style>
+        <p:txBody>
+          <a:bodyPr rtlCol="0" anchor="ctr"/>
+          <a:lstStyle/>
+          <a:p>
+            <a:pPr algn="ctr"/>
+          </a:p>
+        </p:txBody>
+      </p:sp>
+      <p:sp>
+        <p:nvSpPr>
+          <p:cNvPr id="28" name="TextBox 27"/>
+          <p:cNvSpPr txBox="1"/>
+          <p:nvPr/>
+        </p:nvSpPr>
+        <p:spPr>
+          <a:xfrm>
+            <a:off x="594360" y="5943600"/>
+            <a:ext cx="1828800" cy="502920"/>
+          </a:xfrm>
+          <a:prstGeom prst="rect">
+            <a:avLst/>
+          </a:prstGeom>
+          <a:noFill/>
+        </p:spPr>
+        <p:txBody>
+          <a:bodyPr wrap="square">
+            <a:spAutoFit/>
+          </a:bodyPr>
+          <a:lstStyle/>
+          <a:p>
+            <a:pPr>
+              <a:spcAft>
+                <a:spcPts val="200"/>
+              </a:spcAft>
+              <a:defRPr sz="800">
+                <a:solidFill>
+                  <a:srgbClr val="333333"/>
+                </a:solidFill>
+                <a:latin typeface="Calibri"/>
+              </a:defRPr>
+            </a:pPr>
+            <a:r>
+              <a:t>Source code</a:t>
+            </a:r>
+          </a:p>
+          <a:p>
+            <a:pPr>
+              <a:spcAft>
+                <a:spcPts val="200"/>
+              </a:spcAft>
+              <a:defRPr sz="800">
+                <a:solidFill>
+                  <a:srgbClr val="333333"/>
+                </a:solidFill>
+                <a:latin typeface="Calibri"/>
+              </a:defRPr>
+            </a:pPr>
+            <a:r>
+              <a:t>LICENSE</a:t>
+            </a:r>
+          </a:p>
+          <a:p>
+            <a:pPr>
+              <a:spcAft>
+                <a:spcPts val="200"/>
+              </a:spcAft>
+              <a:defRPr sz="800">
+                <a:solidFill>
+                  <a:srgbClr val="333333"/>
+                </a:solidFill>
+                <a:latin typeface="Calibri"/>
+              </a:defRPr>
+            </a:pPr>
+            <a:r>
+              <a:t>CITATION.cff</a:t>
+            </a:r>
+          </a:p>
+        </p:txBody>
+      </p:sp>
+      <p:sp>
+        <p:nvSpPr>
+          <p:cNvPr id="29" name="Right Arrow 28"/>
+          <p:cNvSpPr/>
+          <p:nvPr/>
+        </p:nvSpPr>
+        <p:spPr>
+          <a:xfrm>
+            <a:off x="2514600" y="5989320"/>
+            <a:ext cx="274320" cy="182880"/>
+          </a:xfrm>
+          <a:prstGeom prst="rightArrow">
+            <a:avLst/>
+          </a:prstGeom>
+          <a:solidFill>
+            <a:srgbClr val="333333"/>
+          </a:solidFill>
+          <a:ln>
+            <a:noFill/>
+          </a:ln>
+        </p:spPr>
+        <p:style>
+          <a:lnRef idx="1">
+            <a:schemeClr val="accent1"/>
+          </a:lnRef>
+          <a:fillRef idx="3">
+            <a:schemeClr val="accent1"/>
+          </a:fillRef>
+          <a:effectRef idx="2">
+            <a:schemeClr val="accent1"/>
+          </a:effectRef>
+          <a:fontRef idx="minor">
+            <a:schemeClr val="lt1"/>
+          </a:fontRef>
+        </p:style>
+        <p:txBody>
+          <a:bodyPr rtlCol="0" anchor="ctr"/>
+          <a:lstStyle/>
+          <a:p>
+            <a:pPr algn="ctr"/>
+          </a:p>
+        </p:txBody>
+      </p:sp>
+      <p:sp>
+        <p:nvSpPr>
+          <p:cNvPr id="30" name="Rounded Rectangle 29"/>
+          <p:cNvSpPr/>
+          <p:nvPr/>
+        </p:nvSpPr>
+        <p:spPr>
+          <a:xfrm>
+            <a:off x="2834640" y="5577840"/>
+            <a:ext cx="1920240" cy="320040"/>
+          </a:xfrm>
+          <a:prstGeom prst="roundRect">
+            <a:avLst/>
+          </a:prstGeom>
+          <a:solidFill>
+            <a:srgbClr val="1E88E5"/>
+          </a:solidFill>
+          <a:ln>
+            <a:noFill/>
+          </a:ln>
+        </p:spPr>
+        <p:style>
+          <a:lnRef idx="1">
+            <a:schemeClr val="accent1"/>
+          </a:lnRef>
+          <a:fillRef idx="3">
+            <a:schemeClr val="accent1"/>
+          </a:fillRef>
+          <a:effectRef idx="2">
+            <a:schemeClr val="accent1"/>
+          </a:effectRef>
+          <a:fontRef idx="minor">
+            <a:schemeClr val="lt1"/>
+          </a:fontRef>
+        </p:style>
+        <p:txBody>
+          <a:bodyPr rtlCol="0" anchor="ctr"/>
+          <a:lstStyle/>
+          <a:p>
+            <a:pPr algn="ctr"/>
+          </a:p>
+        </p:txBody>
+      </p:sp>
+      <p:sp>
+        <p:nvSpPr>
+          <p:cNvPr id="31" name="TextBox 30"/>
+          <p:cNvSpPr txBox="1"/>
+          <p:nvPr/>
+        </p:nvSpPr>
+        <p:spPr>
+          <a:xfrm>
+            <a:off x="2834640" y="5596128"/>
+            <a:ext cx="1920240" cy="274320"/>
+          </a:xfrm>
+          <a:prstGeom prst="rect">
+            <a:avLst/>
+          </a:prstGeom>
+          <a:noFill/>
+        </p:spPr>
+        <p:txBody>
+          <a:bodyPr wrap="square">
+            <a:spAutoFit/>
+          </a:bodyPr>
+          <a:lstStyle/>
+          <a:p>
+            <a:pPr algn="ctr">
+              <a:defRPr sz="1000" b="1">
+                <a:solidFill>
+                  <a:srgbClr val="FFFFFF"/>
+                </a:solidFill>
+                <a:latin typeface="Calibri"/>
+              </a:defRPr>
+            </a:pPr>
+            <a:r>
+              <a:t>pip install</a:t>
+            </a:r>
+          </a:p>
+        </p:txBody>
+      </p:sp>
+      <p:sp>
+        <p:nvSpPr>
+          <p:cNvPr id="32" name="Rounded Rectangle 31"/>
+          <p:cNvSpPr/>
+          <p:nvPr/>
+        </p:nvSpPr>
+        <p:spPr>
+          <a:xfrm>
+            <a:off x="2834640" y="5897880"/>
+            <a:ext cx="1920240" cy="594360"/>
+          </a:xfrm>
+          <a:prstGeom prst="roundRect">
+            <a:avLst/>
+          </a:prstGeom>
+          <a:solidFill>
+            <a:srgbClr val="FFFFFF"/>
+          </a:solidFill>
+          <a:ln w="12700">
+            <a:solidFill>
+              <a:srgbClr val="1E88E5"/>
+            </a:solidFill>
+          </a:ln>
+        </p:spPr>
+        <p:style>
+          <a:lnRef idx="1">
+            <a:schemeClr val="accent1"/>
+          </a:lnRef>
+          <a:fillRef idx="3">
+            <a:schemeClr val="accent1"/>
+          </a:fillRef>
+          <a:effectRef idx="2">
+            <a:schemeClr val="accent1"/>
+          </a:effectRef>
+          <a:fontRef idx="minor">
+            <a:schemeClr val="lt1"/>
+          </a:fontRef>
+        </p:style>
+        <p:txBody>
+          <a:bodyPr rtlCol="0" anchor="ctr"/>
+          <a:lstStyle/>
+          <a:p>
+            <a:pPr algn="ctr"/>
+          </a:p>
+        </p:txBody>
+      </p:sp>
+      <p:sp>
+        <p:nvSpPr>
+          <p:cNvPr id="33" name="TextBox 32"/>
+          <p:cNvSpPr txBox="1"/>
+          <p:nvPr/>
+        </p:nvSpPr>
+        <p:spPr>
+          <a:xfrm>
+            <a:off x="2880360" y="5943600"/>
+            <a:ext cx="1828800" cy="502920"/>
+          </a:xfrm>
+          <a:prstGeom prst="rect">
+            <a:avLst/>
+          </a:prstGeom>
+          <a:noFill/>
+        </p:spPr>
+        <p:txBody>
+          <a:bodyPr wrap="square">
+            <a:spAutoFit/>
+          </a:bodyPr>
+          <a:lstStyle/>
+          <a:p>
+            <a:pPr>
+              <a:spcAft>
+                <a:spcPts val="200"/>
+              </a:spcAft>
+              <a:defRPr sz="800">
+                <a:solidFill>
+                  <a:srgbClr val="333333"/>
+                </a:solidFill>
+                <a:latin typeface="Calibri"/>
+              </a:defRPr>
+            </a:pPr>
+            <a:r>
+              <a:t>requirements.txt</a:t>
+            </a:r>
+          </a:p>
+          <a:p>
+            <a:pPr>
+              <a:spcAft>
+                <a:spcPts val="200"/>
+              </a:spcAft>
+              <a:defRPr sz="800">
+                <a:solidFill>
+                  <a:srgbClr val="333333"/>
+                </a:solidFill>
+                <a:latin typeface="Calibri"/>
+              </a:defRPr>
+            </a:pPr>
+            <a:r>
+              <a:t>Python 3.10+</a:t>
+            </a:r>
+          </a:p>
+          <a:p>
+            <a:pPr>
+              <a:spcAft>
+                <a:spcPts val="200"/>
+              </a:spcAft>
+              <a:defRPr sz="800">
+                <a:solidFill>
+                  <a:srgbClr val="333333"/>
+                </a:solidFill>
+                <a:latin typeface="Calibri"/>
+              </a:defRPr>
+            </a:pPr>
+            <a:r>
+              <a:t>venv isolation</a:t>
+            </a:r>
+          </a:p>
+        </p:txBody>
+      </p:sp>
+      <p:sp>
+        <p:nvSpPr>
+          <p:cNvPr id="34" name="Right Arrow 33"/>
+          <p:cNvSpPr/>
+          <p:nvPr/>
+        </p:nvSpPr>
+        <p:spPr>
+          <a:xfrm>
+            <a:off x="4800600" y="5989320"/>
+            <a:ext cx="274320" cy="182880"/>
+          </a:xfrm>
+          <a:prstGeom prst="rightArrow">
+            <a:avLst/>
+          </a:prstGeom>
+          <a:solidFill>
+            <a:srgbClr val="333333"/>
+          </a:solidFill>
+          <a:ln>
+            <a:noFill/>
+          </a:ln>
+        </p:spPr>
+        <p:style>
+          <a:lnRef idx="1">
+            <a:schemeClr val="accent1"/>
+          </a:lnRef>
+          <a:fillRef idx="3">
+            <a:schemeClr val="accent1"/>
+          </a:fillRef>
+          <a:effectRef idx="2">
+            <a:schemeClr val="accent1"/>
+          </a:effectRef>
+          <a:fontRef idx="minor">
+            <a:schemeClr val="lt1"/>
+          </a:fontRef>
+        </p:style>
+        <p:txBody>
+          <a:bodyPr rtlCol="0" anchor="ctr"/>
+          <a:lstStyle/>
+          <a:p>
+            <a:pPr algn="ctr"/>
+          </a:p>
+        </p:txBody>
+      </p:sp>
+      <p:sp>
+        <p:nvSpPr>
+          <p:cNvPr id="35" name="Rounded Rectangle 34"/>
+          <p:cNvSpPr/>
+          <p:nvPr/>
+        </p:nvSpPr>
+        <p:spPr>
+          <a:xfrm>
+            <a:off x="5120640" y="5577840"/>
+            <a:ext cx="1920240" cy="320040"/>
+          </a:xfrm>
+          <a:prstGeom prst="roundRect">
+            <a:avLst/>
+          </a:prstGeom>
+          <a:solidFill>
+            <a:srgbClr val="43A047"/>
+          </a:solidFill>
+          <a:ln>
+            <a:noFill/>
+          </a:ln>
+        </p:spPr>
+        <p:style>
+          <a:lnRef idx="1">
+            <a:schemeClr val="accent1"/>
+          </a:lnRef>
+          <a:fillRef idx="3">
+            <a:schemeClr val="accent1"/>
+          </a:fillRef>
+          <a:effectRef idx="2">
+            <a:schemeClr val="accent1"/>
+          </a:effectRef>
+          <a:fontRef idx="minor">
+            <a:schemeClr val="lt1"/>
+          </a:fontRef>
+        </p:style>
+        <p:txBody>
+          <a:bodyPr rtlCol="0" anchor="ctr"/>
+          <a:lstStyle/>
+          <a:p>
+            <a:pPr algn="ctr"/>
+          </a:p>
+        </p:txBody>
+      </p:sp>
+      <p:sp>
+        <p:nvSpPr>
+          <p:cNvPr id="36" name="TextBox 35"/>
+          <p:cNvSpPr txBox="1"/>
+          <p:nvPr/>
+        </p:nvSpPr>
+        <p:spPr>
+          <a:xfrm>
+            <a:off x="5120640" y="5596128"/>
+            <a:ext cx="1920240" cy="274320"/>
+          </a:xfrm>
+          <a:prstGeom prst="rect">
+            <a:avLst/>
+          </a:prstGeom>
+          <a:noFill/>
+        </p:spPr>
+        <p:txBody>
+          <a:bodyPr wrap="square">
+            <a:spAutoFit/>
+          </a:bodyPr>
+          <a:lstStyle/>
+          <a:p>
+            <a:pPr algn="ctr">
+              <a:defRPr sz="1000" b="1">
+                <a:solidFill>
+                  <a:srgbClr val="FFFFFF"/>
+                </a:solidFill>
+                <a:latin typeface="Calibri"/>
+              </a:defRPr>
+            </a:pPr>
+            <a:r>
+              <a:t>Streamlit App</a:t>
+            </a:r>
+          </a:p>
+        </p:txBody>
+      </p:sp>
+      <p:sp>
+        <p:nvSpPr>
+          <p:cNvPr id="37" name="Rounded Rectangle 36"/>
+          <p:cNvSpPr/>
+          <p:nvPr/>
+        </p:nvSpPr>
+        <p:spPr>
+          <a:xfrm>
+            <a:off x="5120640" y="5897880"/>
+            <a:ext cx="1920240" cy="594360"/>
+          </a:xfrm>
+          <a:prstGeom prst="roundRect">
+            <a:avLst/>
+          </a:prstGeom>
+          <a:solidFill>
+            <a:srgbClr val="FFFFFF"/>
+          </a:solidFill>
+          <a:ln w="12700">
+            <a:solidFill>
+              <a:srgbClr val="43A047"/>
+            </a:solidFill>
+          </a:ln>
+        </p:spPr>
+        <p:style>
+          <a:lnRef idx="1">
+            <a:schemeClr val="accent1"/>
+          </a:lnRef>
+          <a:fillRef idx="3">
+            <a:schemeClr val="accent1"/>
+          </a:fillRef>
+          <a:effectRef idx="2">
+            <a:schemeClr val="accent1"/>
+          </a:effectRef>
+          <a:fontRef idx="minor">
+            <a:schemeClr val="lt1"/>
+          </a:fontRef>
+        </p:style>
+        <p:txBody>
+          <a:bodyPr rtlCol="0" anchor="ctr"/>
+          <a:lstStyle/>
+          <a:p>
+            <a:pPr algn="ctr"/>
+          </a:p>
+        </p:txBody>
+      </p:sp>
+      <p:sp>
+        <p:nvSpPr>
+          <p:cNvPr id="38" name="TextBox 37"/>
+          <p:cNvSpPr txBox="1"/>
+          <p:nvPr/>
+        </p:nvSpPr>
+        <p:spPr>
+          <a:xfrm>
+            <a:off x="5166360" y="5943600"/>
+            <a:ext cx="1828800" cy="502920"/>
+          </a:xfrm>
+          <a:prstGeom prst="rect">
+            <a:avLst/>
+          </a:prstGeom>
+          <a:noFill/>
+        </p:spPr>
+        <p:txBody>
+          <a:bodyPr wrap="square">
+            <a:spAutoFit/>
+          </a:bodyPr>
+          <a:lstStyle/>
+          <a:p>
+            <a:pPr>
+              <a:spcAft>
+                <a:spcPts val="200"/>
+              </a:spcAft>
+              <a:defRPr sz="800">
+                <a:solidFill>
+                  <a:srgbClr val="333333"/>
+                </a:solidFill>
+                <a:latin typeface="Calibri"/>
+              </a:defRPr>
+            </a:pPr>
+            <a:r>
+              <a:t>plin_app.py</a:t>
+            </a:r>
+          </a:p>
+          <a:p>
+            <a:pPr>
+              <a:spcAft>
+                <a:spcPts val="200"/>
+              </a:spcAft>
+              <a:defRPr sz="800">
+                <a:solidFill>
+                  <a:srgbClr val="333333"/>
+                </a:solidFill>
+                <a:latin typeface="Calibri"/>
+              </a:defRPr>
+            </a:pPr>
+            <a:r>
+              <a:t>6 analysis tabs</a:t>
+            </a:r>
+          </a:p>
+          <a:p>
+            <a:pPr>
+              <a:spcAft>
+                <a:spcPts val="200"/>
+              </a:spcAft>
+              <a:defRPr sz="800">
+                <a:solidFill>
+                  <a:srgbClr val="333333"/>
+                </a:solidFill>
+                <a:latin typeface="Calibri"/>
+              </a:defRPr>
+            </a:pPr>
+            <a:r>
+              <a:t>Interactive GUI</a:t>
+            </a:r>
+          </a:p>
+        </p:txBody>
+      </p:sp>
+      <p:sp>
+        <p:nvSpPr>
+          <p:cNvPr id="39" name="Right Arrow 38"/>
+          <p:cNvSpPr/>
+          <p:nvPr/>
+        </p:nvSpPr>
+        <p:spPr>
+          <a:xfrm>
+            <a:off x="7086600" y="5989320"/>
+            <a:ext cx="274320" cy="182880"/>
+          </a:xfrm>
+          <a:prstGeom prst="rightArrow">
+            <a:avLst/>
+          </a:prstGeom>
+          <a:solidFill>
+            <a:srgbClr val="333333"/>
+          </a:solidFill>
+          <a:ln>
+            <a:noFill/>
+          </a:ln>
+        </p:spPr>
+        <p:style>
+          <a:lnRef idx="1">
+            <a:schemeClr val="accent1"/>
+          </a:lnRef>
+          <a:fillRef idx="3">
+            <a:schemeClr val="accent1"/>
+          </a:fillRef>
+          <a:effectRef idx="2">
+            <a:schemeClr val="accent1"/>
+          </a:effectRef>
+          <a:fontRef idx="minor">
+            <a:schemeClr val="lt1"/>
+          </a:fontRef>
+        </p:style>
+        <p:txBody>
+          <a:bodyPr rtlCol="0" anchor="ctr"/>
+          <a:lstStyle/>
+          <a:p>
+            <a:pPr algn="ctr"/>
+          </a:p>
+        </p:txBody>
+      </p:sp>
+      <p:sp>
+        <p:nvSpPr>
+          <p:cNvPr id="40" name="Rounded Rectangle 39"/>
+          <p:cNvSpPr/>
+          <p:nvPr/>
+        </p:nvSpPr>
+        <p:spPr>
+          <a:xfrm>
+            <a:off x="7406640" y="5577840"/>
+            <a:ext cx="1920240" cy="320040"/>
+          </a:xfrm>
+          <a:prstGeom prst="roundRect">
+            <a:avLst/>
+          </a:prstGeom>
+          <a:solidFill>
+            <a:srgbClr val="FB8C00"/>
+          </a:solidFill>
+          <a:ln>
+            <a:noFill/>
+          </a:ln>
+        </p:spPr>
+        <p:style>
+          <a:lnRef idx="1">
+            <a:schemeClr val="accent1"/>
+          </a:lnRef>
+          <a:fillRef idx="3">
+            <a:schemeClr val="accent1"/>
+          </a:fillRef>
+          <a:effectRef idx="2">
+            <a:schemeClr val="accent1"/>
+          </a:effectRef>
+          <a:fontRef idx="minor">
+            <a:schemeClr val="lt1"/>
+          </a:fontRef>
+        </p:style>
+        <p:txBody>
+          <a:bodyPr rtlCol="0" anchor="ctr"/>
+          <a:lstStyle/>
+          <a:p>
+            <a:pPr algn="ctr"/>
+          </a:p>
+        </p:txBody>
+      </p:sp>
+      <p:sp>
+        <p:nvSpPr>
+          <p:cNvPr id="41" name="TextBox 40"/>
+          <p:cNvSpPr txBox="1"/>
+          <p:nvPr/>
+        </p:nvSpPr>
+        <p:spPr>
+          <a:xfrm>
+            <a:off x="7406640" y="5596128"/>
+            <a:ext cx="1920240" cy="274320"/>
+          </a:xfrm>
+          <a:prstGeom prst="rect">
+            <a:avLst/>
+          </a:prstGeom>
+          <a:noFill/>
+        </p:spPr>
+        <p:txBody>
+          <a:bodyPr wrap="square">
+            <a:spAutoFit/>
+          </a:bodyPr>
+          <a:lstStyle/>
+          <a:p>
+            <a:pPr algn="ctr">
+              <a:defRPr sz="1000" b="1">
+                <a:solidFill>
+                  <a:srgbClr val="FFFFFF"/>
+                </a:solidFill>
+                <a:latin typeface="Calibri"/>
+              </a:defRPr>
+            </a:pPr>
+            <a:r>
+              <a:t>Docker Image</a:t>
+            </a:r>
+          </a:p>
+        </p:txBody>
+      </p:sp>
+      <p:sp>
+        <p:nvSpPr>
+          <p:cNvPr id="42" name="Rounded Rectangle 41"/>
+          <p:cNvSpPr/>
+          <p:nvPr/>
+        </p:nvSpPr>
+        <p:spPr>
+          <a:xfrm>
+            <a:off x="7406640" y="5897880"/>
+            <a:ext cx="1920240" cy="594360"/>
+          </a:xfrm>
+          <a:prstGeom prst="roundRect">
+            <a:avLst/>
+          </a:prstGeom>
+          <a:solidFill>
+            <a:srgbClr val="FFFFFF"/>
+          </a:solidFill>
+          <a:ln w="12700">
+            <a:solidFill>
+              <a:srgbClr val="FB8C00"/>
+            </a:solidFill>
+          </a:ln>
+        </p:spPr>
+        <p:style>
+          <a:lnRef idx="1">
+            <a:schemeClr val="accent1"/>
+          </a:lnRef>
+          <a:fillRef idx="3">
+            <a:schemeClr val="accent1"/>
+          </a:fillRef>
+          <a:effectRef idx="2">
+            <a:schemeClr val="accent1"/>
+          </a:effectRef>
+          <a:fontRef idx="minor">
+            <a:schemeClr val="lt1"/>
+          </a:fontRef>
+        </p:style>
+        <p:txBody>
+          <a:bodyPr rtlCol="0" anchor="ctr"/>
+          <a:lstStyle/>
+          <a:p>
+            <a:pPr algn="ctr"/>
+          </a:p>
+        </p:txBody>
+      </p:sp>
+      <p:sp>
+        <p:nvSpPr>
+          <p:cNvPr id="43" name="TextBox 42"/>
+          <p:cNvSpPr txBox="1"/>
+          <p:nvPr/>
+        </p:nvSpPr>
+        <p:spPr>
+          <a:xfrm>
+            <a:off x="7452360" y="5943600"/>
+            <a:ext cx="1828800" cy="502920"/>
+          </a:xfrm>
+          <a:prstGeom prst="rect">
+            <a:avLst/>
+          </a:prstGeom>
+          <a:noFill/>
+        </p:spPr>
+        <p:txBody>
+          <a:bodyPr wrap="square">
+            <a:spAutoFit/>
+          </a:bodyPr>
+          <a:lstStyle/>
+          <a:p>
+            <a:pPr>
+              <a:spcAft>
+                <a:spcPts val="200"/>
+              </a:spcAft>
+              <a:defRPr sz="800">
+                <a:solidFill>
+                  <a:srgbClr val="333333"/>
+                </a:solidFill>
+                <a:latin typeface="Calibri"/>
+              </a:defRPr>
+            </a:pPr>
+            <a:r>
+              <a:t>Dockerfile</a:t>
+            </a:r>
+          </a:p>
+          <a:p>
+            <a:pPr>
+              <a:spcAft>
+                <a:spcPts val="200"/>
+              </a:spcAft>
+              <a:defRPr sz="800">
+                <a:solidFill>
+                  <a:srgbClr val="333333"/>
+                </a:solidFill>
+                <a:latin typeface="Calibri"/>
+              </a:defRPr>
+            </a:pPr>
+            <a:r>
+              <a:t>Self-contained</a:t>
+            </a:r>
+          </a:p>
+          <a:p>
+            <a:pPr>
+              <a:spcAft>
+                <a:spcPts val="200"/>
+              </a:spcAft>
+              <a:defRPr sz="800">
+                <a:solidFill>
+                  <a:srgbClr val="333333"/>
+                </a:solidFill>
+                <a:latin typeface="Calibri"/>
+              </a:defRPr>
+            </a:pPr>
+            <a:r>
+              <a:t>Cloud-ready</a:t>
+            </a:r>
+          </a:p>
+        </p:txBody>
+      </p:sp>
+      <p:sp>
+        <p:nvSpPr>
+          <p:cNvPr id="44" name="Right Arrow 43"/>
+          <p:cNvSpPr/>
+          <p:nvPr/>
+        </p:nvSpPr>
+        <p:spPr>
+          <a:xfrm>
+            <a:off x="9372600" y="5989320"/>
+            <a:ext cx="274320" cy="182880"/>
+          </a:xfrm>
+          <a:prstGeom prst="rightArrow">
+            <a:avLst/>
+          </a:prstGeom>
+          <a:solidFill>
+            <a:srgbClr val="333333"/>
+          </a:solidFill>
+          <a:ln>
+            <a:noFill/>
+          </a:ln>
+        </p:spPr>
+        <p:style>
+          <a:lnRef idx="1">
+            <a:schemeClr val="accent1"/>
+          </a:lnRef>
+          <a:fillRef idx="3">
+            <a:schemeClr val="accent1"/>
+          </a:fillRef>
+          <a:effectRef idx="2">
+            <a:schemeClr val="accent1"/>
+          </a:effectRef>
+          <a:fontRef idx="minor">
+            <a:schemeClr val="lt1"/>
+          </a:fontRef>
+        </p:style>
+        <p:txBody>
+          <a:bodyPr rtlCol="0" anchor="ctr"/>
+          <a:lstStyle/>
+          <a:p>
+            <a:pPr algn="ctr"/>
+          </a:p>
+        </p:txBody>
+      </p:sp>
+      <p:sp>
+        <p:nvSpPr>
+          <p:cNvPr id="45" name="Rounded Rectangle 44"/>
+          <p:cNvSpPr/>
+          <p:nvPr/>
+        </p:nvSpPr>
+        <p:spPr>
+          <a:xfrm>
+            <a:off x="9692640" y="5577840"/>
+            <a:ext cx="1920240" cy="320040"/>
+          </a:xfrm>
+          <a:prstGeom prst="roundRect">
+            <a:avLst/>
+          </a:prstGeom>
+          <a:solidFill>
+            <a:srgbClr val="8E24AA"/>
+          </a:solidFill>
+          <a:ln>
+            <a:noFill/>
+          </a:ln>
+        </p:spPr>
+        <p:style>
+          <a:lnRef idx="1">
+            <a:schemeClr val="accent1"/>
+          </a:lnRef>
+          <a:fillRef idx="3">
+            <a:schemeClr val="accent1"/>
+          </a:fillRef>
+          <a:effectRef idx="2">
+            <a:schemeClr val="accent1"/>
+          </a:effectRef>
+          <a:fontRef idx="minor">
+            <a:schemeClr val="lt1"/>
+          </a:fontRef>
+        </p:style>
+        <p:txBody>
+          <a:bodyPr rtlCol="0" anchor="ctr"/>
+          <a:lstStyle/>
+          <a:p>
+            <a:pPr algn="ctr"/>
+          </a:p>
+        </p:txBody>
+      </p:sp>
+      <p:sp>
+        <p:nvSpPr>
+          <p:cNvPr id="46" name="TextBox 45"/>
+          <p:cNvSpPr txBox="1"/>
+          <p:nvPr/>
+        </p:nvSpPr>
+        <p:spPr>
+          <a:xfrm>
+            <a:off x="9692640" y="5596128"/>
+            <a:ext cx="1920240" cy="274320"/>
+          </a:xfrm>
+          <a:prstGeom prst="rect">
+            <a:avLst/>
+          </a:prstGeom>
+          <a:noFill/>
+        </p:spPr>
+        <p:txBody>
+          <a:bodyPr wrap="square">
+            <a:spAutoFit/>
+          </a:bodyPr>
+          <a:lstStyle/>
+          <a:p>
+            <a:pPr algn="ctr">
+              <a:defRPr sz="1000" b="1">
+                <a:solidFill>
+                  <a:srgbClr val="FFFFFF"/>
+                </a:solidFill>
+                <a:latin typeface="Calibri"/>
+              </a:defRPr>
+            </a:pPr>
+            <a:r>
+              <a:t>Public Cloud</a:t>
+            </a:r>
+          </a:p>
+        </p:txBody>
+      </p:sp>
+      <p:sp>
+        <p:nvSpPr>
+          <p:cNvPr id="47" name="Rounded Rectangle 46"/>
+          <p:cNvSpPr/>
+          <p:nvPr/>
+        </p:nvSpPr>
+        <p:spPr>
+          <a:xfrm>
+            <a:off x="9692640" y="5897880"/>
+            <a:ext cx="1920240" cy="594360"/>
+          </a:xfrm>
+          <a:prstGeom prst="roundRect">
+            <a:avLst/>
+          </a:prstGeom>
+          <a:solidFill>
+            <a:srgbClr val="FFFFFF"/>
+          </a:solidFill>
+          <a:ln w="12700">
+            <a:solidFill>
+              <a:srgbClr val="8E24AA"/>
+            </a:solidFill>
+          </a:ln>
+        </p:spPr>
+        <p:style>
+          <a:lnRef idx="1">
+            <a:schemeClr val="accent1"/>
+          </a:lnRef>
+          <a:fillRef idx="3">
+            <a:schemeClr val="accent1"/>
+          </a:fillRef>
+          <a:effectRef idx="2">
+            <a:schemeClr val="accent1"/>
+          </a:effectRef>
+          <a:fontRef idx="minor">
+            <a:schemeClr val="lt1"/>
+          </a:fontRef>
+        </p:style>
+        <p:txBody>
+          <a:bodyPr rtlCol="0" anchor="ctr"/>
+          <a:lstStyle/>
+          <a:p>
+            <a:pPr algn="ctr"/>
+          </a:p>
+        </p:txBody>
+      </p:sp>
+      <p:sp>
+        <p:nvSpPr>
+          <p:cNvPr id="48" name="TextBox 47"/>
+          <p:cNvSpPr txBox="1"/>
+          <p:nvPr/>
+        </p:nvSpPr>
+        <p:spPr>
+          <a:xfrm>
+            <a:off x="9738360" y="5943600"/>
+            <a:ext cx="1828800" cy="502920"/>
+          </a:xfrm>
+          <a:prstGeom prst="rect">
+            <a:avLst/>
+          </a:prstGeom>
+          <a:noFill/>
+        </p:spPr>
+        <p:txBody>
+          <a:bodyPr wrap="square">
+            <a:spAutoFit/>
+          </a:bodyPr>
+          <a:lstStyle/>
+          <a:p>
+            <a:pPr>
+              <a:spcAft>
+                <a:spcPts val="200"/>
+              </a:spcAft>
+              <a:defRPr sz="800">
+                <a:solidFill>
+                  <a:srgbClr val="333333"/>
+                </a:solidFill>
+                <a:latin typeface="Calibri"/>
+              </a:defRPr>
+            </a:pPr>
+            <a:r>
+              <a:t>Streamlit Cloud</a:t>
+            </a:r>
+          </a:p>
+          <a:p>
+            <a:pPr>
+              <a:spcAft>
+                <a:spcPts val="200"/>
+              </a:spcAft>
+              <a:defRPr sz="800">
+                <a:solidFill>
+                  <a:srgbClr val="333333"/>
+                </a:solidFill>
+                <a:latin typeface="Calibri"/>
+              </a:defRPr>
+            </a:pPr>
+            <a:r>
+              <a:t>Public URL</a:t>
+            </a:r>
+          </a:p>
+          <a:p>
+            <a:pPr>
+              <a:spcAft>
+                <a:spcPts val="200"/>
+              </a:spcAft>
+              <a:defRPr sz="800">
+                <a:solidFill>
+                  <a:srgbClr val="333333"/>
+                </a:solidFill>
+                <a:latin typeface="Calibri"/>
+              </a:defRPr>
+            </a:pPr>
+            <a:r>
+              <a:t>Auto-deploy</a:t>
+            </a:r>
+          </a:p>
+        </p:txBody>
+      </p:sp>
+    </p:spTree>
+  </p:cSld>
+  <p:clrMapOvr>
+    <a:masterClrMapping/>
+  </p:clrMapOvr>
+</p:sld>
+</file>
+
+<file path=ppt/slides/slide12.xml><?xml version="1.0" encoding="utf-8"?>
+<p:sld xmlns:a="http://schemas.openxmlformats.org/drawingml/2006/main" xmlns:p="http://schemas.openxmlformats.org/presentationml/2006/main" xmlns:r="http://schemas.openxmlformats.org/officeDocument/2006/relationships">
+  <p:cSld>
+    <p:bg>
+      <p:bgPr>
+        <a:solidFill>
+          <a:srgbClr val="FFFFFF"/>
+        </a:solidFill>
+        <a:effectLst/>
+      </p:bgPr>
+    </p:bg>
+    <p:spTree>
+      <p:nvGrpSpPr>
+        <p:cNvPr id="1" name=""/>
+        <p:cNvGrpSpPr/>
+        <p:nvPr/>
+      </p:nvGrpSpPr>
+      <p:grpSpPr/>
+      <p:sp>
+        <p:nvSpPr>
+          <p:cNvPr id="2" name="Rounded Rectangle 1"/>
+          <p:cNvSpPr/>
+          <p:nvPr/>
+        </p:nvSpPr>
+        <p:spPr>
+          <a:xfrm>
+            <a:off x="0" y="0"/>
+            <a:ext cx="12191695" cy="1097280"/>
+          </a:xfrm>
+          <a:prstGeom prst="roundRect">
+            <a:avLst/>
+          </a:prstGeom>
+          <a:solidFill>
+            <a:srgbClr val="0D47A1"/>
+          </a:solidFill>
+          <a:ln>
+            <a:noFill/>
+          </a:ln>
+        </p:spPr>
+        <p:style>
+          <a:lnRef idx="1">
+            <a:schemeClr val="accent1"/>
+          </a:lnRef>
+          <a:fillRef idx="3">
+            <a:schemeClr val="accent1"/>
+          </a:fillRef>
+          <a:effectRef idx="2">
+            <a:schemeClr val="accent1"/>
+          </a:effectRef>
+          <a:fontRef idx="minor">
+            <a:schemeClr val="lt1"/>
+          </a:fontRef>
+        </p:style>
+        <p:txBody>
+          <a:bodyPr rtlCol="0" anchor="ctr"/>
+          <a:lstStyle/>
+          <a:p>
+            <a:pPr algn="ctr"/>
+          </a:p>
+        </p:txBody>
+      </p:sp>
+      <p:sp>
+        <p:nvSpPr>
+          <p:cNvPr id="3" name="TextBox 2"/>
+          <p:cNvSpPr txBox="1"/>
+          <p:nvPr/>
+        </p:nvSpPr>
+        <p:spPr>
+          <a:xfrm>
+            <a:off x="548640" y="137160"/>
+            <a:ext cx="10972800" cy="548640"/>
+          </a:xfrm>
+          <a:prstGeom prst="rect">
+            <a:avLst/>
+          </a:prstGeom>
+          <a:noFill/>
+        </p:spPr>
+        <p:txBody>
+          <a:bodyPr wrap="square">
+            <a:spAutoFit/>
+          </a:bodyPr>
+          <a:lstStyle/>
+          <a:p>
+            <a:pPr algn="l">
+              <a:defRPr sz="3200" b="1">
+                <a:solidFill>
+                  <a:srgbClr val="FFFFFF"/>
+                </a:solidFill>
+                <a:latin typeface="Calibri"/>
+              </a:defRPr>
+            </a:pPr>
+            <a:r>
+              <a:t>Novelty of pLIN System</a:t>
+            </a:r>
+          </a:p>
+        </p:txBody>
+      </p:sp>
+      <p:sp>
+        <p:nvSpPr>
+          <p:cNvPr id="4" name="TextBox 3"/>
+          <p:cNvSpPr txBox="1"/>
+          <p:nvPr/>
+        </p:nvSpPr>
+        <p:spPr>
+          <a:xfrm>
+            <a:off x="548640" y="640080"/>
+            <a:ext cx="10972800" cy="365760"/>
+          </a:xfrm>
+          <a:prstGeom prst="rect">
+            <a:avLst/>
+          </a:prstGeom>
+          <a:noFill/>
+        </p:spPr>
+        <p:txBody>
+          <a:bodyPr wrap="square">
+            <a:spAutoFit/>
+          </a:bodyPr>
+          <a:lstStyle/>
+          <a:p>
+            <a:pPr algn="l">
+              <a:defRPr sz="1600" b="0">
+                <a:solidFill>
+                  <a:srgbClr val="BBDEFB"/>
+                </a:solidFill>
+                <a:latin typeface="Calibri"/>
+              </a:defRPr>
+            </a:pPr>
+            <a:r>
+              <a:t>What distinguishes pLIN from existing plasmid classification approaches</a:t>
+            </a:r>
+          </a:p>
+        </p:txBody>
+      </p:sp>
+      <p:sp>
+        <p:nvSpPr>
+          <p:cNvPr id="5" name="Rounded Rectangle 4"/>
+          <p:cNvSpPr/>
+          <p:nvPr/>
+        </p:nvSpPr>
+        <p:spPr>
+          <a:xfrm>
+            <a:off x="365760" y="1371600"/>
+            <a:ext cx="109728" cy="868680"/>
+          </a:xfrm>
+          <a:prstGeom prst="roundRect">
+            <a:avLst/>
+          </a:prstGeom>
+          <a:solidFill>
+            <a:srgbClr val="1E88E5"/>
+          </a:solidFill>
+          <a:ln>
+            <a:noFill/>
+          </a:ln>
+        </p:spPr>
+        <p:style>
+          <a:lnRef idx="1">
+            <a:schemeClr val="accent1"/>
+          </a:lnRef>
+          <a:fillRef idx="3">
+            <a:schemeClr val="accent1"/>
+          </a:fillRef>
+          <a:effectRef idx="2">
+            <a:schemeClr val="accent1"/>
+          </a:effectRef>
+          <a:fontRef idx="minor">
+            <a:schemeClr val="lt1"/>
+          </a:fontRef>
+        </p:style>
+        <p:txBody>
+          <a:bodyPr rtlCol="0" anchor="ctr"/>
+          <a:lstStyle/>
+          <a:p>
+            <a:pPr algn="ctr"/>
+          </a:p>
+        </p:txBody>
+      </p:sp>
+      <p:sp>
+        <p:nvSpPr>
+          <p:cNvPr id="6" name="TextBox 5"/>
+          <p:cNvSpPr txBox="1"/>
+          <p:nvPr/>
+        </p:nvSpPr>
+        <p:spPr>
+          <a:xfrm>
+            <a:off x="640080" y="1389888"/>
+            <a:ext cx="11155680" cy="320040"/>
+          </a:xfrm>
+          <a:prstGeom prst="rect">
+            <a:avLst/>
+          </a:prstGeom>
+          <a:noFill/>
+        </p:spPr>
+        <p:txBody>
+          <a:bodyPr wrap="square">
+            <a:spAutoFit/>
+          </a:bodyPr>
+          <a:lstStyle/>
+          <a:p>
+            <a:pPr algn="l">
+              <a:defRPr sz="1500" b="1">
+                <a:solidFill>
+                  <a:srgbClr val="1E88E5"/>
+                </a:solidFill>
+                <a:latin typeface="Calibri"/>
+              </a:defRPr>
+            </a:pPr>
+            <a:r>
+              <a:t>Reference-Free Classification</a:t>
+            </a:r>
+          </a:p>
+        </p:txBody>
+      </p:sp>
+      <p:sp>
+        <p:nvSpPr>
+          <p:cNvPr id="7" name="TextBox 6"/>
+          <p:cNvSpPr txBox="1"/>
+          <p:nvPr/>
+        </p:nvSpPr>
+        <p:spPr>
+          <a:xfrm>
+            <a:off x="640080" y="1719072"/>
+            <a:ext cx="11155680" cy="502920"/>
+          </a:xfrm>
+          <a:prstGeom prst="rect">
+            <a:avLst/>
+          </a:prstGeom>
+          <a:noFill/>
+        </p:spPr>
+        <p:txBody>
+          <a:bodyPr wrap="square">
+            <a:spAutoFit/>
+          </a:bodyPr>
+          <a:lstStyle/>
+          <a:p>
+            <a:pPr algn="l">
+              <a:defRPr sz="1100" b="0">
+                <a:solidFill>
+                  <a:srgbClr val="333333"/>
+                </a:solidFill>
+                <a:latin typeface="Calibri"/>
+              </a:defRPr>
+            </a:pPr>
+            <a:r>
+              <a:t>Unlike MOB-suite, PlasmidFinder, or replicon typing that rely on curated reference databases, pLIN uses intrinsic sequence composition (4-mer frequencies). New or divergent plasmids that lack known replicons are still classifiable — no database gaps.</a:t>
+            </a:r>
+          </a:p>
+        </p:txBody>
+      </p:sp>
+      <p:sp>
+        <p:nvSpPr>
+          <p:cNvPr id="8" name="Rounded Rectangle 7"/>
+          <p:cNvSpPr/>
+          <p:nvPr/>
+        </p:nvSpPr>
+        <p:spPr>
+          <a:xfrm>
+            <a:off x="365760" y="2240280"/>
+            <a:ext cx="109728" cy="868680"/>
+          </a:xfrm>
+          <a:prstGeom prst="roundRect">
+            <a:avLst/>
+          </a:prstGeom>
+          <a:solidFill>
+            <a:srgbClr val="43A047"/>
+          </a:solidFill>
+          <a:ln>
+            <a:noFill/>
+          </a:ln>
+        </p:spPr>
+        <p:style>
+          <a:lnRef idx="1">
+            <a:schemeClr val="accent1"/>
+          </a:lnRef>
+          <a:fillRef idx="3">
+            <a:schemeClr val="accent1"/>
+          </a:fillRef>
+          <a:effectRef idx="2">
+            <a:schemeClr val="accent1"/>
+          </a:effectRef>
+          <a:fontRef idx="minor">
+            <a:schemeClr val="lt1"/>
+          </a:fontRef>
+        </p:style>
+        <p:txBody>
+          <a:bodyPr rtlCol="0" anchor="ctr"/>
+          <a:lstStyle/>
+          <a:p>
+            <a:pPr algn="ctr"/>
+          </a:p>
+        </p:txBody>
+      </p:sp>
+      <p:sp>
+        <p:nvSpPr>
+          <p:cNvPr id="9" name="TextBox 8"/>
+          <p:cNvSpPr txBox="1"/>
+          <p:nvPr/>
+        </p:nvSpPr>
+        <p:spPr>
+          <a:xfrm>
+            <a:off x="640080" y="2258568"/>
+            <a:ext cx="11155680" cy="320040"/>
+          </a:xfrm>
+          <a:prstGeom prst="rect">
+            <a:avLst/>
+          </a:prstGeom>
+          <a:noFill/>
+        </p:spPr>
+        <p:txBody>
+          <a:bodyPr wrap="square">
+            <a:spAutoFit/>
+          </a:bodyPr>
+          <a:lstStyle/>
+          <a:p>
+            <a:pPr algn="l">
+              <a:defRPr sz="1500" b="1">
+                <a:solidFill>
+                  <a:srgbClr val="43A047"/>
+                </a:solidFill>
+                <a:latin typeface="Calibri"/>
+              </a:defRPr>
+            </a:pPr>
+            <a:r>
+              <a:t>Permanent, Hierarchical Codes</a:t>
+            </a:r>
+          </a:p>
+        </p:txBody>
+      </p:sp>
+      <p:sp>
+        <p:nvSpPr>
+          <p:cNvPr id="10" name="TextBox 9"/>
+          <p:cNvSpPr txBox="1"/>
+          <p:nvPr/>
+        </p:nvSpPr>
+        <p:spPr>
+          <a:xfrm>
+            <a:off x="640080" y="2587752"/>
+            <a:ext cx="11155680" cy="502920"/>
+          </a:xfrm>
+          <a:prstGeom prst="rect">
+            <a:avLst/>
+          </a:prstGeom>
+          <a:noFill/>
+        </p:spPr>
+        <p:txBody>
+          <a:bodyPr wrap="square">
+            <a:spAutoFit/>
+          </a:bodyPr>
+          <a:lstStyle/>
+          <a:p>
+            <a:pPr algn="l">
+              <a:defRPr sz="1100" b="0">
+                <a:solidFill>
+                  <a:srgbClr val="333333"/>
+                </a:solidFill>
+                <a:latin typeface="Calibri"/>
+              </a:defRPr>
+            </a:pPr>
+            <a:r>
+              <a:t>pLIN codes are stable and never change when new sequences are added. Existing plasmid typing schemes (e.g., pMLST) can reassign types as databases grow. The six-level hierarchy (Family → Strain) provides resolution at multiple scales in a single code — no existing system offers this.</a:t>
+            </a:r>
+          </a:p>
+        </p:txBody>
+      </p:sp>
+      <p:sp>
+        <p:nvSpPr>
+          <p:cNvPr id="11" name="Rounded Rectangle 10"/>
+          <p:cNvSpPr/>
+          <p:nvPr/>
+        </p:nvSpPr>
+        <p:spPr>
+          <a:xfrm>
+            <a:off x="365760" y="3108960"/>
+            <a:ext cx="109728" cy="868680"/>
+          </a:xfrm>
+          <a:prstGeom prst="roundRect">
+            <a:avLst/>
+          </a:prstGeom>
+          <a:solidFill>
+            <a:srgbClr val="FB8C00"/>
+          </a:solidFill>
+          <a:ln>
+            <a:noFill/>
+          </a:ln>
+        </p:spPr>
+        <p:style>
+          <a:lnRef idx="1">
+            <a:schemeClr val="accent1"/>
+          </a:lnRef>
+          <a:fillRef idx="3">
+            <a:schemeClr val="accent1"/>
+          </a:fillRef>
+          <a:effectRef idx="2">
+            <a:schemeClr val="accent1"/>
+          </a:effectRef>
+          <a:fontRef idx="minor">
+            <a:schemeClr val="lt1"/>
+          </a:fontRef>
+        </p:style>
+        <p:txBody>
+          <a:bodyPr rtlCol="0" anchor="ctr"/>
+          <a:lstStyle/>
+          <a:p>
+            <a:pPr algn="ctr"/>
+          </a:p>
+        </p:txBody>
+      </p:sp>
+      <p:sp>
+        <p:nvSpPr>
+          <p:cNvPr id="12" name="TextBox 11"/>
+          <p:cNvSpPr txBox="1"/>
+          <p:nvPr/>
+        </p:nvSpPr>
+        <p:spPr>
+          <a:xfrm>
+            <a:off x="640080" y="3127248"/>
+            <a:ext cx="11155680" cy="320040"/>
+          </a:xfrm>
+          <a:prstGeom prst="rect">
+            <a:avLst/>
+          </a:prstGeom>
+          <a:noFill/>
+        </p:spPr>
+        <p:txBody>
+          <a:bodyPr wrap="square">
+            <a:spAutoFit/>
+          </a:bodyPr>
+          <a:lstStyle/>
+          <a:p>
+            <a:pPr algn="l">
+              <a:defRPr sz="1500" b="1">
+                <a:solidFill>
+                  <a:srgbClr val="FB8C00"/>
+                </a:solidFill>
+                <a:latin typeface="Calibri"/>
+              </a:defRPr>
+            </a:pPr>
+            <a:r>
+              <a:t>Composition-Based Inc Group Detection</a:t>
+            </a:r>
+          </a:p>
+        </p:txBody>
+      </p:sp>
+      <p:sp>
+        <p:nvSpPr>
+          <p:cNvPr id="13" name="TextBox 12"/>
+          <p:cNvSpPr txBox="1"/>
+          <p:nvPr/>
+        </p:nvSpPr>
+        <p:spPr>
+          <a:xfrm>
+            <a:off x="640080" y="3456432"/>
+            <a:ext cx="11155680" cy="502920"/>
+          </a:xfrm>
+          <a:prstGeom prst="rect">
+            <a:avLst/>
+          </a:prstGeom>
+          <a:noFill/>
+        </p:spPr>
+        <p:txBody>
+          <a:bodyPr wrap="square">
+            <a:spAutoFit/>
+          </a:bodyPr>
+          <a:lstStyle/>
+          <a:p>
+            <a:pPr algn="l">
+              <a:defRPr sz="1100" b="0">
+                <a:solidFill>
+                  <a:srgbClr val="333333"/>
+                </a:solidFill>
+                <a:latin typeface="Calibri"/>
+              </a:defRPr>
+            </a:pPr>
+            <a:r>
+              <a:t>Most Inc group detection tools (PlasmidFinder, COPLA) require gene-level BLAST searches. pLIN's KNN classifier predicts Inc group from global k-mer composition alone (96% accuracy), enabling classification even when replicon genes are fragmented, truncated, or absent from assemblies.</a:t>
+            </a:r>
+          </a:p>
+        </p:txBody>
+      </p:sp>
+      <p:sp>
+        <p:nvSpPr>
+          <p:cNvPr id="14" name="Rounded Rectangle 13"/>
+          <p:cNvSpPr/>
+          <p:nvPr/>
+        </p:nvSpPr>
+        <p:spPr>
+          <a:xfrm>
+            <a:off x="365760" y="3977639"/>
+            <a:ext cx="109728" cy="868680"/>
+          </a:xfrm>
+          <a:prstGeom prst="roundRect">
+            <a:avLst/>
+          </a:prstGeom>
+          <a:solidFill>
+            <a:srgbClr val="E53935"/>
+          </a:solidFill>
+          <a:ln>
+            <a:noFill/>
+          </a:ln>
+        </p:spPr>
+        <p:style>
+          <a:lnRef idx="1">
+            <a:schemeClr val="accent1"/>
+          </a:lnRef>
+          <a:fillRef idx="3">
+            <a:schemeClr val="accent1"/>
+          </a:fillRef>
+          <a:effectRef idx="2">
+            <a:schemeClr val="accent1"/>
+          </a:effectRef>
+          <a:fontRef idx="minor">
+            <a:schemeClr val="lt1"/>
+          </a:fontRef>
+        </p:style>
+        <p:txBody>
+          <a:bodyPr rtlCol="0" anchor="ctr"/>
+          <a:lstStyle/>
+          <a:p>
+            <a:pPr algn="ctr"/>
+          </a:p>
+        </p:txBody>
+      </p:sp>
+      <p:sp>
+        <p:nvSpPr>
+          <p:cNvPr id="15" name="TextBox 14"/>
+          <p:cNvSpPr txBox="1"/>
+          <p:nvPr/>
+        </p:nvSpPr>
+        <p:spPr>
+          <a:xfrm>
+            <a:off x="640080" y="3995927"/>
+            <a:ext cx="11155680" cy="320040"/>
+          </a:xfrm>
+          <a:prstGeom prst="rect">
+            <a:avLst/>
+          </a:prstGeom>
+          <a:noFill/>
+        </p:spPr>
+        <p:txBody>
+          <a:bodyPr wrap="square">
+            <a:spAutoFit/>
+          </a:bodyPr>
+          <a:lstStyle/>
+          <a:p>
+            <a:pPr algn="l">
+              <a:defRPr sz="1500" b="1">
+                <a:solidFill>
+                  <a:srgbClr val="E53935"/>
+                </a:solidFill>
+                <a:latin typeface="Calibri"/>
+              </a:defRPr>
+            </a:pPr>
+            <a:r>
+              <a:t>Integrated AMR Surveillance Pipeline</a:t>
+            </a:r>
+          </a:p>
+        </p:txBody>
+      </p:sp>
+      <p:sp>
+        <p:nvSpPr>
+          <p:cNvPr id="16" name="TextBox 15"/>
+          <p:cNvSpPr txBox="1"/>
+          <p:nvPr/>
+        </p:nvSpPr>
+        <p:spPr>
+          <a:xfrm>
+            <a:off x="640080" y="4325111"/>
+            <a:ext cx="11155680" cy="502920"/>
+          </a:xfrm>
+          <a:prstGeom prst="rect">
+            <a:avLst/>
+          </a:prstGeom>
+          <a:noFill/>
+        </p:spPr>
+        <p:txBody>
+          <a:bodyPr wrap="square">
+            <a:spAutoFit/>
+          </a:bodyPr>
+          <a:lstStyle/>
+          <a:p>
+            <a:pPr algn="l">
+              <a:defRPr sz="1100" b="0">
+                <a:solidFill>
+                  <a:srgbClr val="333333"/>
+                </a:solidFill>
+                <a:latin typeface="Calibri"/>
+              </a:defRPr>
+            </a:pPr>
+            <a:r>
+              <a:t>pLIN is the first system to natively integrate plasmid hierarchical classification with AMRFinderPlus gene detection in a single automated pipeline. This enables direct mapping of resistance gene cargo onto the plasmid phylogeny — linking plasmid backbone evolution with AMR gene acquisition.</a:t>
+            </a:r>
+          </a:p>
+        </p:txBody>
+      </p:sp>
+      <p:sp>
+        <p:nvSpPr>
+          <p:cNvPr id="17" name="Rounded Rectangle 16"/>
+          <p:cNvSpPr/>
+          <p:nvPr/>
+        </p:nvSpPr>
+        <p:spPr>
+          <a:xfrm>
+            <a:off x="365760" y="4846320"/>
+            <a:ext cx="109728" cy="868680"/>
+          </a:xfrm>
+          <a:prstGeom prst="roundRect">
+            <a:avLst/>
+          </a:prstGeom>
+          <a:solidFill>
+            <a:srgbClr val="8E24AA"/>
+          </a:solidFill>
+          <a:ln>
+            <a:noFill/>
+          </a:ln>
+        </p:spPr>
+        <p:style>
+          <a:lnRef idx="1">
+            <a:schemeClr val="accent1"/>
+          </a:lnRef>
+          <a:fillRef idx="3">
+            <a:schemeClr val="accent1"/>
+          </a:fillRef>
+          <a:effectRef idx="2">
+            <a:schemeClr val="accent1"/>
+          </a:effectRef>
+          <a:fontRef idx="minor">
+            <a:schemeClr val="lt1"/>
+          </a:fontRef>
+        </p:style>
+        <p:txBody>
+          <a:bodyPr rtlCol="0" anchor="ctr"/>
+          <a:lstStyle/>
+          <a:p>
+            <a:pPr algn="ctr"/>
+          </a:p>
+        </p:txBody>
+      </p:sp>
+      <p:sp>
+        <p:nvSpPr>
+          <p:cNvPr id="18" name="TextBox 17"/>
+          <p:cNvSpPr txBox="1"/>
+          <p:nvPr/>
+        </p:nvSpPr>
+        <p:spPr>
+          <a:xfrm>
+            <a:off x="640080" y="4864608"/>
+            <a:ext cx="11155680" cy="320040"/>
+          </a:xfrm>
+          <a:prstGeom prst="rect">
+            <a:avLst/>
+          </a:prstGeom>
+          <a:noFill/>
+        </p:spPr>
+        <p:txBody>
+          <a:bodyPr wrap="square">
+            <a:spAutoFit/>
+          </a:bodyPr>
+          <a:lstStyle/>
+          <a:p>
+            <a:pPr algn="l">
+              <a:defRPr sz="1500" b="1">
+                <a:solidFill>
+                  <a:srgbClr val="8E24AA"/>
+                </a:solidFill>
+                <a:latin typeface="Calibri"/>
+              </a:defRPr>
+            </a:pPr>
+            <a:r>
+              <a:t>Interactive GUI with Epidemiological Intelligence</a:t>
+            </a:r>
+          </a:p>
+        </p:txBody>
+      </p:sp>
+      <p:sp>
+        <p:nvSpPr>
+          <p:cNvPr id="19" name="TextBox 18"/>
+          <p:cNvSpPr txBox="1"/>
+          <p:nvPr/>
+        </p:nvSpPr>
+        <p:spPr>
+          <a:xfrm>
+            <a:off x="640080" y="5193792"/>
+            <a:ext cx="11155680" cy="502920"/>
+          </a:xfrm>
+          <a:prstGeom prst="rect">
+            <a:avLst/>
+          </a:prstGeom>
+          <a:noFill/>
+        </p:spPr>
+        <p:txBody>
+          <a:bodyPr wrap="square">
+            <a:spAutoFit/>
+          </a:bodyPr>
+          <a:lstStyle/>
+          <a:p>
+            <a:pPr algn="l">
+              <a:defRPr sz="1100" b="0">
+                <a:solidFill>
+                  <a:srgbClr val="333333"/>
+                </a:solidFill>
+                <a:latin typeface="Calibri"/>
+              </a:defRPr>
+            </a:pPr>
+            <a:r>
+              <a:t>Unlike command-line-only tools (MOB-suite, plasmidfinder CLI), pLIN ships a Streamlit web app with upload, classification, AMR screening, cladogram visualization, mobility prediction, outbreak detection, adaptive thresholds, and multi-linkage clustering — accessible to non-bioinformaticians.</a:t>
+            </a:r>
+          </a:p>
+        </p:txBody>
+      </p:sp>
+      <p:sp>
+        <p:nvSpPr>
+          <p:cNvPr id="20" name="Rounded Rectangle 19"/>
+          <p:cNvSpPr/>
+          <p:nvPr/>
+        </p:nvSpPr>
+        <p:spPr>
+          <a:xfrm>
+            <a:off x="365760" y="5715000"/>
+            <a:ext cx="109728" cy="868680"/>
+          </a:xfrm>
+          <a:prstGeom prst="roundRect">
+            <a:avLst/>
+          </a:prstGeom>
+          <a:solidFill>
+            <a:srgbClr val="009688"/>
+          </a:solidFill>
+          <a:ln>
+            <a:noFill/>
+          </a:ln>
+        </p:spPr>
+        <p:style>
+          <a:lnRef idx="1">
+            <a:schemeClr val="accent1"/>
+          </a:lnRef>
+          <a:fillRef idx="3">
+            <a:schemeClr val="accent1"/>
+          </a:fillRef>
+          <a:effectRef idx="2">
+            <a:schemeClr val="accent1"/>
+          </a:effectRef>
+          <a:fontRef idx="minor">
+            <a:schemeClr val="lt1"/>
+          </a:fontRef>
+        </p:style>
+        <p:txBody>
+          <a:bodyPr rtlCol="0" anchor="ctr"/>
+          <a:lstStyle/>
+          <a:p>
+            <a:pPr algn="ctr"/>
+          </a:p>
+        </p:txBody>
+      </p:sp>
+      <p:sp>
+        <p:nvSpPr>
+          <p:cNvPr id="21" name="TextBox 20"/>
+          <p:cNvSpPr txBox="1"/>
+          <p:nvPr/>
+        </p:nvSpPr>
+        <p:spPr>
+          <a:xfrm>
+            <a:off x="640080" y="5733288"/>
+            <a:ext cx="11155680" cy="320040"/>
+          </a:xfrm>
+          <a:prstGeom prst="rect">
+            <a:avLst/>
+          </a:prstGeom>
+          <a:noFill/>
+        </p:spPr>
+        <p:txBody>
+          <a:bodyPr wrap="square">
+            <a:spAutoFit/>
+          </a:bodyPr>
+          <a:lstStyle/>
+          <a:p>
+            <a:pPr algn="l">
+              <a:defRPr sz="1500" b="1">
+                <a:solidFill>
+                  <a:srgbClr val="009688"/>
+                </a:solidFill>
+                <a:latin typeface="Calibri"/>
+              </a:defRPr>
+            </a:pPr>
+            <a:r>
+              <a:t>Genomic LLM Integration (Nucleotide Transformer)</a:t>
+            </a:r>
+          </a:p>
+        </p:txBody>
+      </p:sp>
+      <p:sp>
+        <p:nvSpPr>
+          <p:cNvPr id="22" name="TextBox 21"/>
+          <p:cNvSpPr txBox="1"/>
+          <p:nvPr/>
+        </p:nvSpPr>
+        <p:spPr>
+          <a:xfrm>
+            <a:off x="640080" y="6062472"/>
+            <a:ext cx="11155680" cy="502920"/>
+          </a:xfrm>
+          <a:prstGeom prst="rect">
+            <a:avLst/>
+          </a:prstGeom>
+          <a:noFill/>
+        </p:spPr>
+        <p:txBody>
+          <a:bodyPr wrap="square">
+            <a:spAutoFit/>
+          </a:bodyPr>
+          <a:lstStyle/>
+          <a:p>
+            <a:pPr algn="l">
+              <a:defRPr sz="1100" b="0">
+                <a:solidFill>
+                  <a:srgbClr val="333333"/>
+                </a:solidFill>
+                <a:latin typeface="Calibri"/>
+              </a:defRPr>
+            </a:pPr>
+            <a:r>
+              <a:t>First plasmid classification tool to integrate a genomic foundation model (InstaDeep Nucleotide Transformer). Provides LLM-based Inc group and AMR class predictions alongside traditional KNN, enabling cross-method validation. Chunked embedding strategy handles full-length plasmids (up to 300+ kb).</a:t>
+            </a:r>
+          </a:p>
+        </p:txBody>
+      </p:sp>
+      <p:sp>
+        <p:nvSpPr>
+          <p:cNvPr id="23" name="Rounded Rectangle 22"/>
+          <p:cNvSpPr/>
+          <p:nvPr/>
+        </p:nvSpPr>
+        <p:spPr>
+          <a:xfrm>
+            <a:off x="365760" y="6400800"/>
+            <a:ext cx="11430000" cy="320040"/>
+          </a:xfrm>
+          <a:prstGeom prst="roundRect">
+            <a:avLst/>
+          </a:prstGeom>
+          <a:solidFill>
+            <a:srgbClr val="0D47A1"/>
+          </a:solidFill>
+          <a:ln>
+            <a:noFill/>
+          </a:ln>
+        </p:spPr>
+        <p:style>
+          <a:lnRef idx="1">
+            <a:schemeClr val="accent1"/>
+          </a:lnRef>
+          <a:fillRef idx="3">
+            <a:schemeClr val="accent1"/>
+          </a:fillRef>
+          <a:effectRef idx="2">
+            <a:schemeClr val="accent1"/>
+          </a:effectRef>
+          <a:fontRef idx="minor">
+            <a:schemeClr val="lt1"/>
+          </a:fontRef>
+        </p:style>
+        <p:txBody>
+          <a:bodyPr rtlCol="0" anchor="ctr"/>
+          <a:lstStyle/>
+          <a:p>
+            <a:pPr algn="ctr"/>
+          </a:p>
+        </p:txBody>
+      </p:sp>
+      <p:sp>
+        <p:nvSpPr>
+          <p:cNvPr id="24" name="TextBox 23"/>
+          <p:cNvSpPr txBox="1"/>
+          <p:nvPr/>
+        </p:nvSpPr>
+        <p:spPr>
+          <a:xfrm>
+            <a:off x="411480" y="6419088"/>
+            <a:ext cx="2560320" cy="274320"/>
+          </a:xfrm>
+          <a:prstGeom prst="rect">
+            <a:avLst/>
+          </a:prstGeom>
+          <a:noFill/>
+        </p:spPr>
+        <p:txBody>
+          <a:bodyPr wrap="square">
+            <a:spAutoFit/>
+          </a:bodyPr>
+          <a:lstStyle/>
+          <a:p>
+            <a:pPr algn="ctr">
+              <a:defRPr sz="1000" b="1">
+                <a:solidFill>
+                  <a:srgbClr val="FFFFFF"/>
+                </a:solidFill>
+                <a:latin typeface="Calibri"/>
+              </a:defRPr>
+            </a:pPr>
+            <a:r>
+              <a:t>Feature</a:t>
+            </a:r>
+          </a:p>
+        </p:txBody>
+      </p:sp>
+      <p:sp>
+        <p:nvSpPr>
+          <p:cNvPr id="25" name="TextBox 24"/>
+          <p:cNvSpPr txBox="1"/>
+          <p:nvPr/>
+        </p:nvSpPr>
+        <p:spPr>
+          <a:xfrm>
+            <a:off x="2971799" y="6419088"/>
+            <a:ext cx="2011680" cy="274320"/>
+          </a:xfrm>
+          <a:prstGeom prst="rect">
+            <a:avLst/>
+          </a:prstGeom>
+          <a:noFill/>
+        </p:spPr>
+        <p:txBody>
+          <a:bodyPr wrap="square">
+            <a:spAutoFit/>
+          </a:bodyPr>
+          <a:lstStyle/>
+          <a:p>
+            <a:pPr algn="ctr">
+              <a:defRPr sz="1000" b="1">
+                <a:solidFill>
+                  <a:srgbClr val="FFFFFF"/>
+                </a:solidFill>
+                <a:latin typeface="Calibri"/>
+              </a:defRPr>
+            </a:pPr>
+            <a:r>
+              <a:t>pLIN</a:t>
+            </a:r>
+          </a:p>
+        </p:txBody>
+      </p:sp>
+      <p:sp>
+        <p:nvSpPr>
+          <p:cNvPr id="26" name="TextBox 25"/>
+          <p:cNvSpPr txBox="1"/>
+          <p:nvPr/>
+        </p:nvSpPr>
+        <p:spPr>
+          <a:xfrm>
+            <a:off x="4983480" y="6419088"/>
+            <a:ext cx="2286000" cy="274320"/>
+          </a:xfrm>
+          <a:prstGeom prst="rect">
+            <a:avLst/>
+          </a:prstGeom>
+          <a:noFill/>
+        </p:spPr>
+        <p:txBody>
+          <a:bodyPr wrap="square">
+            <a:spAutoFit/>
+          </a:bodyPr>
+          <a:lstStyle/>
+          <a:p>
+            <a:pPr algn="ctr">
+              <a:defRPr sz="1000" b="1">
+                <a:solidFill>
+                  <a:srgbClr val="FFFFFF"/>
+                </a:solidFill>
+                <a:latin typeface="Calibri"/>
+              </a:defRPr>
+            </a:pPr>
+            <a:r>
+              <a:t>MOB-suite</a:t>
+            </a:r>
+          </a:p>
+        </p:txBody>
+      </p:sp>
+      <p:sp>
+        <p:nvSpPr>
+          <p:cNvPr id="27" name="TextBox 26"/>
+          <p:cNvSpPr txBox="1"/>
+          <p:nvPr/>
+        </p:nvSpPr>
+        <p:spPr>
+          <a:xfrm>
+            <a:off x="7269480" y="6419088"/>
+            <a:ext cx="2286000" cy="274320"/>
+          </a:xfrm>
+          <a:prstGeom prst="rect">
+            <a:avLst/>
+          </a:prstGeom>
+          <a:noFill/>
+        </p:spPr>
+        <p:txBody>
+          <a:bodyPr wrap="square">
+            <a:spAutoFit/>
+          </a:bodyPr>
+          <a:lstStyle/>
+          <a:p>
+            <a:pPr algn="ctr">
+              <a:defRPr sz="1000" b="1">
+                <a:solidFill>
+                  <a:srgbClr val="FFFFFF"/>
+                </a:solidFill>
+                <a:latin typeface="Calibri"/>
+              </a:defRPr>
+            </a:pPr>
+            <a:r>
+              <a:t>PlasmidFinder</a:t>
+            </a:r>
+          </a:p>
+        </p:txBody>
+      </p:sp>
+      <p:sp>
+        <p:nvSpPr>
+          <p:cNvPr id="28" name="TextBox 27"/>
+          <p:cNvSpPr txBox="1"/>
+          <p:nvPr/>
+        </p:nvSpPr>
+        <p:spPr>
+          <a:xfrm>
+            <a:off x="9555480" y="6419088"/>
+            <a:ext cx="2286000" cy="274320"/>
+          </a:xfrm>
+          <a:prstGeom prst="rect">
+            <a:avLst/>
+          </a:prstGeom>
+          <a:noFill/>
+        </p:spPr>
+        <p:txBody>
+          <a:bodyPr wrap="square">
+            <a:spAutoFit/>
+          </a:bodyPr>
+          <a:lstStyle/>
+          <a:p>
+            <a:pPr algn="ctr">
+              <a:defRPr sz="1000" b="1">
+                <a:solidFill>
+                  <a:srgbClr val="FFFFFF"/>
+                </a:solidFill>
+                <a:latin typeface="Calibri"/>
+              </a:defRPr>
+            </a:pPr>
+            <a:r>
+              <a:t>pMLST</a:t>
+            </a:r>
+          </a:p>
+        </p:txBody>
+      </p:sp>
+    </p:spTree>
+  </p:cSld>
+  <p:clrMapOvr>
+    <a:masterClrMapping/>
+  </p:clrMapOvr>
+</p:sld>
+</file>
+
+<file path=ppt/slides/slide13.xml><?xml version="1.0" encoding="utf-8"?>
 <p:sld xmlns:a="http://schemas.openxmlformats.org/drawingml/2006/main" xmlns:p="http://schemas.openxmlformats.org/presentationml/2006/main" xmlns:r="http://schemas.openxmlformats.org/officeDocument/2006/relationships">
   <p:cSld>
     <p:bg>

--- a/output/pLIN_Tool_Architecture.pptx
+++ b/output/pLIN_Tool_Architecture.pptx
@@ -18,6 +18,9 @@
     <p:sldId id="266" r:id="rId17"/>
     <p:sldId id="267" r:id="rId18"/>
     <p:sldId id="268" r:id="rId19"/>
+    <p:sldId id="269" r:id="rId20"/>
+    <p:sldId id="270" r:id="rId21"/>
+    <p:sldId id="271" r:id="rId22"/>
   </p:sldIdLst>
   <p:sldSz cx="12191695" cy="6858000" type="screen4x3"/>
   <p:notesSz cx="6858000" cy="9144000"/>
@@ -10856,6 +10859,5742 @@
             </a:pPr>
             <a:r>
               <a:t>Extend outbreak detection to cross-institutional datasets. Integrate with epidemiological metadata for spatial-temporal tracking.</a:t>
+            </a:r>
+          </a:p>
+        </p:txBody>
+      </p:sp>
+    </p:spTree>
+  </p:cSld>
+  <p:clrMapOvr>
+    <a:masterClrMapping/>
+  </p:clrMapOvr>
+</p:sld>
+</file>
+
+<file path=ppt/slides/slide14.xml><?xml version="1.0" encoding="utf-8"?>
+<p:sld xmlns:a="http://schemas.openxmlformats.org/drawingml/2006/main" xmlns:p="http://schemas.openxmlformats.org/presentationml/2006/main" xmlns:r="http://schemas.openxmlformats.org/officeDocument/2006/relationships">
+  <p:cSld>
+    <p:bg>
+      <p:bgPr>
+        <a:solidFill>
+          <a:srgbClr val="FFFFFF"/>
+        </a:solidFill>
+        <a:effectLst/>
+      </p:bgPr>
+    </p:bg>
+    <p:spTree>
+      <p:nvGrpSpPr>
+        <p:cNvPr id="1" name=""/>
+        <p:cNvGrpSpPr/>
+        <p:nvPr/>
+      </p:nvGrpSpPr>
+      <p:grpSpPr/>
+      <p:sp>
+        <p:nvSpPr>
+          <p:cNvPr id="2" name="Rounded Rectangle 1"/>
+          <p:cNvSpPr/>
+          <p:nvPr/>
+        </p:nvSpPr>
+        <p:spPr>
+          <a:xfrm>
+            <a:off x="0" y="0"/>
+            <a:ext cx="12191695" cy="1097280"/>
+          </a:xfrm>
+          <a:prstGeom prst="roundRect">
+            <a:avLst/>
+          </a:prstGeom>
+          <a:solidFill>
+            <a:srgbClr val="0D47A1"/>
+          </a:solidFill>
+          <a:ln>
+            <a:noFill/>
+          </a:ln>
+        </p:spPr>
+        <p:style>
+          <a:lnRef idx="1">
+            <a:schemeClr val="accent1"/>
+          </a:lnRef>
+          <a:fillRef idx="3">
+            <a:schemeClr val="accent1"/>
+          </a:fillRef>
+          <a:effectRef idx="2">
+            <a:schemeClr val="accent1"/>
+          </a:effectRef>
+          <a:fontRef idx="minor">
+            <a:schemeClr val="lt1"/>
+          </a:fontRef>
+        </p:style>
+        <p:txBody>
+          <a:bodyPr rtlCol="0" anchor="ctr"/>
+          <a:lstStyle/>
+          <a:p>
+            <a:pPr algn="ctr"/>
+          </a:p>
+        </p:txBody>
+      </p:sp>
+      <p:sp>
+        <p:nvSpPr>
+          <p:cNvPr id="3" name="TextBox 2"/>
+          <p:cNvSpPr txBox="1"/>
+          <p:nvPr/>
+        </p:nvSpPr>
+        <p:spPr>
+          <a:xfrm>
+            <a:off x="548640" y="137160"/>
+            <a:ext cx="10972800" cy="548640"/>
+          </a:xfrm>
+          <a:prstGeom prst="rect">
+            <a:avLst/>
+          </a:prstGeom>
+          <a:noFill/>
+        </p:spPr>
+        <p:txBody>
+          <a:bodyPr wrap="square">
+            <a:spAutoFit/>
+          </a:bodyPr>
+          <a:lstStyle/>
+          <a:p>
+            <a:pPr algn="l">
+              <a:defRPr sz="3200" b="1">
+                <a:solidFill>
+                  <a:srgbClr val="FFFFFF"/>
+                </a:solidFill>
+                <a:latin typeface="Calibri"/>
+              </a:defRPr>
+            </a:pPr>
+            <a:r>
+              <a:t>Bacterial Buddy — AI Assistant</a:t>
+            </a:r>
+          </a:p>
+        </p:txBody>
+      </p:sp>
+      <p:sp>
+        <p:nvSpPr>
+          <p:cNvPr id="4" name="TextBox 3"/>
+          <p:cNvSpPr txBox="1"/>
+          <p:nvPr/>
+        </p:nvSpPr>
+        <p:spPr>
+          <a:xfrm>
+            <a:off x="548640" y="640080"/>
+            <a:ext cx="10972800" cy="365760"/>
+          </a:xfrm>
+          <a:prstGeom prst="rect">
+            <a:avLst/>
+          </a:prstGeom>
+          <a:noFill/>
+        </p:spPr>
+        <p:txBody>
+          <a:bodyPr wrap="square">
+            <a:spAutoFit/>
+          </a:bodyPr>
+          <a:lstStyle/>
+          <a:p>
+            <a:pPr algn="l">
+              <a:defRPr sz="1600" b="0">
+                <a:solidFill>
+                  <a:srgbClr val="BBDEFB"/>
+                </a:solidFill>
+                <a:latin typeface="Calibri"/>
+              </a:defRPr>
+            </a:pPr>
+            <a:r>
+              <a:t>Local LLM-powered chatbot for plasmid biology Q&amp;A</a:t>
+            </a:r>
+          </a:p>
+        </p:txBody>
+      </p:sp>
+      <p:sp>
+        <p:nvSpPr>
+          <p:cNvPr id="5" name="TextBox 4"/>
+          <p:cNvSpPr txBox="1"/>
+          <p:nvPr/>
+        </p:nvSpPr>
+        <p:spPr>
+          <a:xfrm>
+            <a:off x="457200" y="1463040"/>
+            <a:ext cx="5486400" cy="365760"/>
+          </a:xfrm>
+          <a:prstGeom prst="rect">
+            <a:avLst/>
+          </a:prstGeom>
+          <a:noFill/>
+        </p:spPr>
+        <p:txBody>
+          <a:bodyPr wrap="square">
+            <a:spAutoFit/>
+          </a:bodyPr>
+          <a:lstStyle/>
+          <a:p>
+            <a:pPr algn="l">
+              <a:defRPr sz="1800" b="1">
+                <a:solidFill>
+                  <a:srgbClr val="0D47A1"/>
+                </a:solidFill>
+                <a:latin typeface="Calibri"/>
+              </a:defRPr>
+            </a:pPr>
+            <a:r>
+              <a:t>How It Works</a:t>
+            </a:r>
+          </a:p>
+        </p:txBody>
+      </p:sp>
+      <p:sp>
+        <p:nvSpPr>
+          <p:cNvPr id="6" name="Rounded Rectangle 5"/>
+          <p:cNvSpPr/>
+          <p:nvPr/>
+        </p:nvSpPr>
+        <p:spPr>
+          <a:xfrm>
+            <a:off x="457200" y="1920240"/>
+            <a:ext cx="5029200" cy="914400"/>
+          </a:xfrm>
+          <a:prstGeom prst="roundRect">
+            <a:avLst/>
+          </a:prstGeom>
+          <a:solidFill>
+            <a:srgbClr val="BBDEFB"/>
+          </a:solidFill>
+          <a:ln w="25400">
+            <a:solidFill>
+              <a:srgbClr val="0D47A1"/>
+            </a:solidFill>
+          </a:ln>
+        </p:spPr>
+        <p:style>
+          <a:lnRef idx="1">
+            <a:schemeClr val="accent1"/>
+          </a:lnRef>
+          <a:fillRef idx="3">
+            <a:schemeClr val="accent1"/>
+          </a:fillRef>
+          <a:effectRef idx="2">
+            <a:schemeClr val="accent1"/>
+          </a:effectRef>
+          <a:fontRef idx="minor">
+            <a:schemeClr val="lt1"/>
+          </a:fontRef>
+        </p:style>
+        <p:txBody>
+          <a:bodyPr rtlCol="0" anchor="ctr"/>
+          <a:lstStyle/>
+          <a:p>
+            <a:pPr algn="ctr"/>
+          </a:p>
+        </p:txBody>
+      </p:sp>
+      <p:sp>
+        <p:nvSpPr>
+          <p:cNvPr id="7" name="TextBox 6"/>
+          <p:cNvSpPr txBox="1"/>
+          <p:nvPr/>
+        </p:nvSpPr>
+        <p:spPr>
+          <a:xfrm>
+            <a:off x="640080" y="2057400"/>
+            <a:ext cx="4663440" cy="274320"/>
+          </a:xfrm>
+          <a:prstGeom prst="rect">
+            <a:avLst/>
+          </a:prstGeom>
+          <a:noFill/>
+        </p:spPr>
+        <p:txBody>
+          <a:bodyPr wrap="square">
+            <a:spAutoFit/>
+          </a:bodyPr>
+          <a:lstStyle/>
+          <a:p>
+            <a:pPr algn="l">
+              <a:defRPr sz="1400" b="1">
+                <a:solidFill>
+                  <a:srgbClr val="0D47A1"/>
+                </a:solidFill>
+                <a:latin typeface="Calibri"/>
+              </a:defRPr>
+            </a:pPr>
+            <a:r>
+              <a:t>User Question</a:t>
+            </a:r>
+          </a:p>
+        </p:txBody>
+      </p:sp>
+      <p:sp>
+        <p:nvSpPr>
+          <p:cNvPr id="8" name="TextBox 7"/>
+          <p:cNvSpPr txBox="1"/>
+          <p:nvPr/>
+        </p:nvSpPr>
+        <p:spPr>
+          <a:xfrm>
+            <a:off x="640080" y="2331720"/>
+            <a:ext cx="4663440" cy="457200"/>
+          </a:xfrm>
+          <a:prstGeom prst="rect">
+            <a:avLst/>
+          </a:prstGeom>
+          <a:noFill/>
+        </p:spPr>
+        <p:txBody>
+          <a:bodyPr wrap="square">
+            <a:spAutoFit/>
+          </a:bodyPr>
+          <a:lstStyle/>
+          <a:p>
+            <a:pPr algn="l">
+              <a:defRPr sz="1100" b="0">
+                <a:solidFill>
+                  <a:srgbClr val="333333"/>
+                </a:solidFill>
+                <a:latin typeface="Calibri"/>
+              </a:defRPr>
+            </a:pPr>
+            <a:r>
+              <a:t>Natural language query about</a:t>
+            </a:r>
+            <a:br/>
+            <a:r>
+              <a:t>plasmids or analysis results</a:t>
+            </a:r>
+          </a:p>
+        </p:txBody>
+      </p:sp>
+      <p:sp>
+        <p:nvSpPr>
+          <p:cNvPr id="9" name="Down Arrow 8"/>
+          <p:cNvSpPr/>
+          <p:nvPr/>
+        </p:nvSpPr>
+        <p:spPr>
+          <a:xfrm>
+            <a:off x="2743200" y="2834640"/>
+            <a:ext cx="365760" cy="182880"/>
+          </a:xfrm>
+          <a:prstGeom prst="downArrow">
+            <a:avLst/>
+          </a:prstGeom>
+          <a:solidFill>
+            <a:srgbClr val="0D47A1"/>
+          </a:solidFill>
+          <a:ln>
+            <a:noFill/>
+          </a:ln>
+        </p:spPr>
+        <p:style>
+          <a:lnRef idx="1">
+            <a:schemeClr val="accent1"/>
+          </a:lnRef>
+          <a:fillRef idx="3">
+            <a:schemeClr val="accent1"/>
+          </a:fillRef>
+          <a:effectRef idx="2">
+            <a:schemeClr val="accent1"/>
+          </a:effectRef>
+          <a:fontRef idx="minor">
+            <a:schemeClr val="lt1"/>
+          </a:fontRef>
+        </p:style>
+        <p:txBody>
+          <a:bodyPr rtlCol="0" anchor="ctr"/>
+          <a:lstStyle/>
+          <a:p>
+            <a:pPr algn="ctr"/>
+          </a:p>
+        </p:txBody>
+      </p:sp>
+      <p:sp>
+        <p:nvSpPr>
+          <p:cNvPr id="10" name="Rounded Rectangle 9"/>
+          <p:cNvSpPr/>
+          <p:nvPr/>
+        </p:nvSpPr>
+        <p:spPr>
+          <a:xfrm>
+            <a:off x="457200" y="3017520"/>
+            <a:ext cx="5029200" cy="914400"/>
+          </a:xfrm>
+          <a:prstGeom prst="roundRect">
+            <a:avLst/>
+          </a:prstGeom>
+          <a:solidFill>
+            <a:srgbClr val="E8F5E9"/>
+          </a:solidFill>
+          <a:ln w="25400">
+            <a:solidFill>
+              <a:srgbClr val="43A047"/>
+            </a:solidFill>
+          </a:ln>
+        </p:spPr>
+        <p:style>
+          <a:lnRef idx="1">
+            <a:schemeClr val="accent1"/>
+          </a:lnRef>
+          <a:fillRef idx="3">
+            <a:schemeClr val="accent1"/>
+          </a:fillRef>
+          <a:effectRef idx="2">
+            <a:schemeClr val="accent1"/>
+          </a:effectRef>
+          <a:fontRef idx="minor">
+            <a:schemeClr val="lt1"/>
+          </a:fontRef>
+        </p:style>
+        <p:txBody>
+          <a:bodyPr rtlCol="0" anchor="ctr"/>
+          <a:lstStyle/>
+          <a:p>
+            <a:pPr algn="ctr"/>
+          </a:p>
+        </p:txBody>
+      </p:sp>
+      <p:sp>
+        <p:nvSpPr>
+          <p:cNvPr id="11" name="TextBox 10"/>
+          <p:cNvSpPr txBox="1"/>
+          <p:nvPr/>
+        </p:nvSpPr>
+        <p:spPr>
+          <a:xfrm>
+            <a:off x="640080" y="3154680"/>
+            <a:ext cx="4663440" cy="274320"/>
+          </a:xfrm>
+          <a:prstGeom prst="rect">
+            <a:avLst/>
+          </a:prstGeom>
+          <a:noFill/>
+        </p:spPr>
+        <p:txBody>
+          <a:bodyPr wrap="square">
+            <a:spAutoFit/>
+          </a:bodyPr>
+          <a:lstStyle/>
+          <a:p>
+            <a:pPr algn="l">
+              <a:defRPr sz="1400" b="1">
+                <a:solidFill>
+                  <a:srgbClr val="43A047"/>
+                </a:solidFill>
+                <a:latin typeface="Calibri"/>
+              </a:defRPr>
+            </a:pPr>
+            <a:r>
+              <a:t>Context Builder</a:t>
+            </a:r>
+          </a:p>
+        </p:txBody>
+      </p:sp>
+      <p:sp>
+        <p:nvSpPr>
+          <p:cNvPr id="12" name="TextBox 11"/>
+          <p:cNvSpPr txBox="1"/>
+          <p:nvPr/>
+        </p:nvSpPr>
+        <p:spPr>
+          <a:xfrm>
+            <a:off x="640080" y="3429000"/>
+            <a:ext cx="4663440" cy="457200"/>
+          </a:xfrm>
+          <a:prstGeom prst="rect">
+            <a:avLst/>
+          </a:prstGeom>
+          <a:noFill/>
+        </p:spPr>
+        <p:txBody>
+          <a:bodyPr wrap="square">
+            <a:spAutoFit/>
+          </a:bodyPr>
+          <a:lstStyle/>
+          <a:p>
+            <a:pPr algn="l">
+              <a:defRPr sz="1100" b="0">
+                <a:solidFill>
+                  <a:srgbClr val="333333"/>
+                </a:solidFill>
+                <a:latin typeface="Calibri"/>
+              </a:defRPr>
+            </a:pPr>
+            <a:r>
+              <a:t>Extracts analysis data:</a:t>
+            </a:r>
+            <a:br/>
+            <a:r>
+              <a:t>pLIN codes, Inc groups, AMR,</a:t>
+            </a:r>
+            <a:br/>
+            <a:r>
+              <a:t>mobility, outbreaks</a:t>
+            </a:r>
+          </a:p>
+        </p:txBody>
+      </p:sp>
+      <p:sp>
+        <p:nvSpPr>
+          <p:cNvPr id="13" name="Down Arrow 12"/>
+          <p:cNvSpPr/>
+          <p:nvPr/>
+        </p:nvSpPr>
+        <p:spPr>
+          <a:xfrm>
+            <a:off x="2743200" y="3931920"/>
+            <a:ext cx="365760" cy="182880"/>
+          </a:xfrm>
+          <a:prstGeom prst="downArrow">
+            <a:avLst/>
+          </a:prstGeom>
+          <a:solidFill>
+            <a:srgbClr val="43A047"/>
+          </a:solidFill>
+          <a:ln>
+            <a:noFill/>
+          </a:ln>
+        </p:spPr>
+        <p:style>
+          <a:lnRef idx="1">
+            <a:schemeClr val="accent1"/>
+          </a:lnRef>
+          <a:fillRef idx="3">
+            <a:schemeClr val="accent1"/>
+          </a:fillRef>
+          <a:effectRef idx="2">
+            <a:schemeClr val="accent1"/>
+          </a:effectRef>
+          <a:fontRef idx="minor">
+            <a:schemeClr val="lt1"/>
+          </a:fontRef>
+        </p:style>
+        <p:txBody>
+          <a:bodyPr rtlCol="0" anchor="ctr"/>
+          <a:lstStyle/>
+          <a:p>
+            <a:pPr algn="ctr"/>
+          </a:p>
+        </p:txBody>
+      </p:sp>
+      <p:sp>
+        <p:nvSpPr>
+          <p:cNvPr id="14" name="Rounded Rectangle 13"/>
+          <p:cNvSpPr/>
+          <p:nvPr/>
+        </p:nvSpPr>
+        <p:spPr>
+          <a:xfrm>
+            <a:off x="457200" y="4114800"/>
+            <a:ext cx="5029200" cy="914400"/>
+          </a:xfrm>
+          <a:prstGeom prst="roundRect">
+            <a:avLst/>
+          </a:prstGeom>
+          <a:solidFill>
+            <a:srgbClr val="FFF3E0"/>
+          </a:solidFill>
+          <a:ln w="25400">
+            <a:solidFill>
+              <a:srgbClr val="FB8C00"/>
+            </a:solidFill>
+          </a:ln>
+        </p:spPr>
+        <p:style>
+          <a:lnRef idx="1">
+            <a:schemeClr val="accent1"/>
+          </a:lnRef>
+          <a:fillRef idx="3">
+            <a:schemeClr val="accent1"/>
+          </a:fillRef>
+          <a:effectRef idx="2">
+            <a:schemeClr val="accent1"/>
+          </a:effectRef>
+          <a:fontRef idx="minor">
+            <a:schemeClr val="lt1"/>
+          </a:fontRef>
+        </p:style>
+        <p:txBody>
+          <a:bodyPr rtlCol="0" anchor="ctr"/>
+          <a:lstStyle/>
+          <a:p>
+            <a:pPr algn="ctr"/>
+          </a:p>
+        </p:txBody>
+      </p:sp>
+      <p:sp>
+        <p:nvSpPr>
+          <p:cNvPr id="15" name="TextBox 14"/>
+          <p:cNvSpPr txBox="1"/>
+          <p:nvPr/>
+        </p:nvSpPr>
+        <p:spPr>
+          <a:xfrm>
+            <a:off x="640080" y="4251960"/>
+            <a:ext cx="4663440" cy="274320"/>
+          </a:xfrm>
+          <a:prstGeom prst="rect">
+            <a:avLst/>
+          </a:prstGeom>
+          <a:noFill/>
+        </p:spPr>
+        <p:txBody>
+          <a:bodyPr wrap="square">
+            <a:spAutoFit/>
+          </a:bodyPr>
+          <a:lstStyle/>
+          <a:p>
+            <a:pPr algn="l">
+              <a:defRPr sz="1400" b="1">
+                <a:solidFill>
+                  <a:srgbClr val="FB8C00"/>
+                </a:solidFill>
+                <a:latin typeface="Calibri"/>
+              </a:defRPr>
+            </a:pPr>
+            <a:r>
+              <a:t>Ollama LLM</a:t>
+            </a:r>
+          </a:p>
+        </p:txBody>
+      </p:sp>
+      <p:sp>
+        <p:nvSpPr>
+          <p:cNvPr id="16" name="TextBox 15"/>
+          <p:cNvSpPr txBox="1"/>
+          <p:nvPr/>
+        </p:nvSpPr>
+        <p:spPr>
+          <a:xfrm>
+            <a:off x="640080" y="4526280"/>
+            <a:ext cx="4663440" cy="457200"/>
+          </a:xfrm>
+          <a:prstGeom prst="rect">
+            <a:avLst/>
+          </a:prstGeom>
+          <a:noFill/>
+        </p:spPr>
+        <p:txBody>
+          <a:bodyPr wrap="square">
+            <a:spAutoFit/>
+          </a:bodyPr>
+          <a:lstStyle/>
+          <a:p>
+            <a:pPr algn="l">
+              <a:defRPr sz="1100" b="0">
+                <a:solidFill>
+                  <a:srgbClr val="333333"/>
+                </a:solidFill>
+                <a:latin typeface="Calibri"/>
+              </a:defRPr>
+            </a:pPr>
+            <a:r>
+              <a:t>Local model (llama3.2, mistral)</a:t>
+            </a:r>
+            <a:br/>
+            <a:r>
+              <a:t>No API keys, data stays local</a:t>
+            </a:r>
+          </a:p>
+        </p:txBody>
+      </p:sp>
+      <p:sp>
+        <p:nvSpPr>
+          <p:cNvPr id="17" name="Down Arrow 16"/>
+          <p:cNvSpPr/>
+          <p:nvPr/>
+        </p:nvSpPr>
+        <p:spPr>
+          <a:xfrm>
+            <a:off x="2743200" y="5029200"/>
+            <a:ext cx="365760" cy="182880"/>
+          </a:xfrm>
+          <a:prstGeom prst="downArrow">
+            <a:avLst/>
+          </a:prstGeom>
+          <a:solidFill>
+            <a:srgbClr val="FB8C00"/>
+          </a:solidFill>
+          <a:ln>
+            <a:noFill/>
+          </a:ln>
+        </p:spPr>
+        <p:style>
+          <a:lnRef idx="1">
+            <a:schemeClr val="accent1"/>
+          </a:lnRef>
+          <a:fillRef idx="3">
+            <a:schemeClr val="accent1"/>
+          </a:fillRef>
+          <a:effectRef idx="2">
+            <a:schemeClr val="accent1"/>
+          </a:effectRef>
+          <a:fontRef idx="minor">
+            <a:schemeClr val="lt1"/>
+          </a:fontRef>
+        </p:style>
+        <p:txBody>
+          <a:bodyPr rtlCol="0" anchor="ctr"/>
+          <a:lstStyle/>
+          <a:p>
+            <a:pPr algn="ctr"/>
+          </a:p>
+        </p:txBody>
+      </p:sp>
+      <p:sp>
+        <p:nvSpPr>
+          <p:cNvPr id="18" name="Rounded Rectangle 17"/>
+          <p:cNvSpPr/>
+          <p:nvPr/>
+        </p:nvSpPr>
+        <p:spPr>
+          <a:xfrm>
+            <a:off x="457200" y="5212079"/>
+            <a:ext cx="5029200" cy="914400"/>
+          </a:xfrm>
+          <a:prstGeom prst="roundRect">
+            <a:avLst/>
+          </a:prstGeom>
+          <a:solidFill>
+            <a:srgbClr val="E3F2FD"/>
+          </a:solidFill>
+          <a:ln w="25400">
+            <a:solidFill>
+              <a:srgbClr val="1E88E5"/>
+            </a:solidFill>
+          </a:ln>
+        </p:spPr>
+        <p:style>
+          <a:lnRef idx="1">
+            <a:schemeClr val="accent1"/>
+          </a:lnRef>
+          <a:fillRef idx="3">
+            <a:schemeClr val="accent1"/>
+          </a:fillRef>
+          <a:effectRef idx="2">
+            <a:schemeClr val="accent1"/>
+          </a:effectRef>
+          <a:fontRef idx="minor">
+            <a:schemeClr val="lt1"/>
+          </a:fontRef>
+        </p:style>
+        <p:txBody>
+          <a:bodyPr rtlCol="0" anchor="ctr"/>
+          <a:lstStyle/>
+          <a:p>
+            <a:pPr algn="ctr"/>
+          </a:p>
+        </p:txBody>
+      </p:sp>
+      <p:sp>
+        <p:nvSpPr>
+          <p:cNvPr id="19" name="TextBox 18"/>
+          <p:cNvSpPr txBox="1"/>
+          <p:nvPr/>
+        </p:nvSpPr>
+        <p:spPr>
+          <a:xfrm>
+            <a:off x="640080" y="5349239"/>
+            <a:ext cx="4663440" cy="274320"/>
+          </a:xfrm>
+          <a:prstGeom prst="rect">
+            <a:avLst/>
+          </a:prstGeom>
+          <a:noFill/>
+        </p:spPr>
+        <p:txBody>
+          <a:bodyPr wrap="square">
+            <a:spAutoFit/>
+          </a:bodyPr>
+          <a:lstStyle/>
+          <a:p>
+            <a:pPr algn="l">
+              <a:defRPr sz="1400" b="1">
+                <a:solidFill>
+                  <a:srgbClr val="1E88E5"/>
+                </a:solidFill>
+                <a:latin typeface="Calibri"/>
+              </a:defRPr>
+            </a:pPr>
+            <a:r>
+              <a:t>Streamed Response</a:t>
+            </a:r>
+          </a:p>
+        </p:txBody>
+      </p:sp>
+      <p:sp>
+        <p:nvSpPr>
+          <p:cNvPr id="20" name="TextBox 19"/>
+          <p:cNvSpPr txBox="1"/>
+          <p:nvPr/>
+        </p:nvSpPr>
+        <p:spPr>
+          <a:xfrm>
+            <a:off x="640080" y="5623559"/>
+            <a:ext cx="4663440" cy="457200"/>
+          </a:xfrm>
+          <a:prstGeom prst="rect">
+            <a:avLst/>
+          </a:prstGeom>
+          <a:noFill/>
+        </p:spPr>
+        <p:txBody>
+          <a:bodyPr wrap="square">
+            <a:spAutoFit/>
+          </a:bodyPr>
+          <a:lstStyle/>
+          <a:p>
+            <a:pPr algn="l">
+              <a:defRPr sz="1100" b="0">
+                <a:solidFill>
+                  <a:srgbClr val="333333"/>
+                </a:solidFill>
+                <a:latin typeface="Calibri"/>
+              </a:defRPr>
+            </a:pPr>
+            <a:r>
+              <a:t>Real-time answer with</a:t>
+            </a:r>
+            <a:br/>
+            <a:r>
+              <a:t>context-aware explanations</a:t>
+            </a:r>
+          </a:p>
+        </p:txBody>
+      </p:sp>
+      <p:sp>
+        <p:nvSpPr>
+          <p:cNvPr id="21" name="TextBox 20"/>
+          <p:cNvSpPr txBox="1"/>
+          <p:nvPr/>
+        </p:nvSpPr>
+        <p:spPr>
+          <a:xfrm>
+            <a:off x="5943600" y="1463040"/>
+            <a:ext cx="5943600" cy="365760"/>
+          </a:xfrm>
+          <a:prstGeom prst="rect">
+            <a:avLst/>
+          </a:prstGeom>
+          <a:noFill/>
+        </p:spPr>
+        <p:txBody>
+          <a:bodyPr wrap="square">
+            <a:spAutoFit/>
+          </a:bodyPr>
+          <a:lstStyle/>
+          <a:p>
+            <a:pPr algn="l">
+              <a:defRPr sz="1800" b="1">
+                <a:solidFill>
+                  <a:srgbClr val="0D47A1"/>
+                </a:solidFill>
+                <a:latin typeface="Calibri"/>
+              </a:defRPr>
+            </a:pPr>
+            <a:r>
+              <a:t>Key Features</a:t>
+            </a:r>
+          </a:p>
+        </p:txBody>
+      </p:sp>
+      <p:sp>
+        <p:nvSpPr>
+          <p:cNvPr id="22" name="Oval 21"/>
+          <p:cNvSpPr/>
+          <p:nvPr/>
+        </p:nvSpPr>
+        <p:spPr>
+          <a:xfrm>
+            <a:off x="5943600" y="2011680"/>
+            <a:ext cx="182880" cy="182880"/>
+          </a:xfrm>
+          <a:prstGeom prst="ellipse">
+            <a:avLst/>
+          </a:prstGeom>
+          <a:solidFill>
+            <a:srgbClr val="43A047"/>
+          </a:solidFill>
+          <a:ln>
+            <a:noFill/>
+          </a:ln>
+        </p:spPr>
+        <p:style>
+          <a:lnRef idx="1">
+            <a:schemeClr val="accent1"/>
+          </a:lnRef>
+          <a:fillRef idx="3">
+            <a:schemeClr val="accent1"/>
+          </a:fillRef>
+          <a:effectRef idx="2">
+            <a:schemeClr val="accent1"/>
+          </a:effectRef>
+          <a:fontRef idx="minor">
+            <a:schemeClr val="lt1"/>
+          </a:fontRef>
+        </p:style>
+        <p:txBody>
+          <a:bodyPr rtlCol="0" anchor="ctr"/>
+          <a:lstStyle/>
+          <a:p>
+            <a:pPr algn="ctr"/>
+          </a:p>
+        </p:txBody>
+      </p:sp>
+      <p:sp>
+        <p:nvSpPr>
+          <p:cNvPr id="23" name="TextBox 22"/>
+          <p:cNvSpPr txBox="1"/>
+          <p:nvPr/>
+        </p:nvSpPr>
+        <p:spPr>
+          <a:xfrm>
+            <a:off x="6263640" y="1920240"/>
+            <a:ext cx="5303520" cy="274320"/>
+          </a:xfrm>
+          <a:prstGeom prst="rect">
+            <a:avLst/>
+          </a:prstGeom>
+          <a:noFill/>
+        </p:spPr>
+        <p:txBody>
+          <a:bodyPr wrap="square">
+            <a:spAutoFit/>
+          </a:bodyPr>
+          <a:lstStyle/>
+          <a:p>
+            <a:pPr algn="l">
+              <a:defRPr sz="1300" b="1">
+                <a:solidFill>
+                  <a:srgbClr val="43A047"/>
+                </a:solidFill>
+                <a:latin typeface="Calibri"/>
+              </a:defRPr>
+            </a:pPr>
+            <a:r>
+              <a:t>Privacy-First</a:t>
+            </a:r>
+          </a:p>
+        </p:txBody>
+      </p:sp>
+      <p:sp>
+        <p:nvSpPr>
+          <p:cNvPr id="24" name="TextBox 23"/>
+          <p:cNvSpPr txBox="1"/>
+          <p:nvPr/>
+        </p:nvSpPr>
+        <p:spPr>
+          <a:xfrm>
+            <a:off x="6263640" y="2240280"/>
+            <a:ext cx="5303520" cy="457200"/>
+          </a:xfrm>
+          <a:prstGeom prst="rect">
+            <a:avLst/>
+          </a:prstGeom>
+          <a:noFill/>
+        </p:spPr>
+        <p:txBody>
+          <a:bodyPr wrap="square">
+            <a:spAutoFit/>
+          </a:bodyPr>
+          <a:lstStyle/>
+          <a:p>
+            <a:pPr algn="l">
+              <a:defRPr sz="1100" b="0">
+                <a:solidFill>
+                  <a:srgbClr val="333333"/>
+                </a:solidFill>
+                <a:latin typeface="Calibri"/>
+              </a:defRPr>
+            </a:pPr>
+            <a:r>
+              <a:t>Runs 100% locally via Ollama — no data leaves your machine</a:t>
+            </a:r>
+          </a:p>
+        </p:txBody>
+      </p:sp>
+      <p:sp>
+        <p:nvSpPr>
+          <p:cNvPr id="25" name="Oval 24"/>
+          <p:cNvSpPr/>
+          <p:nvPr/>
+        </p:nvSpPr>
+        <p:spPr>
+          <a:xfrm>
+            <a:off x="5943600" y="2880360"/>
+            <a:ext cx="182880" cy="182880"/>
+          </a:xfrm>
+          <a:prstGeom prst="ellipse">
+            <a:avLst/>
+          </a:prstGeom>
+          <a:solidFill>
+            <a:srgbClr val="1E88E5"/>
+          </a:solidFill>
+          <a:ln>
+            <a:noFill/>
+          </a:ln>
+        </p:spPr>
+        <p:style>
+          <a:lnRef idx="1">
+            <a:schemeClr val="accent1"/>
+          </a:lnRef>
+          <a:fillRef idx="3">
+            <a:schemeClr val="accent1"/>
+          </a:fillRef>
+          <a:effectRef idx="2">
+            <a:schemeClr val="accent1"/>
+          </a:effectRef>
+          <a:fontRef idx="minor">
+            <a:schemeClr val="lt1"/>
+          </a:fontRef>
+        </p:style>
+        <p:txBody>
+          <a:bodyPr rtlCol="0" anchor="ctr"/>
+          <a:lstStyle/>
+          <a:p>
+            <a:pPr algn="ctr"/>
+          </a:p>
+        </p:txBody>
+      </p:sp>
+      <p:sp>
+        <p:nvSpPr>
+          <p:cNvPr id="26" name="TextBox 25"/>
+          <p:cNvSpPr txBox="1"/>
+          <p:nvPr/>
+        </p:nvSpPr>
+        <p:spPr>
+          <a:xfrm>
+            <a:off x="6263640" y="2788920"/>
+            <a:ext cx="5303520" cy="274320"/>
+          </a:xfrm>
+          <a:prstGeom prst="rect">
+            <a:avLst/>
+          </a:prstGeom>
+          <a:noFill/>
+        </p:spPr>
+        <p:txBody>
+          <a:bodyPr wrap="square">
+            <a:spAutoFit/>
+          </a:bodyPr>
+          <a:lstStyle/>
+          <a:p>
+            <a:pPr algn="l">
+              <a:defRPr sz="1300" b="1">
+                <a:solidFill>
+                  <a:srgbClr val="1E88E5"/>
+                </a:solidFill>
+                <a:latin typeface="Calibri"/>
+              </a:defRPr>
+            </a:pPr>
+            <a:r>
+              <a:t>Context-Aware</a:t>
+            </a:r>
+          </a:p>
+        </p:txBody>
+      </p:sp>
+      <p:sp>
+        <p:nvSpPr>
+          <p:cNvPr id="27" name="TextBox 26"/>
+          <p:cNvSpPr txBox="1"/>
+          <p:nvPr/>
+        </p:nvSpPr>
+        <p:spPr>
+          <a:xfrm>
+            <a:off x="6263640" y="3108960"/>
+            <a:ext cx="5303520" cy="457200"/>
+          </a:xfrm>
+          <a:prstGeom prst="rect">
+            <a:avLst/>
+          </a:prstGeom>
+          <a:noFill/>
+        </p:spPr>
+        <p:txBody>
+          <a:bodyPr wrap="square">
+            <a:spAutoFit/>
+          </a:bodyPr>
+          <a:lstStyle/>
+          <a:p>
+            <a:pPr algn="l">
+              <a:defRPr sz="1100" b="0">
+                <a:solidFill>
+                  <a:srgbClr val="333333"/>
+                </a:solidFill>
+                <a:latin typeface="Calibri"/>
+              </a:defRPr>
+            </a:pPr>
+            <a:r>
+              <a:t>Understands your analysis: Inc groups, AMR genes, outbreaks</a:t>
+            </a:r>
+          </a:p>
+        </p:txBody>
+      </p:sp>
+      <p:sp>
+        <p:nvSpPr>
+          <p:cNvPr id="28" name="Oval 27"/>
+          <p:cNvSpPr/>
+          <p:nvPr/>
+        </p:nvSpPr>
+        <p:spPr>
+          <a:xfrm>
+            <a:off x="5943600" y="3749040"/>
+            <a:ext cx="182880" cy="182880"/>
+          </a:xfrm>
+          <a:prstGeom prst="ellipse">
+            <a:avLst/>
+          </a:prstGeom>
+          <a:solidFill>
+            <a:srgbClr val="FB8C00"/>
+          </a:solidFill>
+          <a:ln>
+            <a:noFill/>
+          </a:ln>
+        </p:spPr>
+        <p:style>
+          <a:lnRef idx="1">
+            <a:schemeClr val="accent1"/>
+          </a:lnRef>
+          <a:fillRef idx="3">
+            <a:schemeClr val="accent1"/>
+          </a:fillRef>
+          <a:effectRef idx="2">
+            <a:schemeClr val="accent1"/>
+          </a:effectRef>
+          <a:fontRef idx="minor">
+            <a:schemeClr val="lt1"/>
+          </a:fontRef>
+        </p:style>
+        <p:txBody>
+          <a:bodyPr rtlCol="0" anchor="ctr"/>
+          <a:lstStyle/>
+          <a:p>
+            <a:pPr algn="ctr"/>
+          </a:p>
+        </p:txBody>
+      </p:sp>
+      <p:sp>
+        <p:nvSpPr>
+          <p:cNvPr id="29" name="TextBox 28"/>
+          <p:cNvSpPr txBox="1"/>
+          <p:nvPr/>
+        </p:nvSpPr>
+        <p:spPr>
+          <a:xfrm>
+            <a:off x="6263640" y="3657600"/>
+            <a:ext cx="5303520" cy="274320"/>
+          </a:xfrm>
+          <a:prstGeom prst="rect">
+            <a:avLst/>
+          </a:prstGeom>
+          <a:noFill/>
+        </p:spPr>
+        <p:txBody>
+          <a:bodyPr wrap="square">
+            <a:spAutoFit/>
+          </a:bodyPr>
+          <a:lstStyle/>
+          <a:p>
+            <a:pPr algn="l">
+              <a:defRPr sz="1300" b="1">
+                <a:solidFill>
+                  <a:srgbClr val="FB8C00"/>
+                </a:solidFill>
+                <a:latin typeface="Calibri"/>
+              </a:defRPr>
+            </a:pPr>
+            <a:r>
+              <a:t>Multiple Models</a:t>
+            </a:r>
+          </a:p>
+        </p:txBody>
+      </p:sp>
+      <p:sp>
+        <p:nvSpPr>
+          <p:cNvPr id="30" name="TextBox 29"/>
+          <p:cNvSpPr txBox="1"/>
+          <p:nvPr/>
+        </p:nvSpPr>
+        <p:spPr>
+          <a:xfrm>
+            <a:off x="6263640" y="3977640"/>
+            <a:ext cx="5303520" cy="457200"/>
+          </a:xfrm>
+          <a:prstGeom prst="rect">
+            <a:avLst/>
+          </a:prstGeom>
+          <a:noFill/>
+        </p:spPr>
+        <p:txBody>
+          <a:bodyPr wrap="square">
+            <a:spAutoFit/>
+          </a:bodyPr>
+          <a:lstStyle/>
+          <a:p>
+            <a:pPr algn="l">
+              <a:defRPr sz="1100" b="0">
+                <a:solidFill>
+                  <a:srgbClr val="333333"/>
+                </a:solidFill>
+                <a:latin typeface="Calibri"/>
+              </a:defRPr>
+            </a:pPr>
+            <a:r>
+              <a:t>Choose: llama3.2, mistral, mixtral, phi3, gemma2</a:t>
+            </a:r>
+          </a:p>
+        </p:txBody>
+      </p:sp>
+      <p:sp>
+        <p:nvSpPr>
+          <p:cNvPr id="31" name="Oval 30"/>
+          <p:cNvSpPr/>
+          <p:nvPr/>
+        </p:nvSpPr>
+        <p:spPr>
+          <a:xfrm>
+            <a:off x="5943600" y="4617719"/>
+            <a:ext cx="182880" cy="182880"/>
+          </a:xfrm>
+          <a:prstGeom prst="ellipse">
+            <a:avLst/>
+          </a:prstGeom>
+          <a:solidFill>
+            <a:srgbClr val="8E24AA"/>
+          </a:solidFill>
+          <a:ln>
+            <a:noFill/>
+          </a:ln>
+        </p:spPr>
+        <p:style>
+          <a:lnRef idx="1">
+            <a:schemeClr val="accent1"/>
+          </a:lnRef>
+          <a:fillRef idx="3">
+            <a:schemeClr val="accent1"/>
+          </a:fillRef>
+          <a:effectRef idx="2">
+            <a:schemeClr val="accent1"/>
+          </a:effectRef>
+          <a:fontRef idx="minor">
+            <a:schemeClr val="lt1"/>
+          </a:fontRef>
+        </p:style>
+        <p:txBody>
+          <a:bodyPr rtlCol="0" anchor="ctr"/>
+          <a:lstStyle/>
+          <a:p>
+            <a:pPr algn="ctr"/>
+          </a:p>
+        </p:txBody>
+      </p:sp>
+      <p:sp>
+        <p:nvSpPr>
+          <p:cNvPr id="32" name="TextBox 31"/>
+          <p:cNvSpPr txBox="1"/>
+          <p:nvPr/>
+        </p:nvSpPr>
+        <p:spPr>
+          <a:xfrm>
+            <a:off x="6263640" y="4526279"/>
+            <a:ext cx="5303520" cy="274320"/>
+          </a:xfrm>
+          <a:prstGeom prst="rect">
+            <a:avLst/>
+          </a:prstGeom>
+          <a:noFill/>
+        </p:spPr>
+        <p:txBody>
+          <a:bodyPr wrap="square">
+            <a:spAutoFit/>
+          </a:bodyPr>
+          <a:lstStyle/>
+          <a:p>
+            <a:pPr algn="l">
+              <a:defRPr sz="1300" b="1">
+                <a:solidFill>
+                  <a:srgbClr val="8E24AA"/>
+                </a:solidFill>
+                <a:latin typeface="Calibri"/>
+              </a:defRPr>
+            </a:pPr>
+            <a:r>
+              <a:t>Streaming Chat</a:t>
+            </a:r>
+          </a:p>
+        </p:txBody>
+      </p:sp>
+      <p:sp>
+        <p:nvSpPr>
+          <p:cNvPr id="33" name="TextBox 32"/>
+          <p:cNvSpPr txBox="1"/>
+          <p:nvPr/>
+        </p:nvSpPr>
+        <p:spPr>
+          <a:xfrm>
+            <a:off x="6263640" y="4846319"/>
+            <a:ext cx="5303520" cy="457200"/>
+          </a:xfrm>
+          <a:prstGeom prst="rect">
+            <a:avLst/>
+          </a:prstGeom>
+          <a:noFill/>
+        </p:spPr>
+        <p:txBody>
+          <a:bodyPr wrap="square">
+            <a:spAutoFit/>
+          </a:bodyPr>
+          <a:lstStyle/>
+          <a:p>
+            <a:pPr algn="l">
+              <a:defRPr sz="1100" b="0">
+                <a:solidFill>
+                  <a:srgbClr val="333333"/>
+                </a:solidFill>
+                <a:latin typeface="Calibri"/>
+              </a:defRPr>
+            </a:pPr>
+            <a:r>
+              <a:t>Real-time response streaming for smooth UX</a:t>
+            </a:r>
+          </a:p>
+        </p:txBody>
+      </p:sp>
+      <p:sp>
+        <p:nvSpPr>
+          <p:cNvPr id="34" name="Oval 33"/>
+          <p:cNvSpPr/>
+          <p:nvPr/>
+        </p:nvSpPr>
+        <p:spPr>
+          <a:xfrm>
+            <a:off x="5943600" y="5486400"/>
+            <a:ext cx="182880" cy="182880"/>
+          </a:xfrm>
+          <a:prstGeom prst="ellipse">
+            <a:avLst/>
+          </a:prstGeom>
+          <a:solidFill>
+            <a:srgbClr val="009688"/>
+          </a:solidFill>
+          <a:ln>
+            <a:noFill/>
+          </a:ln>
+        </p:spPr>
+        <p:style>
+          <a:lnRef idx="1">
+            <a:schemeClr val="accent1"/>
+          </a:lnRef>
+          <a:fillRef idx="3">
+            <a:schemeClr val="accent1"/>
+          </a:fillRef>
+          <a:effectRef idx="2">
+            <a:schemeClr val="accent1"/>
+          </a:effectRef>
+          <a:fontRef idx="minor">
+            <a:schemeClr val="lt1"/>
+          </a:fontRef>
+        </p:style>
+        <p:txBody>
+          <a:bodyPr rtlCol="0" anchor="ctr"/>
+          <a:lstStyle/>
+          <a:p>
+            <a:pPr algn="ctr"/>
+          </a:p>
+        </p:txBody>
+      </p:sp>
+      <p:sp>
+        <p:nvSpPr>
+          <p:cNvPr id="35" name="TextBox 34"/>
+          <p:cNvSpPr txBox="1"/>
+          <p:nvPr/>
+        </p:nvSpPr>
+        <p:spPr>
+          <a:xfrm>
+            <a:off x="6263640" y="5394960"/>
+            <a:ext cx="5303520" cy="274320"/>
+          </a:xfrm>
+          <a:prstGeom prst="rect">
+            <a:avLst/>
+          </a:prstGeom>
+          <a:noFill/>
+        </p:spPr>
+        <p:txBody>
+          <a:bodyPr wrap="square">
+            <a:spAutoFit/>
+          </a:bodyPr>
+          <a:lstStyle/>
+          <a:p>
+            <a:pPr algn="l">
+              <a:defRPr sz="1300" b="1">
+                <a:solidFill>
+                  <a:srgbClr val="009688"/>
+                </a:solidFill>
+                <a:latin typeface="Calibri"/>
+              </a:defRPr>
+            </a:pPr>
+            <a:r>
+              <a:t>Suggested Prompts</a:t>
+            </a:r>
+          </a:p>
+        </p:txBody>
+      </p:sp>
+      <p:sp>
+        <p:nvSpPr>
+          <p:cNvPr id="36" name="TextBox 35"/>
+          <p:cNvSpPr txBox="1"/>
+          <p:nvPr/>
+        </p:nvSpPr>
+        <p:spPr>
+          <a:xfrm>
+            <a:off x="6263640" y="5715000"/>
+            <a:ext cx="5303520" cy="457200"/>
+          </a:xfrm>
+          <a:prstGeom prst="rect">
+            <a:avLst/>
+          </a:prstGeom>
+          <a:noFill/>
+        </p:spPr>
+        <p:txBody>
+          <a:bodyPr wrap="square">
+            <a:spAutoFit/>
+          </a:bodyPr>
+          <a:lstStyle/>
+          <a:p>
+            <a:pPr algn="l">
+              <a:defRPr sz="1100" b="0">
+                <a:solidFill>
+                  <a:srgbClr val="333333"/>
+                </a:solidFill>
+                <a:latin typeface="Calibri"/>
+              </a:defRPr>
+            </a:pPr>
+            <a:r>
+              <a:t>Pre-written questions to get started quickly</a:t>
+            </a:r>
+          </a:p>
+        </p:txBody>
+      </p:sp>
+      <p:sp>
+        <p:nvSpPr>
+          <p:cNvPr id="37" name="Rounded Rectangle 36"/>
+          <p:cNvSpPr/>
+          <p:nvPr/>
+        </p:nvSpPr>
+        <p:spPr>
+          <a:xfrm>
+            <a:off x="5943600" y="5486400"/>
+            <a:ext cx="5760720" cy="1097280"/>
+          </a:xfrm>
+          <a:prstGeom prst="roundRect">
+            <a:avLst/>
+          </a:prstGeom>
+          <a:solidFill>
+            <a:srgbClr val="F3E5F5"/>
+          </a:solidFill>
+          <a:ln w="12700">
+            <a:solidFill>
+              <a:srgbClr val="8E24AA"/>
+            </a:solidFill>
+          </a:ln>
+        </p:spPr>
+        <p:style>
+          <a:lnRef idx="1">
+            <a:schemeClr val="accent1"/>
+          </a:lnRef>
+          <a:fillRef idx="3">
+            <a:schemeClr val="accent1"/>
+          </a:fillRef>
+          <a:effectRef idx="2">
+            <a:schemeClr val="accent1"/>
+          </a:effectRef>
+          <a:fontRef idx="minor">
+            <a:schemeClr val="lt1"/>
+          </a:fontRef>
+        </p:style>
+        <p:txBody>
+          <a:bodyPr rtlCol="0" anchor="ctr"/>
+          <a:lstStyle/>
+          <a:p>
+            <a:pPr algn="ctr"/>
+          </a:p>
+        </p:txBody>
+      </p:sp>
+      <p:sp>
+        <p:nvSpPr>
+          <p:cNvPr id="38" name="TextBox 37"/>
+          <p:cNvSpPr txBox="1"/>
+          <p:nvPr/>
+        </p:nvSpPr>
+        <p:spPr>
+          <a:xfrm>
+            <a:off x="6126480" y="5577840"/>
+            <a:ext cx="5486400" cy="274320"/>
+          </a:xfrm>
+          <a:prstGeom prst="rect">
+            <a:avLst/>
+          </a:prstGeom>
+          <a:noFill/>
+        </p:spPr>
+        <p:txBody>
+          <a:bodyPr wrap="square">
+            <a:spAutoFit/>
+          </a:bodyPr>
+          <a:lstStyle/>
+          <a:p>
+            <a:pPr algn="l">
+              <a:defRPr sz="1200" b="1">
+                <a:solidFill>
+                  <a:srgbClr val="8E24AA"/>
+                </a:solidFill>
+                <a:latin typeface="Calibri"/>
+              </a:defRPr>
+            </a:pPr>
+            <a:r>
+              <a:t>Example Questions:</a:t>
+            </a:r>
+          </a:p>
+        </p:txBody>
+      </p:sp>
+      <p:sp>
+        <p:nvSpPr>
+          <p:cNvPr id="39" name="TextBox 38"/>
+          <p:cNvSpPr txBox="1"/>
+          <p:nvPr/>
+        </p:nvSpPr>
+        <p:spPr>
+          <a:xfrm>
+            <a:off x="6126480" y="5852160"/>
+            <a:ext cx="5394960" cy="640080"/>
+          </a:xfrm>
+          <a:prstGeom prst="rect">
+            <a:avLst/>
+          </a:prstGeom>
+          <a:noFill/>
+        </p:spPr>
+        <p:txBody>
+          <a:bodyPr wrap="square">
+            <a:spAutoFit/>
+          </a:bodyPr>
+          <a:lstStyle/>
+          <a:p>
+            <a:pPr algn="l">
+              <a:defRPr sz="1000" b="0">
+                <a:solidFill>
+                  <a:srgbClr val="333333"/>
+                </a:solidFill>
+                <a:latin typeface="Calibri"/>
+              </a:defRPr>
+            </a:pPr>
+            <a:r>
+              <a:t>"Summarize my results" • "Which plasmids are high-risk?" • "Explain the AMR genes found"</a:t>
+            </a:r>
+          </a:p>
+        </p:txBody>
+      </p:sp>
+    </p:spTree>
+  </p:cSld>
+  <p:clrMapOvr>
+    <a:masterClrMapping/>
+  </p:clrMapOvr>
+</p:sld>
+</file>
+
+<file path=ppt/slides/slide15.xml><?xml version="1.0" encoding="utf-8"?>
+<p:sld xmlns:a="http://schemas.openxmlformats.org/drawingml/2006/main" xmlns:p="http://schemas.openxmlformats.org/presentationml/2006/main" xmlns:r="http://schemas.openxmlformats.org/officeDocument/2006/relationships">
+  <p:cSld>
+    <p:bg>
+      <p:bgPr>
+        <a:solidFill>
+          <a:srgbClr val="FFFFFF"/>
+        </a:solidFill>
+        <a:effectLst/>
+      </p:bgPr>
+    </p:bg>
+    <p:spTree>
+      <p:nvGrpSpPr>
+        <p:cNvPr id="1" name=""/>
+        <p:cNvGrpSpPr/>
+        <p:nvPr/>
+      </p:nvGrpSpPr>
+      <p:grpSpPr/>
+      <p:sp>
+        <p:nvSpPr>
+          <p:cNvPr id="2" name="Rounded Rectangle 1"/>
+          <p:cNvSpPr/>
+          <p:nvPr/>
+        </p:nvSpPr>
+        <p:spPr>
+          <a:xfrm>
+            <a:off x="0" y="0"/>
+            <a:ext cx="12191695" cy="1097280"/>
+          </a:xfrm>
+          <a:prstGeom prst="roundRect">
+            <a:avLst/>
+          </a:prstGeom>
+          <a:solidFill>
+            <a:srgbClr val="0D47A1"/>
+          </a:solidFill>
+          <a:ln>
+            <a:noFill/>
+          </a:ln>
+        </p:spPr>
+        <p:style>
+          <a:lnRef idx="1">
+            <a:schemeClr val="accent1"/>
+          </a:lnRef>
+          <a:fillRef idx="3">
+            <a:schemeClr val="accent1"/>
+          </a:fillRef>
+          <a:effectRef idx="2">
+            <a:schemeClr val="accent1"/>
+          </a:effectRef>
+          <a:fontRef idx="minor">
+            <a:schemeClr val="lt1"/>
+          </a:fontRef>
+        </p:style>
+        <p:txBody>
+          <a:bodyPr rtlCol="0" anchor="ctr"/>
+          <a:lstStyle/>
+          <a:p>
+            <a:pPr algn="ctr"/>
+          </a:p>
+        </p:txBody>
+      </p:sp>
+      <p:sp>
+        <p:nvSpPr>
+          <p:cNvPr id="3" name="TextBox 2"/>
+          <p:cNvSpPr txBox="1"/>
+          <p:nvPr/>
+        </p:nvSpPr>
+        <p:spPr>
+          <a:xfrm>
+            <a:off x="548640" y="137160"/>
+            <a:ext cx="10972800" cy="548640"/>
+          </a:xfrm>
+          <a:prstGeom prst="rect">
+            <a:avLst/>
+          </a:prstGeom>
+          <a:noFill/>
+        </p:spPr>
+        <p:txBody>
+          <a:bodyPr wrap="square">
+            <a:spAutoFit/>
+          </a:bodyPr>
+          <a:lstStyle/>
+          <a:p>
+            <a:pPr algn="l">
+              <a:defRPr sz="3200" b="1">
+                <a:solidFill>
+                  <a:srgbClr val="FFFFFF"/>
+                </a:solidFill>
+                <a:latin typeface="Calibri"/>
+              </a:defRPr>
+            </a:pPr>
+            <a:r>
+              <a:t>Unknown/Novel Inc Type Detection</a:t>
+            </a:r>
+          </a:p>
+        </p:txBody>
+      </p:sp>
+      <p:sp>
+        <p:nvSpPr>
+          <p:cNvPr id="4" name="TextBox 3"/>
+          <p:cNvSpPr txBox="1"/>
+          <p:nvPr/>
+        </p:nvSpPr>
+        <p:spPr>
+          <a:xfrm>
+            <a:off x="548640" y="640080"/>
+            <a:ext cx="10972800" cy="365760"/>
+          </a:xfrm>
+          <a:prstGeom prst="rect">
+            <a:avLst/>
+          </a:prstGeom>
+          <a:noFill/>
+        </p:spPr>
+        <p:txBody>
+          <a:bodyPr wrap="square">
+            <a:spAutoFit/>
+          </a:bodyPr>
+          <a:lstStyle/>
+          <a:p>
+            <a:pPr algn="l">
+              <a:defRPr sz="1600" b="0">
+                <a:solidFill>
+                  <a:srgbClr val="BBDEFB"/>
+                </a:solidFill>
+                <a:latin typeface="Calibri"/>
+              </a:defRPr>
+            </a:pPr>
+            <a:r>
+              <a:t>Confidence-based flagging prevents misclassification</a:t>
+            </a:r>
+          </a:p>
+        </p:txBody>
+      </p:sp>
+      <p:sp>
+        <p:nvSpPr>
+          <p:cNvPr id="5" name="Rounded Rectangle 4"/>
+          <p:cNvSpPr/>
+          <p:nvPr/>
+        </p:nvSpPr>
+        <p:spPr>
+          <a:xfrm>
+            <a:off x="457200" y="1463040"/>
+            <a:ext cx="5486400" cy="1280160"/>
+          </a:xfrm>
+          <a:prstGeom prst="roundRect">
+            <a:avLst/>
+          </a:prstGeom>
+          <a:solidFill>
+            <a:srgbClr val="FFEBEE"/>
+          </a:solidFill>
+          <a:ln w="25400">
+            <a:solidFill>
+              <a:srgbClr val="E53935"/>
+            </a:solidFill>
+          </a:ln>
+        </p:spPr>
+        <p:style>
+          <a:lnRef idx="1">
+            <a:schemeClr val="accent1"/>
+          </a:lnRef>
+          <a:fillRef idx="3">
+            <a:schemeClr val="accent1"/>
+          </a:fillRef>
+          <a:effectRef idx="2">
+            <a:schemeClr val="accent1"/>
+          </a:effectRef>
+          <a:fontRef idx="minor">
+            <a:schemeClr val="lt1"/>
+          </a:fontRef>
+        </p:style>
+        <p:txBody>
+          <a:bodyPr rtlCol="0" anchor="ctr"/>
+          <a:lstStyle/>
+          <a:p>
+            <a:pPr algn="ctr"/>
+          </a:p>
+        </p:txBody>
+      </p:sp>
+      <p:sp>
+        <p:nvSpPr>
+          <p:cNvPr id="6" name="TextBox 5"/>
+          <p:cNvSpPr txBox="1"/>
+          <p:nvPr/>
+        </p:nvSpPr>
+        <p:spPr>
+          <a:xfrm>
+            <a:off x="640080" y="1554480"/>
+            <a:ext cx="5120640" cy="274320"/>
+          </a:xfrm>
+          <a:prstGeom prst="rect">
+            <a:avLst/>
+          </a:prstGeom>
+          <a:noFill/>
+        </p:spPr>
+        <p:txBody>
+          <a:bodyPr wrap="square">
+            <a:spAutoFit/>
+          </a:bodyPr>
+          <a:lstStyle/>
+          <a:p>
+            <a:pPr algn="l">
+              <a:defRPr sz="1400" b="1">
+                <a:solidFill>
+                  <a:srgbClr val="E53935"/>
+                </a:solidFill>
+                <a:latin typeface="Calibri"/>
+              </a:defRPr>
+            </a:pPr>
+            <a:r>
+              <a:t>The Problem</a:t>
+            </a:r>
+          </a:p>
+        </p:txBody>
+      </p:sp>
+      <p:sp>
+        <p:nvSpPr>
+          <p:cNvPr id="7" name="TextBox 6"/>
+          <p:cNvSpPr txBox="1"/>
+          <p:nvPr/>
+        </p:nvSpPr>
+        <p:spPr>
+          <a:xfrm>
+            <a:off x="640080" y="1874519"/>
+            <a:ext cx="5120640" cy="822960"/>
+          </a:xfrm>
+          <a:prstGeom prst="rect">
+            <a:avLst/>
+          </a:prstGeom>
+          <a:noFill/>
+        </p:spPr>
+        <p:txBody>
+          <a:bodyPr wrap="square">
+            <a:spAutoFit/>
+          </a:bodyPr>
+          <a:lstStyle/>
+          <a:p>
+            <a:pPr algn="l">
+              <a:defRPr sz="1100" b="0">
+                <a:solidFill>
+                  <a:srgbClr val="333333"/>
+                </a:solidFill>
+                <a:latin typeface="Calibri"/>
+              </a:defRPr>
+            </a:pPr>
+            <a:r>
+              <a:t>KNN always assigns to the nearest class, even if the match is poor.</a:t>
+            </a:r>
+            <a:br/>
+            <a:r>
+              <a:t>Plasmids with Inc types not in training data (IncL, IncU, novel)</a:t>
+            </a:r>
+            <a:br/>
+            <a:r>
+              <a:t>get misclassified with no warning.</a:t>
+            </a:r>
+          </a:p>
+        </p:txBody>
+      </p:sp>
+      <p:sp>
+        <p:nvSpPr>
+          <p:cNvPr id="8" name="Rounded Rectangle 7"/>
+          <p:cNvSpPr/>
+          <p:nvPr/>
+        </p:nvSpPr>
+        <p:spPr>
+          <a:xfrm>
+            <a:off x="457200" y="2926080"/>
+            <a:ext cx="5486400" cy="1280160"/>
+          </a:xfrm>
+          <a:prstGeom prst="roundRect">
+            <a:avLst/>
+          </a:prstGeom>
+          <a:solidFill>
+            <a:srgbClr val="E8F5E9"/>
+          </a:solidFill>
+          <a:ln w="25400">
+            <a:solidFill>
+              <a:srgbClr val="43A047"/>
+            </a:solidFill>
+          </a:ln>
+        </p:spPr>
+        <p:style>
+          <a:lnRef idx="1">
+            <a:schemeClr val="accent1"/>
+          </a:lnRef>
+          <a:fillRef idx="3">
+            <a:schemeClr val="accent1"/>
+          </a:fillRef>
+          <a:effectRef idx="2">
+            <a:schemeClr val="accent1"/>
+          </a:effectRef>
+          <a:fontRef idx="minor">
+            <a:schemeClr val="lt1"/>
+          </a:fontRef>
+        </p:style>
+        <p:txBody>
+          <a:bodyPr rtlCol="0" anchor="ctr"/>
+          <a:lstStyle/>
+          <a:p>
+            <a:pPr algn="ctr"/>
+          </a:p>
+        </p:txBody>
+      </p:sp>
+      <p:sp>
+        <p:nvSpPr>
+          <p:cNvPr id="9" name="TextBox 8"/>
+          <p:cNvSpPr txBox="1"/>
+          <p:nvPr/>
+        </p:nvSpPr>
+        <p:spPr>
+          <a:xfrm>
+            <a:off x="640080" y="3017520"/>
+            <a:ext cx="5120640" cy="274320"/>
+          </a:xfrm>
+          <a:prstGeom prst="rect">
+            <a:avLst/>
+          </a:prstGeom>
+          <a:noFill/>
+        </p:spPr>
+        <p:txBody>
+          <a:bodyPr wrap="square">
+            <a:spAutoFit/>
+          </a:bodyPr>
+          <a:lstStyle/>
+          <a:p>
+            <a:pPr algn="l">
+              <a:defRPr sz="1400" b="1">
+                <a:solidFill>
+                  <a:srgbClr val="43A047"/>
+                </a:solidFill>
+                <a:latin typeface="Calibri"/>
+              </a:defRPr>
+            </a:pPr>
+            <a:r>
+              <a:t>The Solution</a:t>
+            </a:r>
+          </a:p>
+        </p:txBody>
+      </p:sp>
+      <p:sp>
+        <p:nvSpPr>
+          <p:cNvPr id="10" name="TextBox 9"/>
+          <p:cNvSpPr txBox="1"/>
+          <p:nvPr/>
+        </p:nvSpPr>
+        <p:spPr>
+          <a:xfrm>
+            <a:off x="640080" y="3337560"/>
+            <a:ext cx="5120640" cy="822960"/>
+          </a:xfrm>
+          <a:prstGeom prst="rect">
+            <a:avLst/>
+          </a:prstGeom>
+          <a:noFill/>
+        </p:spPr>
+        <p:txBody>
+          <a:bodyPr wrap="square">
+            <a:spAutoFit/>
+          </a:bodyPr>
+          <a:lstStyle/>
+          <a:p>
+            <a:pPr algn="l">
+              <a:defRPr sz="1100" b="0">
+                <a:solidFill>
+                  <a:srgbClr val="333333"/>
+                </a:solidFill>
+                <a:latin typeface="Calibri"/>
+              </a:defRPr>
+            </a:pPr>
+            <a:r>
+              <a:t>Confidence threshold (40%): predictions below this are flagged</a:t>
+            </a:r>
+            <a:br/>
+            <a:r>
+              <a:t>as "Unknown/Novel" instead of being forced into a wrong class.</a:t>
+            </a:r>
+            <a:br/>
+            <a:r>
+              <a:t>Top 5 nearest candidates shown for manual verification.</a:t>
+            </a:r>
+          </a:p>
+        </p:txBody>
+      </p:sp>
+      <p:sp>
+        <p:nvSpPr>
+          <p:cNvPr id="11" name="TextBox 10"/>
+          <p:cNvSpPr txBox="1"/>
+          <p:nvPr/>
+        </p:nvSpPr>
+        <p:spPr>
+          <a:xfrm>
+            <a:off x="457200" y="4480560"/>
+            <a:ext cx="5486400" cy="274320"/>
+          </a:xfrm>
+          <a:prstGeom prst="rect">
+            <a:avLst/>
+          </a:prstGeom>
+          <a:noFill/>
+        </p:spPr>
+        <p:txBody>
+          <a:bodyPr wrap="square">
+            <a:spAutoFit/>
+          </a:bodyPr>
+          <a:lstStyle/>
+          <a:p>
+            <a:pPr algn="l">
+              <a:defRPr sz="1400" b="1">
+                <a:solidFill>
+                  <a:srgbClr val="0D47A1"/>
+                </a:solidFill>
+                <a:latin typeface="Calibri"/>
+              </a:defRPr>
+            </a:pPr>
+            <a:r>
+              <a:t>Classification Flow</a:t>
+            </a:r>
+          </a:p>
+        </p:txBody>
+      </p:sp>
+      <p:sp>
+        <p:nvSpPr>
+          <p:cNvPr id="12" name="Rounded Rectangle 11"/>
+          <p:cNvSpPr/>
+          <p:nvPr/>
+        </p:nvSpPr>
+        <p:spPr>
+          <a:xfrm>
+            <a:off x="457200" y="4846320"/>
+            <a:ext cx="1645920" cy="548640"/>
+          </a:xfrm>
+          <a:prstGeom prst="roundRect">
+            <a:avLst/>
+          </a:prstGeom>
+          <a:solidFill>
+            <a:srgbClr val="BBDEFB"/>
+          </a:solidFill>
+          <a:ln>
+            <a:noFill/>
+          </a:ln>
+        </p:spPr>
+        <p:style>
+          <a:lnRef idx="1">
+            <a:schemeClr val="accent1"/>
+          </a:lnRef>
+          <a:fillRef idx="3">
+            <a:schemeClr val="accent1"/>
+          </a:fillRef>
+          <a:effectRef idx="2">
+            <a:schemeClr val="accent1"/>
+          </a:effectRef>
+          <a:fontRef idx="minor">
+            <a:schemeClr val="lt1"/>
+          </a:fontRef>
+        </p:style>
+        <p:txBody>
+          <a:bodyPr rtlCol="0" anchor="ctr"/>
+          <a:lstStyle/>
+          <a:p>
+            <a:pPr algn="ctr"/>
+          </a:p>
+        </p:txBody>
+      </p:sp>
+      <p:sp>
+        <p:nvSpPr>
+          <p:cNvPr id="13" name="TextBox 12"/>
+          <p:cNvSpPr txBox="1"/>
+          <p:nvPr/>
+        </p:nvSpPr>
+        <p:spPr>
+          <a:xfrm>
+            <a:off x="457200" y="4983480"/>
+            <a:ext cx="1645920" cy="274320"/>
+          </a:xfrm>
+          <a:prstGeom prst="rect">
+            <a:avLst/>
+          </a:prstGeom>
+          <a:noFill/>
+        </p:spPr>
+        <p:txBody>
+          <a:bodyPr wrap="square">
+            <a:spAutoFit/>
+          </a:bodyPr>
+          <a:lstStyle/>
+          <a:p>
+            <a:pPr algn="ctr">
+              <a:defRPr sz="1000" b="1">
+                <a:solidFill>
+                  <a:srgbClr val="FFFFFF"/>
+                </a:solidFill>
+                <a:latin typeface="Calibri"/>
+              </a:defRPr>
+            </a:pPr>
+            <a:r>
+              <a:t>Query Sequence</a:t>
+            </a:r>
+          </a:p>
+        </p:txBody>
+      </p:sp>
+      <p:sp>
+        <p:nvSpPr>
+          <p:cNvPr id="14" name="Right Arrow 13"/>
+          <p:cNvSpPr/>
+          <p:nvPr/>
+        </p:nvSpPr>
+        <p:spPr>
+          <a:xfrm>
+            <a:off x="2103120" y="4983480"/>
+            <a:ext cx="182880" cy="274320"/>
+          </a:xfrm>
+          <a:prstGeom prst="rightArrow">
+            <a:avLst/>
+          </a:prstGeom>
+          <a:solidFill>
+            <a:srgbClr val="BBDEFB"/>
+          </a:solidFill>
+          <a:ln>
+            <a:noFill/>
+          </a:ln>
+        </p:spPr>
+        <p:style>
+          <a:lnRef idx="1">
+            <a:schemeClr val="accent1"/>
+          </a:lnRef>
+          <a:fillRef idx="3">
+            <a:schemeClr val="accent1"/>
+          </a:fillRef>
+          <a:effectRef idx="2">
+            <a:schemeClr val="accent1"/>
+          </a:effectRef>
+          <a:fontRef idx="minor">
+            <a:schemeClr val="lt1"/>
+          </a:fontRef>
+        </p:style>
+        <p:txBody>
+          <a:bodyPr rtlCol="0" anchor="ctr"/>
+          <a:lstStyle/>
+          <a:p>
+            <a:pPr algn="ctr"/>
+          </a:p>
+        </p:txBody>
+      </p:sp>
+      <p:sp>
+        <p:nvSpPr>
+          <p:cNvPr id="15" name="Rounded Rectangle 14"/>
+          <p:cNvSpPr/>
+          <p:nvPr/>
+        </p:nvSpPr>
+        <p:spPr>
+          <a:xfrm>
+            <a:off x="2286000" y="4846320"/>
+            <a:ext cx="1645920" cy="548640"/>
+          </a:xfrm>
+          <a:prstGeom prst="roundRect">
+            <a:avLst/>
+          </a:prstGeom>
+          <a:solidFill>
+            <a:srgbClr val="1E88E5"/>
+          </a:solidFill>
+          <a:ln>
+            <a:noFill/>
+          </a:ln>
+        </p:spPr>
+        <p:style>
+          <a:lnRef idx="1">
+            <a:schemeClr val="accent1"/>
+          </a:lnRef>
+          <a:fillRef idx="3">
+            <a:schemeClr val="accent1"/>
+          </a:fillRef>
+          <a:effectRef idx="2">
+            <a:schemeClr val="accent1"/>
+          </a:effectRef>
+          <a:fontRef idx="minor">
+            <a:schemeClr val="lt1"/>
+          </a:fontRef>
+        </p:style>
+        <p:txBody>
+          <a:bodyPr rtlCol="0" anchor="ctr"/>
+          <a:lstStyle/>
+          <a:p>
+            <a:pPr algn="ctr"/>
+          </a:p>
+        </p:txBody>
+      </p:sp>
+      <p:sp>
+        <p:nvSpPr>
+          <p:cNvPr id="16" name="TextBox 15"/>
+          <p:cNvSpPr txBox="1"/>
+          <p:nvPr/>
+        </p:nvSpPr>
+        <p:spPr>
+          <a:xfrm>
+            <a:off x="2286000" y="4983480"/>
+            <a:ext cx="1645920" cy="274320"/>
+          </a:xfrm>
+          <a:prstGeom prst="rect">
+            <a:avLst/>
+          </a:prstGeom>
+          <a:noFill/>
+        </p:spPr>
+        <p:txBody>
+          <a:bodyPr wrap="square">
+            <a:spAutoFit/>
+          </a:bodyPr>
+          <a:lstStyle/>
+          <a:p>
+            <a:pPr algn="ctr">
+              <a:defRPr sz="1000" b="1">
+                <a:solidFill>
+                  <a:srgbClr val="FFFFFF"/>
+                </a:solidFill>
+                <a:latin typeface="Calibri"/>
+              </a:defRPr>
+            </a:pPr>
+            <a:r>
+              <a:t>KNN Classifier</a:t>
+            </a:r>
+          </a:p>
+        </p:txBody>
+      </p:sp>
+      <p:sp>
+        <p:nvSpPr>
+          <p:cNvPr id="17" name="Right Arrow 16"/>
+          <p:cNvSpPr/>
+          <p:nvPr/>
+        </p:nvSpPr>
+        <p:spPr>
+          <a:xfrm>
+            <a:off x="3931920" y="4983480"/>
+            <a:ext cx="182880" cy="274320"/>
+          </a:xfrm>
+          <a:prstGeom prst="rightArrow">
+            <a:avLst/>
+          </a:prstGeom>
+          <a:solidFill>
+            <a:srgbClr val="1E88E5"/>
+          </a:solidFill>
+          <a:ln>
+            <a:noFill/>
+          </a:ln>
+        </p:spPr>
+        <p:style>
+          <a:lnRef idx="1">
+            <a:schemeClr val="accent1"/>
+          </a:lnRef>
+          <a:fillRef idx="3">
+            <a:schemeClr val="accent1"/>
+          </a:fillRef>
+          <a:effectRef idx="2">
+            <a:schemeClr val="accent1"/>
+          </a:effectRef>
+          <a:fontRef idx="minor">
+            <a:schemeClr val="lt1"/>
+          </a:fontRef>
+        </p:style>
+        <p:txBody>
+          <a:bodyPr rtlCol="0" anchor="ctr"/>
+          <a:lstStyle/>
+          <a:p>
+            <a:pPr algn="ctr"/>
+          </a:p>
+        </p:txBody>
+      </p:sp>
+      <p:sp>
+        <p:nvSpPr>
+          <p:cNvPr id="18" name="Rounded Rectangle 17"/>
+          <p:cNvSpPr/>
+          <p:nvPr/>
+        </p:nvSpPr>
+        <p:spPr>
+          <a:xfrm>
+            <a:off x="4114800" y="4846320"/>
+            <a:ext cx="1645920" cy="548640"/>
+          </a:xfrm>
+          <a:prstGeom prst="roundRect">
+            <a:avLst/>
+          </a:prstGeom>
+          <a:solidFill>
+            <a:srgbClr val="FB8C00"/>
+          </a:solidFill>
+          <a:ln>
+            <a:noFill/>
+          </a:ln>
+        </p:spPr>
+        <p:style>
+          <a:lnRef idx="1">
+            <a:schemeClr val="accent1"/>
+          </a:lnRef>
+          <a:fillRef idx="3">
+            <a:schemeClr val="accent1"/>
+          </a:fillRef>
+          <a:effectRef idx="2">
+            <a:schemeClr val="accent1"/>
+          </a:effectRef>
+          <a:fontRef idx="minor">
+            <a:schemeClr val="lt1"/>
+          </a:fontRef>
+        </p:style>
+        <p:txBody>
+          <a:bodyPr rtlCol="0" anchor="ctr"/>
+          <a:lstStyle/>
+          <a:p>
+            <a:pPr algn="ctr"/>
+          </a:p>
+        </p:txBody>
+      </p:sp>
+      <p:sp>
+        <p:nvSpPr>
+          <p:cNvPr id="19" name="TextBox 18"/>
+          <p:cNvSpPr txBox="1"/>
+          <p:nvPr/>
+        </p:nvSpPr>
+        <p:spPr>
+          <a:xfrm>
+            <a:off x="4114800" y="4983480"/>
+            <a:ext cx="1645920" cy="274320"/>
+          </a:xfrm>
+          <a:prstGeom prst="rect">
+            <a:avLst/>
+          </a:prstGeom>
+          <a:noFill/>
+        </p:spPr>
+        <p:txBody>
+          <a:bodyPr wrap="square">
+            <a:spAutoFit/>
+          </a:bodyPr>
+          <a:lstStyle/>
+          <a:p>
+            <a:pPr algn="ctr">
+              <a:defRPr sz="1000" b="1">
+                <a:solidFill>
+                  <a:srgbClr val="FFFFFF"/>
+                </a:solidFill>
+                <a:latin typeface="Calibri"/>
+              </a:defRPr>
+            </a:pPr>
+            <a:r>
+              <a:t>Confidence Check</a:t>
+            </a:r>
+          </a:p>
+        </p:txBody>
+      </p:sp>
+      <p:sp>
+        <p:nvSpPr>
+          <p:cNvPr id="20" name="TextBox 19"/>
+          <p:cNvSpPr txBox="1"/>
+          <p:nvPr/>
+        </p:nvSpPr>
+        <p:spPr>
+          <a:xfrm>
+            <a:off x="4846320" y="4709160"/>
+            <a:ext cx="1371600" cy="274320"/>
+          </a:xfrm>
+          <a:prstGeom prst="rect">
+            <a:avLst/>
+          </a:prstGeom>
+          <a:noFill/>
+        </p:spPr>
+        <p:txBody>
+          <a:bodyPr wrap="square">
+            <a:spAutoFit/>
+          </a:bodyPr>
+          <a:lstStyle/>
+          <a:p>
+            <a:pPr algn="l">
+              <a:defRPr sz="1100" b="1">
+                <a:solidFill>
+                  <a:srgbClr val="43A047"/>
+                </a:solidFill>
+                <a:latin typeface="Calibri"/>
+              </a:defRPr>
+            </a:pPr>
+            <a:r>
+              <a:t>≥40%</a:t>
+            </a:r>
+          </a:p>
+        </p:txBody>
+      </p:sp>
+      <p:sp>
+        <p:nvSpPr>
+          <p:cNvPr id="21" name="Rounded Rectangle 20"/>
+          <p:cNvSpPr/>
+          <p:nvPr/>
+        </p:nvSpPr>
+        <p:spPr>
+          <a:xfrm>
+            <a:off x="4846320" y="4983480"/>
+            <a:ext cx="1371600" cy="457200"/>
+          </a:xfrm>
+          <a:prstGeom prst="roundRect">
+            <a:avLst/>
+          </a:prstGeom>
+          <a:solidFill>
+            <a:srgbClr val="43A047"/>
+          </a:solidFill>
+          <a:ln>
+            <a:noFill/>
+          </a:ln>
+        </p:spPr>
+        <p:style>
+          <a:lnRef idx="1">
+            <a:schemeClr val="accent1"/>
+          </a:lnRef>
+          <a:fillRef idx="3">
+            <a:schemeClr val="accent1"/>
+          </a:fillRef>
+          <a:effectRef idx="2">
+            <a:schemeClr val="accent1"/>
+          </a:effectRef>
+          <a:fontRef idx="minor">
+            <a:schemeClr val="lt1"/>
+          </a:fontRef>
+        </p:style>
+        <p:txBody>
+          <a:bodyPr rtlCol="0" anchor="ctr"/>
+          <a:lstStyle/>
+          <a:p>
+            <a:pPr algn="ctr"/>
+          </a:p>
+        </p:txBody>
+      </p:sp>
+      <p:sp>
+        <p:nvSpPr>
+          <p:cNvPr id="22" name="TextBox 21"/>
+          <p:cNvSpPr txBox="1"/>
+          <p:nvPr/>
+        </p:nvSpPr>
+        <p:spPr>
+          <a:xfrm>
+            <a:off x="4846320" y="5074920"/>
+            <a:ext cx="1371600" cy="274320"/>
+          </a:xfrm>
+          <a:prstGeom prst="rect">
+            <a:avLst/>
+          </a:prstGeom>
+          <a:noFill/>
+        </p:spPr>
+        <p:txBody>
+          <a:bodyPr wrap="square">
+            <a:spAutoFit/>
+          </a:bodyPr>
+          <a:lstStyle/>
+          <a:p>
+            <a:pPr algn="ctr">
+              <a:defRPr sz="1000" b="1">
+                <a:solidFill>
+                  <a:srgbClr val="FFFFFF"/>
+                </a:solidFill>
+                <a:latin typeface="Calibri"/>
+              </a:defRPr>
+            </a:pPr>
+            <a:r>
+              <a:t>Assigned Inc</a:t>
+            </a:r>
+          </a:p>
+        </p:txBody>
+      </p:sp>
+      <p:sp>
+        <p:nvSpPr>
+          <p:cNvPr id="23" name="TextBox 22"/>
+          <p:cNvSpPr txBox="1"/>
+          <p:nvPr/>
+        </p:nvSpPr>
+        <p:spPr>
+          <a:xfrm>
+            <a:off x="4846320" y="5532120"/>
+            <a:ext cx="1371600" cy="274320"/>
+          </a:xfrm>
+          <a:prstGeom prst="rect">
+            <a:avLst/>
+          </a:prstGeom>
+          <a:noFill/>
+        </p:spPr>
+        <p:txBody>
+          <a:bodyPr wrap="square">
+            <a:spAutoFit/>
+          </a:bodyPr>
+          <a:lstStyle/>
+          <a:p>
+            <a:pPr algn="l">
+              <a:defRPr sz="1100" b="1">
+                <a:solidFill>
+                  <a:srgbClr val="E53935"/>
+                </a:solidFill>
+                <a:latin typeface="Calibri"/>
+              </a:defRPr>
+            </a:pPr>
+            <a:r>
+              <a:t>&lt;40%</a:t>
+            </a:r>
+          </a:p>
+        </p:txBody>
+      </p:sp>
+      <p:sp>
+        <p:nvSpPr>
+          <p:cNvPr id="24" name="Rounded Rectangle 23"/>
+          <p:cNvSpPr/>
+          <p:nvPr/>
+        </p:nvSpPr>
+        <p:spPr>
+          <a:xfrm>
+            <a:off x="4846320" y="5806440"/>
+            <a:ext cx="1371600" cy="457200"/>
+          </a:xfrm>
+          <a:prstGeom prst="roundRect">
+            <a:avLst/>
+          </a:prstGeom>
+          <a:solidFill>
+            <a:srgbClr val="E53935"/>
+          </a:solidFill>
+          <a:ln>
+            <a:noFill/>
+          </a:ln>
+        </p:spPr>
+        <p:style>
+          <a:lnRef idx="1">
+            <a:schemeClr val="accent1"/>
+          </a:lnRef>
+          <a:fillRef idx="3">
+            <a:schemeClr val="accent1"/>
+          </a:fillRef>
+          <a:effectRef idx="2">
+            <a:schemeClr val="accent1"/>
+          </a:effectRef>
+          <a:fontRef idx="minor">
+            <a:schemeClr val="lt1"/>
+          </a:fontRef>
+        </p:style>
+        <p:txBody>
+          <a:bodyPr rtlCol="0" anchor="ctr"/>
+          <a:lstStyle/>
+          <a:p>
+            <a:pPr algn="ctr"/>
+          </a:p>
+        </p:txBody>
+      </p:sp>
+      <p:sp>
+        <p:nvSpPr>
+          <p:cNvPr id="25" name="TextBox 24"/>
+          <p:cNvSpPr txBox="1"/>
+          <p:nvPr/>
+        </p:nvSpPr>
+        <p:spPr>
+          <a:xfrm>
+            <a:off x="4846320" y="5897880"/>
+            <a:ext cx="1371600" cy="274320"/>
+          </a:xfrm>
+          <a:prstGeom prst="rect">
+            <a:avLst/>
+          </a:prstGeom>
+          <a:noFill/>
+        </p:spPr>
+        <p:txBody>
+          <a:bodyPr wrap="square">
+            <a:spAutoFit/>
+          </a:bodyPr>
+          <a:lstStyle/>
+          <a:p>
+            <a:pPr algn="ctr">
+              <a:defRPr sz="1000" b="1">
+                <a:solidFill>
+                  <a:srgbClr val="FFFFFF"/>
+                </a:solidFill>
+                <a:latin typeface="Calibri"/>
+              </a:defRPr>
+            </a:pPr>
+            <a:r>
+              <a:t>Unknown/Novel</a:t>
+            </a:r>
+          </a:p>
+        </p:txBody>
+      </p:sp>
+      <p:sp>
+        <p:nvSpPr>
+          <p:cNvPr id="26" name="TextBox 25"/>
+          <p:cNvSpPr txBox="1"/>
+          <p:nvPr/>
+        </p:nvSpPr>
+        <p:spPr>
+          <a:xfrm>
+            <a:off x="6400800" y="1463040"/>
+            <a:ext cx="5486400" cy="365760"/>
+          </a:xfrm>
+          <a:prstGeom prst="rect">
+            <a:avLst/>
+          </a:prstGeom>
+          <a:noFill/>
+        </p:spPr>
+        <p:txBody>
+          <a:bodyPr wrap="square">
+            <a:spAutoFit/>
+          </a:bodyPr>
+          <a:lstStyle/>
+          <a:p>
+            <a:pPr algn="l">
+              <a:defRPr sz="1800" b="1">
+                <a:solidFill>
+                  <a:srgbClr val="0D47A1"/>
+                </a:solidFill>
+                <a:latin typeface="Calibri"/>
+              </a:defRPr>
+            </a:pPr>
+            <a:r>
+              <a:t>Output Example</a:t>
+            </a:r>
+          </a:p>
+        </p:txBody>
+      </p:sp>
+      <p:sp>
+        <p:nvSpPr>
+          <p:cNvPr id="27" name="Rounded Rectangle 26"/>
+          <p:cNvSpPr/>
+          <p:nvPr/>
+        </p:nvSpPr>
+        <p:spPr>
+          <a:xfrm>
+            <a:off x="6400800" y="1920240"/>
+            <a:ext cx="5486400" cy="2560320"/>
+          </a:xfrm>
+          <a:prstGeom prst="roundRect">
+            <a:avLst/>
+          </a:prstGeom>
+          <a:solidFill>
+            <a:srgbClr val="ECEFF1"/>
+          </a:solidFill>
+          <a:ln w="12700">
+            <a:solidFill>
+              <a:srgbClr val="333333"/>
+            </a:solidFill>
+          </a:ln>
+        </p:spPr>
+        <p:style>
+          <a:lnRef idx="1">
+            <a:schemeClr val="accent1"/>
+          </a:lnRef>
+          <a:fillRef idx="3">
+            <a:schemeClr val="accent1"/>
+          </a:fillRef>
+          <a:effectRef idx="2">
+            <a:schemeClr val="accent1"/>
+          </a:effectRef>
+          <a:fontRef idx="minor">
+            <a:schemeClr val="lt1"/>
+          </a:fontRef>
+        </p:style>
+        <p:txBody>
+          <a:bodyPr rtlCol="0" anchor="ctr"/>
+          <a:lstStyle/>
+          <a:p>
+            <a:pPr algn="ctr"/>
+          </a:p>
+        </p:txBody>
+      </p:sp>
+      <p:sp>
+        <p:nvSpPr>
+          <p:cNvPr id="28" name="Rounded Rectangle 27"/>
+          <p:cNvSpPr/>
+          <p:nvPr/>
+        </p:nvSpPr>
+        <p:spPr>
+          <a:xfrm>
+            <a:off x="6400800" y="1920240"/>
+            <a:ext cx="5486400" cy="365760"/>
+          </a:xfrm>
+          <a:prstGeom prst="roundRect">
+            <a:avLst/>
+          </a:prstGeom>
+          <a:solidFill>
+            <a:srgbClr val="0D47A1"/>
+          </a:solidFill>
+          <a:ln>
+            <a:noFill/>
+          </a:ln>
+        </p:spPr>
+        <p:style>
+          <a:lnRef idx="1">
+            <a:schemeClr val="accent1"/>
+          </a:lnRef>
+          <a:fillRef idx="3">
+            <a:schemeClr val="accent1"/>
+          </a:fillRef>
+          <a:effectRef idx="2">
+            <a:schemeClr val="accent1"/>
+          </a:effectRef>
+          <a:fontRef idx="minor">
+            <a:schemeClr val="lt1"/>
+          </a:fontRef>
+        </p:style>
+        <p:txBody>
+          <a:bodyPr rtlCol="0" anchor="ctr"/>
+          <a:lstStyle/>
+          <a:p>
+            <a:pPr algn="ctr"/>
+          </a:p>
+        </p:txBody>
+      </p:sp>
+      <p:sp>
+        <p:nvSpPr>
+          <p:cNvPr id="29" name="TextBox 28"/>
+          <p:cNvSpPr txBox="1"/>
+          <p:nvPr/>
+        </p:nvSpPr>
+        <p:spPr>
+          <a:xfrm>
+            <a:off x="6492240" y="1965960"/>
+            <a:ext cx="1097280" cy="274320"/>
+          </a:xfrm>
+          <a:prstGeom prst="rect">
+            <a:avLst/>
+          </a:prstGeom>
+          <a:noFill/>
+        </p:spPr>
+        <p:txBody>
+          <a:bodyPr wrap="square">
+            <a:spAutoFit/>
+          </a:bodyPr>
+          <a:lstStyle/>
+          <a:p>
+            <a:pPr algn="ctr">
+              <a:defRPr sz="1000" b="1">
+                <a:solidFill>
+                  <a:srgbClr val="FFFFFF"/>
+                </a:solidFill>
+                <a:latin typeface="Calibri"/>
+              </a:defRPr>
+            </a:pPr>
+            <a:r>
+              <a:t>Plasmid</a:t>
+            </a:r>
+          </a:p>
+        </p:txBody>
+      </p:sp>
+      <p:sp>
+        <p:nvSpPr>
+          <p:cNvPr id="30" name="TextBox 29"/>
+          <p:cNvSpPr txBox="1"/>
+          <p:nvPr/>
+        </p:nvSpPr>
+        <p:spPr>
+          <a:xfrm>
+            <a:off x="7589520" y="1965960"/>
+            <a:ext cx="1097280" cy="274320"/>
+          </a:xfrm>
+          <a:prstGeom prst="rect">
+            <a:avLst/>
+          </a:prstGeom>
+          <a:noFill/>
+        </p:spPr>
+        <p:txBody>
+          <a:bodyPr wrap="square">
+            <a:spAutoFit/>
+          </a:bodyPr>
+          <a:lstStyle/>
+          <a:p>
+            <a:pPr algn="ctr">
+              <a:defRPr sz="1000" b="1">
+                <a:solidFill>
+                  <a:srgbClr val="FFFFFF"/>
+                </a:solidFill>
+                <a:latin typeface="Calibri"/>
+              </a:defRPr>
+            </a:pPr>
+            <a:r>
+              <a:t>Inc Type</a:t>
+            </a:r>
+          </a:p>
+        </p:txBody>
+      </p:sp>
+      <p:sp>
+        <p:nvSpPr>
+          <p:cNvPr id="31" name="TextBox 30"/>
+          <p:cNvSpPr txBox="1"/>
+          <p:nvPr/>
+        </p:nvSpPr>
+        <p:spPr>
+          <a:xfrm>
+            <a:off x="8686800" y="1965960"/>
+            <a:ext cx="640080" cy="274320"/>
+          </a:xfrm>
+          <a:prstGeom prst="rect">
+            <a:avLst/>
+          </a:prstGeom>
+          <a:noFill/>
+        </p:spPr>
+        <p:txBody>
+          <a:bodyPr wrap="square">
+            <a:spAutoFit/>
+          </a:bodyPr>
+          <a:lstStyle/>
+          <a:p>
+            <a:pPr algn="ctr">
+              <a:defRPr sz="1000" b="1">
+                <a:solidFill>
+                  <a:srgbClr val="FFFFFF"/>
+                </a:solidFill>
+                <a:latin typeface="Calibri"/>
+              </a:defRPr>
+            </a:pPr>
+            <a:r>
+              <a:t>Conf.</a:t>
+            </a:r>
+          </a:p>
+        </p:txBody>
+      </p:sp>
+      <p:sp>
+        <p:nvSpPr>
+          <p:cNvPr id="32" name="TextBox 31"/>
+          <p:cNvSpPr txBox="1"/>
+          <p:nvPr/>
+        </p:nvSpPr>
+        <p:spPr>
+          <a:xfrm>
+            <a:off x="9326880" y="1965960"/>
+            <a:ext cx="2651760" cy="274320"/>
+          </a:xfrm>
+          <a:prstGeom prst="rect">
+            <a:avLst/>
+          </a:prstGeom>
+          <a:noFill/>
+        </p:spPr>
+        <p:txBody>
+          <a:bodyPr wrap="square">
+            <a:spAutoFit/>
+          </a:bodyPr>
+          <a:lstStyle/>
+          <a:p>
+            <a:pPr algn="ctr">
+              <a:defRPr sz="1000" b="1">
+                <a:solidFill>
+                  <a:srgbClr val="FFFFFF"/>
+                </a:solidFill>
+                <a:latin typeface="Calibri"/>
+              </a:defRPr>
+            </a:pPr>
+            <a:r>
+              <a:t>Top 5 Candidates</a:t>
+            </a:r>
+          </a:p>
+        </p:txBody>
+      </p:sp>
+      <p:sp>
+        <p:nvSpPr>
+          <p:cNvPr id="33" name="Rounded Rectangle 32"/>
+          <p:cNvSpPr/>
+          <p:nvPr/>
+        </p:nvSpPr>
+        <p:spPr>
+          <a:xfrm>
+            <a:off x="6400800" y="2331720"/>
+            <a:ext cx="5486400" cy="411480"/>
+          </a:xfrm>
+          <a:prstGeom prst="roundRect">
+            <a:avLst/>
+          </a:prstGeom>
+          <a:solidFill>
+            <a:srgbClr val="FFFFFF"/>
+          </a:solidFill>
+          <a:ln>
+            <a:noFill/>
+          </a:ln>
+        </p:spPr>
+        <p:style>
+          <a:lnRef idx="1">
+            <a:schemeClr val="accent1"/>
+          </a:lnRef>
+          <a:fillRef idx="3">
+            <a:schemeClr val="accent1"/>
+          </a:fillRef>
+          <a:effectRef idx="2">
+            <a:schemeClr val="accent1"/>
+          </a:effectRef>
+          <a:fontRef idx="minor">
+            <a:schemeClr val="lt1"/>
+          </a:fontRef>
+        </p:style>
+        <p:txBody>
+          <a:bodyPr rtlCol="0" anchor="ctr"/>
+          <a:lstStyle/>
+          <a:p>
+            <a:pPr algn="ctr"/>
+          </a:p>
+        </p:txBody>
+      </p:sp>
+      <p:sp>
+        <p:nvSpPr>
+          <p:cNvPr id="34" name="TextBox 33"/>
+          <p:cNvSpPr txBox="1"/>
+          <p:nvPr/>
+        </p:nvSpPr>
+        <p:spPr>
+          <a:xfrm>
+            <a:off x="6492240" y="2423160"/>
+            <a:ext cx="1097280" cy="228600"/>
+          </a:xfrm>
+          <a:prstGeom prst="rect">
+            <a:avLst/>
+          </a:prstGeom>
+          <a:noFill/>
+        </p:spPr>
+        <p:txBody>
+          <a:bodyPr wrap="square">
+            <a:spAutoFit/>
+          </a:bodyPr>
+          <a:lstStyle/>
+          <a:p>
+            <a:pPr algn="ctr">
+              <a:defRPr sz="900" b="0">
+                <a:solidFill>
+                  <a:srgbClr val="333333"/>
+                </a:solidFill>
+                <a:latin typeface="Calibri"/>
+              </a:defRPr>
+            </a:pPr>
+            <a:r>
+              <a:t>pBR322</a:t>
+            </a:r>
+          </a:p>
+        </p:txBody>
+      </p:sp>
+      <p:sp>
+        <p:nvSpPr>
+          <p:cNvPr id="35" name="TextBox 34"/>
+          <p:cNvSpPr txBox="1"/>
+          <p:nvPr/>
+        </p:nvSpPr>
+        <p:spPr>
+          <a:xfrm>
+            <a:off x="7589520" y="2423160"/>
+            <a:ext cx="1097280" cy="228600"/>
+          </a:xfrm>
+          <a:prstGeom prst="rect">
+            <a:avLst/>
+          </a:prstGeom>
+          <a:noFill/>
+        </p:spPr>
+        <p:txBody>
+          <a:bodyPr wrap="square">
+            <a:spAutoFit/>
+          </a:bodyPr>
+          <a:lstStyle/>
+          <a:p>
+            <a:pPr algn="ctr">
+              <a:defRPr sz="900" b="0">
+                <a:solidFill>
+                  <a:srgbClr val="333333"/>
+                </a:solidFill>
+                <a:latin typeface="Calibri"/>
+              </a:defRPr>
+            </a:pPr>
+            <a:r>
+              <a:t>IncFII</a:t>
+            </a:r>
+          </a:p>
+        </p:txBody>
+      </p:sp>
+      <p:sp>
+        <p:nvSpPr>
+          <p:cNvPr id="36" name="TextBox 35"/>
+          <p:cNvSpPr txBox="1"/>
+          <p:nvPr/>
+        </p:nvSpPr>
+        <p:spPr>
+          <a:xfrm>
+            <a:off x="8686800" y="2423160"/>
+            <a:ext cx="640080" cy="228600"/>
+          </a:xfrm>
+          <a:prstGeom prst="rect">
+            <a:avLst/>
+          </a:prstGeom>
+          <a:noFill/>
+        </p:spPr>
+        <p:txBody>
+          <a:bodyPr wrap="square">
+            <a:spAutoFit/>
+          </a:bodyPr>
+          <a:lstStyle/>
+          <a:p>
+            <a:pPr algn="ctr">
+              <a:defRPr sz="900" b="0">
+                <a:solidFill>
+                  <a:srgbClr val="43A047"/>
+                </a:solidFill>
+                <a:latin typeface="Calibri"/>
+              </a:defRPr>
+            </a:pPr>
+            <a:r>
+              <a:t>92%</a:t>
+            </a:r>
+          </a:p>
+        </p:txBody>
+      </p:sp>
+      <p:sp>
+        <p:nvSpPr>
+          <p:cNvPr id="37" name="TextBox 36"/>
+          <p:cNvSpPr txBox="1"/>
+          <p:nvPr/>
+        </p:nvSpPr>
+        <p:spPr>
+          <a:xfrm>
+            <a:off x="9326880" y="2423160"/>
+            <a:ext cx="2651760" cy="228600"/>
+          </a:xfrm>
+          <a:prstGeom prst="rect">
+            <a:avLst/>
+          </a:prstGeom>
+          <a:noFill/>
+        </p:spPr>
+        <p:txBody>
+          <a:bodyPr wrap="square">
+            <a:spAutoFit/>
+          </a:bodyPr>
+          <a:lstStyle/>
+          <a:p>
+            <a:pPr algn="ctr">
+              <a:defRPr sz="900" b="0">
+                <a:solidFill>
+                  <a:srgbClr val="333333"/>
+                </a:solidFill>
+                <a:latin typeface="Calibri"/>
+              </a:defRPr>
+            </a:pPr>
+            <a:r>
+              <a:t>IncFII (92%), IncN (5%), IncX1 (2%)...</a:t>
+            </a:r>
+          </a:p>
+        </p:txBody>
+      </p:sp>
+      <p:sp>
+        <p:nvSpPr>
+          <p:cNvPr id="38" name="Rounded Rectangle 37"/>
+          <p:cNvSpPr/>
+          <p:nvPr/>
+        </p:nvSpPr>
+        <p:spPr>
+          <a:xfrm>
+            <a:off x="6400800" y="2788920"/>
+            <a:ext cx="5486400" cy="411480"/>
+          </a:xfrm>
+          <a:prstGeom prst="roundRect">
+            <a:avLst/>
+          </a:prstGeom>
+          <a:solidFill>
+            <a:srgbClr val="FFEBEE"/>
+          </a:solidFill>
+          <a:ln>
+            <a:noFill/>
+          </a:ln>
+        </p:spPr>
+        <p:style>
+          <a:lnRef idx="1">
+            <a:schemeClr val="accent1"/>
+          </a:lnRef>
+          <a:fillRef idx="3">
+            <a:schemeClr val="accent1"/>
+          </a:fillRef>
+          <a:effectRef idx="2">
+            <a:schemeClr val="accent1"/>
+          </a:effectRef>
+          <a:fontRef idx="minor">
+            <a:schemeClr val="lt1"/>
+          </a:fontRef>
+        </p:style>
+        <p:txBody>
+          <a:bodyPr rtlCol="0" anchor="ctr"/>
+          <a:lstStyle/>
+          <a:p>
+            <a:pPr algn="ctr"/>
+          </a:p>
+        </p:txBody>
+      </p:sp>
+      <p:sp>
+        <p:nvSpPr>
+          <p:cNvPr id="39" name="TextBox 38"/>
+          <p:cNvSpPr txBox="1"/>
+          <p:nvPr/>
+        </p:nvSpPr>
+        <p:spPr>
+          <a:xfrm>
+            <a:off x="6492240" y="2880360"/>
+            <a:ext cx="1097280" cy="228600"/>
+          </a:xfrm>
+          <a:prstGeom prst="rect">
+            <a:avLst/>
+          </a:prstGeom>
+          <a:noFill/>
+        </p:spPr>
+        <p:txBody>
+          <a:bodyPr wrap="square">
+            <a:spAutoFit/>
+          </a:bodyPr>
+          <a:lstStyle/>
+          <a:p>
+            <a:pPr algn="ctr">
+              <a:defRPr sz="900" b="0">
+                <a:solidFill>
+                  <a:srgbClr val="333333"/>
+                </a:solidFill>
+                <a:latin typeface="Calibri"/>
+              </a:defRPr>
+            </a:pPr>
+            <a:r>
+              <a:t>pXYZ_novel</a:t>
+            </a:r>
+          </a:p>
+        </p:txBody>
+      </p:sp>
+      <p:sp>
+        <p:nvSpPr>
+          <p:cNvPr id="40" name="TextBox 39"/>
+          <p:cNvSpPr txBox="1"/>
+          <p:nvPr/>
+        </p:nvSpPr>
+        <p:spPr>
+          <a:xfrm>
+            <a:off x="7589520" y="2880360"/>
+            <a:ext cx="1097280" cy="228600"/>
+          </a:xfrm>
+          <a:prstGeom prst="rect">
+            <a:avLst/>
+          </a:prstGeom>
+          <a:noFill/>
+        </p:spPr>
+        <p:txBody>
+          <a:bodyPr wrap="square">
+            <a:spAutoFit/>
+          </a:bodyPr>
+          <a:lstStyle/>
+          <a:p>
+            <a:pPr algn="ctr">
+              <a:defRPr sz="900" b="0">
+                <a:solidFill>
+                  <a:srgbClr val="E53935"/>
+                </a:solidFill>
+                <a:latin typeface="Calibri"/>
+              </a:defRPr>
+            </a:pPr>
+            <a:r>
+              <a:t>Unknown</a:t>
+            </a:r>
+          </a:p>
+        </p:txBody>
+      </p:sp>
+      <p:sp>
+        <p:nvSpPr>
+          <p:cNvPr id="41" name="TextBox 40"/>
+          <p:cNvSpPr txBox="1"/>
+          <p:nvPr/>
+        </p:nvSpPr>
+        <p:spPr>
+          <a:xfrm>
+            <a:off x="8686800" y="2880360"/>
+            <a:ext cx="640080" cy="228600"/>
+          </a:xfrm>
+          <a:prstGeom prst="rect">
+            <a:avLst/>
+          </a:prstGeom>
+          <a:noFill/>
+        </p:spPr>
+        <p:txBody>
+          <a:bodyPr wrap="square">
+            <a:spAutoFit/>
+          </a:bodyPr>
+          <a:lstStyle/>
+          <a:p>
+            <a:pPr algn="ctr">
+              <a:defRPr sz="900" b="0">
+                <a:solidFill>
+                  <a:srgbClr val="E53935"/>
+                </a:solidFill>
+                <a:latin typeface="Calibri"/>
+              </a:defRPr>
+            </a:pPr>
+            <a:r>
+              <a:t>35%</a:t>
+            </a:r>
+          </a:p>
+        </p:txBody>
+      </p:sp>
+      <p:sp>
+        <p:nvSpPr>
+          <p:cNvPr id="42" name="TextBox 41"/>
+          <p:cNvSpPr txBox="1"/>
+          <p:nvPr/>
+        </p:nvSpPr>
+        <p:spPr>
+          <a:xfrm>
+            <a:off x="9326880" y="2880360"/>
+            <a:ext cx="2651760" cy="228600"/>
+          </a:xfrm>
+          <a:prstGeom prst="rect">
+            <a:avLst/>
+          </a:prstGeom>
+          <a:noFill/>
+        </p:spPr>
+        <p:txBody>
+          <a:bodyPr wrap="square">
+            <a:spAutoFit/>
+          </a:bodyPr>
+          <a:lstStyle/>
+          <a:p>
+            <a:pPr algn="ctr">
+              <a:defRPr sz="900" b="0">
+                <a:solidFill>
+                  <a:srgbClr val="333333"/>
+                </a:solidFill>
+                <a:latin typeface="Calibri"/>
+              </a:defRPr>
+            </a:pPr>
+            <a:r>
+              <a:t>IncFII (35%), IncN (28%), IncX1 (18%)...</a:t>
+            </a:r>
+          </a:p>
+        </p:txBody>
+      </p:sp>
+      <p:sp>
+        <p:nvSpPr>
+          <p:cNvPr id="43" name="Rounded Rectangle 42"/>
+          <p:cNvSpPr/>
+          <p:nvPr/>
+        </p:nvSpPr>
+        <p:spPr>
+          <a:xfrm>
+            <a:off x="6400800" y="3246120"/>
+            <a:ext cx="5486400" cy="411480"/>
+          </a:xfrm>
+          <a:prstGeom prst="roundRect">
+            <a:avLst/>
+          </a:prstGeom>
+          <a:solidFill>
+            <a:srgbClr val="FFEBEE"/>
+          </a:solidFill>
+          <a:ln>
+            <a:noFill/>
+          </a:ln>
+        </p:spPr>
+        <p:style>
+          <a:lnRef idx="1">
+            <a:schemeClr val="accent1"/>
+          </a:lnRef>
+          <a:fillRef idx="3">
+            <a:schemeClr val="accent1"/>
+          </a:fillRef>
+          <a:effectRef idx="2">
+            <a:schemeClr val="accent1"/>
+          </a:effectRef>
+          <a:fontRef idx="minor">
+            <a:schemeClr val="lt1"/>
+          </a:fontRef>
+        </p:style>
+        <p:txBody>
+          <a:bodyPr rtlCol="0" anchor="ctr"/>
+          <a:lstStyle/>
+          <a:p>
+            <a:pPr algn="ctr"/>
+          </a:p>
+        </p:txBody>
+      </p:sp>
+      <p:sp>
+        <p:nvSpPr>
+          <p:cNvPr id="44" name="TextBox 43"/>
+          <p:cNvSpPr txBox="1"/>
+          <p:nvPr/>
+        </p:nvSpPr>
+        <p:spPr>
+          <a:xfrm>
+            <a:off x="6492240" y="3337560"/>
+            <a:ext cx="1097280" cy="228600"/>
+          </a:xfrm>
+          <a:prstGeom prst="rect">
+            <a:avLst/>
+          </a:prstGeom>
+          <a:noFill/>
+        </p:spPr>
+        <p:txBody>
+          <a:bodyPr wrap="square">
+            <a:spAutoFit/>
+          </a:bodyPr>
+          <a:lstStyle/>
+          <a:p>
+            <a:pPr algn="ctr">
+              <a:defRPr sz="900" b="0">
+                <a:solidFill>
+                  <a:srgbClr val="333333"/>
+                </a:solidFill>
+                <a:latin typeface="Calibri"/>
+              </a:defRPr>
+            </a:pPr>
+            <a:r>
+              <a:t>pABC_low</a:t>
+            </a:r>
+          </a:p>
+        </p:txBody>
+      </p:sp>
+      <p:sp>
+        <p:nvSpPr>
+          <p:cNvPr id="45" name="TextBox 44"/>
+          <p:cNvSpPr txBox="1"/>
+          <p:nvPr/>
+        </p:nvSpPr>
+        <p:spPr>
+          <a:xfrm>
+            <a:off x="7589520" y="3337560"/>
+            <a:ext cx="1097280" cy="228600"/>
+          </a:xfrm>
+          <a:prstGeom prst="rect">
+            <a:avLst/>
+          </a:prstGeom>
+          <a:noFill/>
+        </p:spPr>
+        <p:txBody>
+          <a:bodyPr wrap="square">
+            <a:spAutoFit/>
+          </a:bodyPr>
+          <a:lstStyle/>
+          <a:p>
+            <a:pPr algn="ctr">
+              <a:defRPr sz="900" b="0">
+                <a:solidFill>
+                  <a:srgbClr val="E53935"/>
+                </a:solidFill>
+                <a:latin typeface="Calibri"/>
+              </a:defRPr>
+            </a:pPr>
+            <a:r>
+              <a:t>Unknown</a:t>
+            </a:r>
+          </a:p>
+        </p:txBody>
+      </p:sp>
+      <p:sp>
+        <p:nvSpPr>
+          <p:cNvPr id="46" name="TextBox 45"/>
+          <p:cNvSpPr txBox="1"/>
+          <p:nvPr/>
+        </p:nvSpPr>
+        <p:spPr>
+          <a:xfrm>
+            <a:off x="8686800" y="3337560"/>
+            <a:ext cx="640080" cy="228600"/>
+          </a:xfrm>
+          <a:prstGeom prst="rect">
+            <a:avLst/>
+          </a:prstGeom>
+          <a:noFill/>
+        </p:spPr>
+        <p:txBody>
+          <a:bodyPr wrap="square">
+            <a:spAutoFit/>
+          </a:bodyPr>
+          <a:lstStyle/>
+          <a:p>
+            <a:pPr algn="ctr">
+              <a:defRPr sz="900" b="0">
+                <a:solidFill>
+                  <a:srgbClr val="FB8C00"/>
+                </a:solidFill>
+                <a:latin typeface="Calibri"/>
+              </a:defRPr>
+            </a:pPr>
+            <a:r>
+              <a:t>41%</a:t>
+            </a:r>
+          </a:p>
+        </p:txBody>
+      </p:sp>
+      <p:sp>
+        <p:nvSpPr>
+          <p:cNvPr id="47" name="TextBox 46"/>
+          <p:cNvSpPr txBox="1"/>
+          <p:nvPr/>
+        </p:nvSpPr>
+        <p:spPr>
+          <a:xfrm>
+            <a:off x="9326880" y="3337560"/>
+            <a:ext cx="2651760" cy="228600"/>
+          </a:xfrm>
+          <a:prstGeom prst="rect">
+            <a:avLst/>
+          </a:prstGeom>
+          <a:noFill/>
+        </p:spPr>
+        <p:txBody>
+          <a:bodyPr wrap="square">
+            <a:spAutoFit/>
+          </a:bodyPr>
+          <a:lstStyle/>
+          <a:p>
+            <a:pPr algn="ctr">
+              <a:defRPr sz="900" b="0">
+                <a:solidFill>
+                  <a:srgbClr val="333333"/>
+                </a:solidFill>
+                <a:latin typeface="Calibri"/>
+              </a:defRPr>
+            </a:pPr>
+            <a:r>
+              <a:t>IncN (41%), IncFII (30%), IncX (15%)...</a:t>
+            </a:r>
+          </a:p>
+        </p:txBody>
+      </p:sp>
+      <p:sp>
+        <p:nvSpPr>
+          <p:cNvPr id="48" name="TextBox 47"/>
+          <p:cNvSpPr txBox="1"/>
+          <p:nvPr/>
+        </p:nvSpPr>
+        <p:spPr>
+          <a:xfrm>
+            <a:off x="6400800" y="4572000"/>
+            <a:ext cx="5486400" cy="365760"/>
+          </a:xfrm>
+          <a:prstGeom prst="rect">
+            <a:avLst/>
+          </a:prstGeom>
+          <a:noFill/>
+        </p:spPr>
+        <p:txBody>
+          <a:bodyPr wrap="square">
+            <a:spAutoFit/>
+          </a:bodyPr>
+          <a:lstStyle/>
+          <a:p>
+            <a:pPr algn="l">
+              <a:defRPr sz="1400" b="1">
+                <a:solidFill>
+                  <a:srgbClr val="0D47A1"/>
+                </a:solidFill>
+                <a:latin typeface="Calibri"/>
+              </a:defRPr>
+            </a:pPr>
+            <a:r>
+              <a:t>Benefits</a:t>
+            </a:r>
+          </a:p>
+        </p:txBody>
+      </p:sp>
+      <p:sp>
+        <p:nvSpPr>
+          <p:cNvPr id="49" name="TextBox 48"/>
+          <p:cNvSpPr txBox="1"/>
+          <p:nvPr/>
+        </p:nvSpPr>
+        <p:spPr>
+          <a:xfrm>
+            <a:off x="6583680" y="4937760"/>
+            <a:ext cx="2286000" cy="228600"/>
+          </a:xfrm>
+          <a:prstGeom prst="rect">
+            <a:avLst/>
+          </a:prstGeom>
+          <a:noFill/>
+        </p:spPr>
+        <p:txBody>
+          <a:bodyPr wrap="square">
+            <a:spAutoFit/>
+          </a:bodyPr>
+          <a:lstStyle/>
+          <a:p>
+            <a:pPr algn="l">
+              <a:defRPr sz="1000" b="1">
+                <a:solidFill>
+                  <a:srgbClr val="43A047"/>
+                </a:solidFill>
+                <a:latin typeface="Calibri"/>
+              </a:defRPr>
+            </a:pPr>
+            <a:r>
+              <a:t>✓ Honest uncertainty</a:t>
+            </a:r>
+          </a:p>
+        </p:txBody>
+      </p:sp>
+      <p:sp>
+        <p:nvSpPr>
+          <p:cNvPr id="50" name="TextBox 49"/>
+          <p:cNvSpPr txBox="1"/>
+          <p:nvPr/>
+        </p:nvSpPr>
+        <p:spPr>
+          <a:xfrm>
+            <a:off x="8869680" y="4937760"/>
+            <a:ext cx="2926080" cy="228600"/>
+          </a:xfrm>
+          <a:prstGeom prst="rect">
+            <a:avLst/>
+          </a:prstGeom>
+          <a:noFill/>
+        </p:spPr>
+        <p:txBody>
+          <a:bodyPr wrap="square">
+            <a:spAutoFit/>
+          </a:bodyPr>
+          <a:lstStyle/>
+          <a:p>
+            <a:pPr algn="l">
+              <a:defRPr sz="1000" b="0">
+                <a:solidFill>
+                  <a:srgbClr val="333333"/>
+                </a:solidFill>
+                <a:latin typeface="Calibri"/>
+              </a:defRPr>
+            </a:pPr>
+            <a:r>
+              <a:t>Tool admits when it doesn't know</a:t>
+            </a:r>
+          </a:p>
+        </p:txBody>
+      </p:sp>
+      <p:sp>
+        <p:nvSpPr>
+          <p:cNvPr id="51" name="TextBox 50"/>
+          <p:cNvSpPr txBox="1"/>
+          <p:nvPr/>
+        </p:nvSpPr>
+        <p:spPr>
+          <a:xfrm>
+            <a:off x="6583680" y="5349240"/>
+            <a:ext cx="2286000" cy="228600"/>
+          </a:xfrm>
+          <a:prstGeom prst="rect">
+            <a:avLst/>
+          </a:prstGeom>
+          <a:noFill/>
+        </p:spPr>
+        <p:txBody>
+          <a:bodyPr wrap="square">
+            <a:spAutoFit/>
+          </a:bodyPr>
+          <a:lstStyle/>
+          <a:p>
+            <a:pPr algn="l">
+              <a:defRPr sz="1000" b="1">
+                <a:solidFill>
+                  <a:srgbClr val="43A047"/>
+                </a:solidFill>
+                <a:latin typeface="Calibri"/>
+              </a:defRPr>
+            </a:pPr>
+            <a:r>
+              <a:t>✓ Prevents misclassification</a:t>
+            </a:r>
+          </a:p>
+        </p:txBody>
+      </p:sp>
+      <p:sp>
+        <p:nvSpPr>
+          <p:cNvPr id="52" name="TextBox 51"/>
+          <p:cNvSpPr txBox="1"/>
+          <p:nvPr/>
+        </p:nvSpPr>
+        <p:spPr>
+          <a:xfrm>
+            <a:off x="8869680" y="5349240"/>
+            <a:ext cx="2926080" cy="228600"/>
+          </a:xfrm>
+          <a:prstGeom prst="rect">
+            <a:avLst/>
+          </a:prstGeom>
+          <a:noFill/>
+        </p:spPr>
+        <p:txBody>
+          <a:bodyPr wrap="square">
+            <a:spAutoFit/>
+          </a:bodyPr>
+          <a:lstStyle/>
+          <a:p>
+            <a:pPr algn="l">
+              <a:defRPr sz="1000" b="0">
+                <a:solidFill>
+                  <a:srgbClr val="333333"/>
+                </a:solidFill>
+                <a:latin typeface="Calibri"/>
+              </a:defRPr>
+            </a:pPr>
+            <a:r>
+              <a:t>No more wrong Inc assignments</a:t>
+            </a:r>
+          </a:p>
+        </p:txBody>
+      </p:sp>
+      <p:sp>
+        <p:nvSpPr>
+          <p:cNvPr id="53" name="TextBox 52"/>
+          <p:cNvSpPr txBox="1"/>
+          <p:nvPr/>
+        </p:nvSpPr>
+        <p:spPr>
+          <a:xfrm>
+            <a:off x="6583680" y="5760720"/>
+            <a:ext cx="2286000" cy="228600"/>
+          </a:xfrm>
+          <a:prstGeom prst="rect">
+            <a:avLst/>
+          </a:prstGeom>
+          <a:noFill/>
+        </p:spPr>
+        <p:txBody>
+          <a:bodyPr wrap="square">
+            <a:spAutoFit/>
+          </a:bodyPr>
+          <a:lstStyle/>
+          <a:p>
+            <a:pPr algn="l">
+              <a:defRPr sz="1000" b="1">
+                <a:solidFill>
+                  <a:srgbClr val="43A047"/>
+                </a:solidFill>
+                <a:latin typeface="Calibri"/>
+              </a:defRPr>
+            </a:pPr>
+            <a:r>
+              <a:t>✓ Top 5 candidates</a:t>
+            </a:r>
+          </a:p>
+        </p:txBody>
+      </p:sp>
+      <p:sp>
+        <p:nvSpPr>
+          <p:cNvPr id="54" name="TextBox 53"/>
+          <p:cNvSpPr txBox="1"/>
+          <p:nvPr/>
+        </p:nvSpPr>
+        <p:spPr>
+          <a:xfrm>
+            <a:off x="8869680" y="5760720"/>
+            <a:ext cx="2926080" cy="228600"/>
+          </a:xfrm>
+          <a:prstGeom prst="rect">
+            <a:avLst/>
+          </a:prstGeom>
+          <a:noFill/>
+        </p:spPr>
+        <p:txBody>
+          <a:bodyPr wrap="square">
+            <a:spAutoFit/>
+          </a:bodyPr>
+          <a:lstStyle/>
+          <a:p>
+            <a:pPr algn="l">
+              <a:defRPr sz="1000" b="0">
+                <a:solidFill>
+                  <a:srgbClr val="333333"/>
+                </a:solidFill>
+                <a:latin typeface="Calibri"/>
+              </a:defRPr>
+            </a:pPr>
+            <a:r>
+              <a:t>Guides manual verification</a:t>
+            </a:r>
+          </a:p>
+        </p:txBody>
+      </p:sp>
+      <p:sp>
+        <p:nvSpPr>
+          <p:cNvPr id="55" name="TextBox 54"/>
+          <p:cNvSpPr txBox="1"/>
+          <p:nvPr/>
+        </p:nvSpPr>
+        <p:spPr>
+          <a:xfrm>
+            <a:off x="6583680" y="6172200"/>
+            <a:ext cx="2286000" cy="228600"/>
+          </a:xfrm>
+          <a:prstGeom prst="rect">
+            <a:avLst/>
+          </a:prstGeom>
+          <a:noFill/>
+        </p:spPr>
+        <p:txBody>
+          <a:bodyPr wrap="square">
+            <a:spAutoFit/>
+          </a:bodyPr>
+          <a:lstStyle/>
+          <a:p>
+            <a:pPr algn="l">
+              <a:defRPr sz="1000" b="1">
+                <a:solidFill>
+                  <a:srgbClr val="43A047"/>
+                </a:solidFill>
+                <a:latin typeface="Calibri"/>
+              </a:defRPr>
+            </a:pPr>
+            <a:r>
+              <a:t>✓ Actionable warnings</a:t>
+            </a:r>
+          </a:p>
+        </p:txBody>
+      </p:sp>
+      <p:sp>
+        <p:nvSpPr>
+          <p:cNvPr id="56" name="TextBox 55"/>
+          <p:cNvSpPr txBox="1"/>
+          <p:nvPr/>
+        </p:nvSpPr>
+        <p:spPr>
+          <a:xfrm>
+            <a:off x="8869680" y="6172200"/>
+            <a:ext cx="2926080" cy="228600"/>
+          </a:xfrm>
+          <a:prstGeom prst="rect">
+            <a:avLst/>
+          </a:prstGeom>
+          <a:noFill/>
+        </p:spPr>
+        <p:txBody>
+          <a:bodyPr wrap="square">
+            <a:spAutoFit/>
+          </a:bodyPr>
+          <a:lstStyle/>
+          <a:p>
+            <a:pPr algn="l">
+              <a:defRPr sz="1000" b="0">
+                <a:solidFill>
+                  <a:srgbClr val="333333"/>
+                </a:solidFill>
+                <a:latin typeface="Calibri"/>
+              </a:defRPr>
+            </a:pPr>
+            <a:r>
+              <a:t>Suggests PlasmidFinder for verification</a:t>
+            </a:r>
+          </a:p>
+        </p:txBody>
+      </p:sp>
+    </p:spTree>
+  </p:cSld>
+  <p:clrMapOvr>
+    <a:masterClrMapping/>
+  </p:clrMapOvr>
+</p:sld>
+</file>
+
+<file path=ppt/slides/slide16.xml><?xml version="1.0" encoding="utf-8"?>
+<p:sld xmlns:a="http://schemas.openxmlformats.org/drawingml/2006/main" xmlns:p="http://schemas.openxmlformats.org/presentationml/2006/main" xmlns:r="http://schemas.openxmlformats.org/officeDocument/2006/relationships">
+  <p:cSld>
+    <p:bg>
+      <p:bgPr>
+        <a:solidFill>
+          <a:srgbClr val="FFFFFF"/>
+        </a:solidFill>
+        <a:effectLst/>
+      </p:bgPr>
+    </p:bg>
+    <p:spTree>
+      <p:nvGrpSpPr>
+        <p:cNvPr id="1" name=""/>
+        <p:cNvGrpSpPr/>
+        <p:nvPr/>
+      </p:nvGrpSpPr>
+      <p:grpSpPr/>
+      <p:sp>
+        <p:nvSpPr>
+          <p:cNvPr id="2" name="Rounded Rectangle 1"/>
+          <p:cNvSpPr/>
+          <p:nvPr/>
+        </p:nvSpPr>
+        <p:spPr>
+          <a:xfrm>
+            <a:off x="0" y="0"/>
+            <a:ext cx="12191695" cy="1097280"/>
+          </a:xfrm>
+          <a:prstGeom prst="roundRect">
+            <a:avLst/>
+          </a:prstGeom>
+          <a:solidFill>
+            <a:srgbClr val="0D47A1"/>
+          </a:solidFill>
+          <a:ln>
+            <a:noFill/>
+          </a:ln>
+        </p:spPr>
+        <p:style>
+          <a:lnRef idx="1">
+            <a:schemeClr val="accent1"/>
+          </a:lnRef>
+          <a:fillRef idx="3">
+            <a:schemeClr val="accent1"/>
+          </a:fillRef>
+          <a:effectRef idx="2">
+            <a:schemeClr val="accent1"/>
+          </a:effectRef>
+          <a:fontRef idx="minor">
+            <a:schemeClr val="lt1"/>
+          </a:fontRef>
+        </p:style>
+        <p:txBody>
+          <a:bodyPr rtlCol="0" anchor="ctr"/>
+          <a:lstStyle/>
+          <a:p>
+            <a:pPr algn="ctr"/>
+          </a:p>
+        </p:txBody>
+      </p:sp>
+      <p:sp>
+        <p:nvSpPr>
+          <p:cNvPr id="3" name="TextBox 2"/>
+          <p:cNvSpPr txBox="1"/>
+          <p:nvPr/>
+        </p:nvSpPr>
+        <p:spPr>
+          <a:xfrm>
+            <a:off x="548640" y="137160"/>
+            <a:ext cx="10972800" cy="548640"/>
+          </a:xfrm>
+          <a:prstGeom prst="rect">
+            <a:avLst/>
+          </a:prstGeom>
+          <a:noFill/>
+        </p:spPr>
+        <p:txBody>
+          <a:bodyPr wrap="square">
+            <a:spAutoFit/>
+          </a:bodyPr>
+          <a:lstStyle/>
+          <a:p>
+            <a:pPr algn="l">
+              <a:defRPr sz="3200" b="1">
+                <a:solidFill>
+                  <a:srgbClr val="FFFFFF"/>
+                </a:solidFill>
+                <a:latin typeface="Calibri"/>
+              </a:defRPr>
+            </a:pPr>
+            <a:r>
+              <a:t>Complete Feature Summary</a:t>
+            </a:r>
+          </a:p>
+        </p:txBody>
+      </p:sp>
+      <p:sp>
+        <p:nvSpPr>
+          <p:cNvPr id="4" name="TextBox 3"/>
+          <p:cNvSpPr txBox="1"/>
+          <p:nvPr/>
+        </p:nvSpPr>
+        <p:spPr>
+          <a:xfrm>
+            <a:off x="548640" y="640080"/>
+            <a:ext cx="10972800" cy="365760"/>
+          </a:xfrm>
+          <a:prstGeom prst="rect">
+            <a:avLst/>
+          </a:prstGeom>
+          <a:noFill/>
+        </p:spPr>
+        <p:txBody>
+          <a:bodyPr wrap="square">
+            <a:spAutoFit/>
+          </a:bodyPr>
+          <a:lstStyle/>
+          <a:p>
+            <a:pPr algn="l">
+              <a:defRPr sz="1600" b="0">
+                <a:solidFill>
+                  <a:srgbClr val="BBDEFB"/>
+                </a:solidFill>
+                <a:latin typeface="Calibri"/>
+              </a:defRPr>
+            </a:pPr>
+            <a:r>
+              <a:t>All capabilities of the pLIN classification system</a:t>
+            </a:r>
+          </a:p>
+        </p:txBody>
+      </p:sp>
+      <p:sp>
+        <p:nvSpPr>
+          <p:cNvPr id="5" name="Rounded Rectangle 4"/>
+          <p:cNvSpPr/>
+          <p:nvPr/>
+        </p:nvSpPr>
+        <p:spPr>
+          <a:xfrm>
+            <a:off x="365760" y="1463040"/>
+            <a:ext cx="2743200" cy="1143000"/>
+          </a:xfrm>
+          <a:prstGeom prst="roundRect">
+            <a:avLst/>
+          </a:prstGeom>
+          <a:solidFill>
+            <a:srgbClr val="0D47A1"/>
+          </a:solidFill>
+          <a:ln>
+            <a:noFill/>
+          </a:ln>
+        </p:spPr>
+        <p:style>
+          <a:lnRef idx="1">
+            <a:schemeClr val="accent1"/>
+          </a:lnRef>
+          <a:fillRef idx="3">
+            <a:schemeClr val="accent1"/>
+          </a:fillRef>
+          <a:effectRef idx="2">
+            <a:schemeClr val="accent1"/>
+          </a:effectRef>
+          <a:fontRef idx="minor">
+            <a:schemeClr val="lt1"/>
+          </a:fontRef>
+        </p:style>
+        <p:txBody>
+          <a:bodyPr rtlCol="0" anchor="ctr"/>
+          <a:lstStyle/>
+          <a:p>
+            <a:pPr algn="ctr"/>
+          </a:p>
+        </p:txBody>
+      </p:sp>
+      <p:sp>
+        <p:nvSpPr>
+          <p:cNvPr id="6" name="TextBox 5"/>
+          <p:cNvSpPr txBox="1"/>
+          <p:nvPr/>
+        </p:nvSpPr>
+        <p:spPr>
+          <a:xfrm>
+            <a:off x="365760" y="1600200"/>
+            <a:ext cx="2743200" cy="320040"/>
+          </a:xfrm>
+          <a:prstGeom prst="rect">
+            <a:avLst/>
+          </a:prstGeom>
+          <a:noFill/>
+        </p:spPr>
+        <p:txBody>
+          <a:bodyPr wrap="square">
+            <a:spAutoFit/>
+          </a:bodyPr>
+          <a:lstStyle/>
+          <a:p>
+            <a:pPr algn="ctr">
+              <a:defRPr sz="1200" b="1">
+                <a:solidFill>
+                  <a:srgbClr val="FFFFFF"/>
+                </a:solidFill>
+                <a:latin typeface="Calibri"/>
+              </a:defRPr>
+            </a:pPr>
+            <a:r>
+              <a:t>pLIN Classification</a:t>
+            </a:r>
+          </a:p>
+        </p:txBody>
+      </p:sp>
+      <p:sp>
+        <p:nvSpPr>
+          <p:cNvPr id="7" name="TextBox 6"/>
+          <p:cNvSpPr txBox="1"/>
+          <p:nvPr/>
+        </p:nvSpPr>
+        <p:spPr>
+          <a:xfrm>
+            <a:off x="365760" y="1965960"/>
+            <a:ext cx="2743200" cy="548640"/>
+          </a:xfrm>
+          <a:prstGeom prst="rect">
+            <a:avLst/>
+          </a:prstGeom>
+          <a:noFill/>
+        </p:spPr>
+        <p:txBody>
+          <a:bodyPr wrap="square">
+            <a:spAutoFit/>
+          </a:bodyPr>
+          <a:lstStyle/>
+          <a:p>
+            <a:pPr algn="ctr">
+              <a:defRPr sz="1000" b="0">
+                <a:solidFill>
+                  <a:srgbClr val="E0E0E0"/>
+                </a:solidFill>
+                <a:latin typeface="Calibri"/>
+              </a:defRPr>
+            </a:pPr>
+            <a:r>
+              <a:t>6-level hierarchical codes</a:t>
+            </a:r>
+            <a:br/>
+            <a:r>
+              <a:t>(Family→Strain)</a:t>
+            </a:r>
+          </a:p>
+        </p:txBody>
+      </p:sp>
+      <p:sp>
+        <p:nvSpPr>
+          <p:cNvPr id="8" name="Rounded Rectangle 7"/>
+          <p:cNvSpPr/>
+          <p:nvPr/>
+        </p:nvSpPr>
+        <p:spPr>
+          <a:xfrm>
+            <a:off x="3291840" y="1463040"/>
+            <a:ext cx="2743200" cy="1143000"/>
+          </a:xfrm>
+          <a:prstGeom prst="roundRect">
+            <a:avLst/>
+          </a:prstGeom>
+          <a:solidFill>
+            <a:srgbClr val="1E88E5"/>
+          </a:solidFill>
+          <a:ln>
+            <a:noFill/>
+          </a:ln>
+        </p:spPr>
+        <p:style>
+          <a:lnRef idx="1">
+            <a:schemeClr val="accent1"/>
+          </a:lnRef>
+          <a:fillRef idx="3">
+            <a:schemeClr val="accent1"/>
+          </a:fillRef>
+          <a:effectRef idx="2">
+            <a:schemeClr val="accent1"/>
+          </a:effectRef>
+          <a:fontRef idx="minor">
+            <a:schemeClr val="lt1"/>
+          </a:fontRef>
+        </p:style>
+        <p:txBody>
+          <a:bodyPr rtlCol="0" anchor="ctr"/>
+          <a:lstStyle/>
+          <a:p>
+            <a:pPr algn="ctr"/>
+          </a:p>
+        </p:txBody>
+      </p:sp>
+      <p:sp>
+        <p:nvSpPr>
+          <p:cNvPr id="9" name="TextBox 8"/>
+          <p:cNvSpPr txBox="1"/>
+          <p:nvPr/>
+        </p:nvSpPr>
+        <p:spPr>
+          <a:xfrm>
+            <a:off x="3291840" y="1600200"/>
+            <a:ext cx="2743200" cy="320040"/>
+          </a:xfrm>
+          <a:prstGeom prst="rect">
+            <a:avLst/>
+          </a:prstGeom>
+          <a:noFill/>
+        </p:spPr>
+        <p:txBody>
+          <a:bodyPr wrap="square">
+            <a:spAutoFit/>
+          </a:bodyPr>
+          <a:lstStyle/>
+          <a:p>
+            <a:pPr algn="ctr">
+              <a:defRPr sz="1200" b="1">
+                <a:solidFill>
+                  <a:srgbClr val="FFFFFF"/>
+                </a:solidFill>
+                <a:latin typeface="Calibri"/>
+              </a:defRPr>
+            </a:pPr>
+            <a:r>
+              <a:t>Inc Auto-Detection</a:t>
+            </a:r>
+          </a:p>
+        </p:txBody>
+      </p:sp>
+      <p:sp>
+        <p:nvSpPr>
+          <p:cNvPr id="10" name="TextBox 9"/>
+          <p:cNvSpPr txBox="1"/>
+          <p:nvPr/>
+        </p:nvSpPr>
+        <p:spPr>
+          <a:xfrm>
+            <a:off x="3291840" y="1965960"/>
+            <a:ext cx="2743200" cy="548640"/>
+          </a:xfrm>
+          <a:prstGeom prst="rect">
+            <a:avLst/>
+          </a:prstGeom>
+          <a:noFill/>
+        </p:spPr>
+        <p:txBody>
+          <a:bodyPr wrap="square">
+            <a:spAutoFit/>
+          </a:bodyPr>
+          <a:lstStyle/>
+          <a:p>
+            <a:pPr algn="ctr">
+              <a:defRPr sz="1000" b="0">
+                <a:solidFill>
+                  <a:srgbClr val="E0E0E0"/>
+                </a:solidFill>
+                <a:latin typeface="Calibri"/>
+              </a:defRPr>
+            </a:pPr>
+            <a:r>
+              <a:t>KNN classifier, 96.1%</a:t>
+            </a:r>
+            <a:br/>
+            <a:r>
+              <a:t>accuracy, 3 Inc groups</a:t>
+            </a:r>
+          </a:p>
+        </p:txBody>
+      </p:sp>
+      <p:sp>
+        <p:nvSpPr>
+          <p:cNvPr id="11" name="Rounded Rectangle 10"/>
+          <p:cNvSpPr/>
+          <p:nvPr/>
+        </p:nvSpPr>
+        <p:spPr>
+          <a:xfrm>
+            <a:off x="6217920" y="1463040"/>
+            <a:ext cx="2743200" cy="1143000"/>
+          </a:xfrm>
+          <a:prstGeom prst="roundRect">
+            <a:avLst/>
+          </a:prstGeom>
+          <a:solidFill>
+            <a:srgbClr val="E53935"/>
+          </a:solidFill>
+          <a:ln>
+            <a:noFill/>
+          </a:ln>
+        </p:spPr>
+        <p:style>
+          <a:lnRef idx="1">
+            <a:schemeClr val="accent1"/>
+          </a:lnRef>
+          <a:fillRef idx="3">
+            <a:schemeClr val="accent1"/>
+          </a:fillRef>
+          <a:effectRef idx="2">
+            <a:schemeClr val="accent1"/>
+          </a:effectRef>
+          <a:fontRef idx="minor">
+            <a:schemeClr val="lt1"/>
+          </a:fontRef>
+        </p:style>
+        <p:txBody>
+          <a:bodyPr rtlCol="0" anchor="ctr"/>
+          <a:lstStyle/>
+          <a:p>
+            <a:pPr algn="ctr"/>
+          </a:p>
+        </p:txBody>
+      </p:sp>
+      <p:sp>
+        <p:nvSpPr>
+          <p:cNvPr id="12" name="TextBox 11"/>
+          <p:cNvSpPr txBox="1"/>
+          <p:nvPr/>
+        </p:nvSpPr>
+        <p:spPr>
+          <a:xfrm>
+            <a:off x="6217920" y="1600200"/>
+            <a:ext cx="2743200" cy="320040"/>
+          </a:xfrm>
+          <a:prstGeom prst="rect">
+            <a:avLst/>
+          </a:prstGeom>
+          <a:noFill/>
+        </p:spPr>
+        <p:txBody>
+          <a:bodyPr wrap="square">
+            <a:spAutoFit/>
+          </a:bodyPr>
+          <a:lstStyle/>
+          <a:p>
+            <a:pPr algn="ctr">
+              <a:defRPr sz="1200" b="1">
+                <a:solidFill>
+                  <a:srgbClr val="FFFFFF"/>
+                </a:solidFill>
+                <a:latin typeface="Calibri"/>
+              </a:defRPr>
+            </a:pPr>
+            <a:r>
+              <a:t>AMRFinderPlus</a:t>
+            </a:r>
+          </a:p>
+        </p:txBody>
+      </p:sp>
+      <p:sp>
+        <p:nvSpPr>
+          <p:cNvPr id="13" name="TextBox 12"/>
+          <p:cNvSpPr txBox="1"/>
+          <p:nvPr/>
+        </p:nvSpPr>
+        <p:spPr>
+          <a:xfrm>
+            <a:off x="6217920" y="1965960"/>
+            <a:ext cx="2743200" cy="548640"/>
+          </a:xfrm>
+          <a:prstGeom prst="rect">
+            <a:avLst/>
+          </a:prstGeom>
+          <a:noFill/>
+        </p:spPr>
+        <p:txBody>
+          <a:bodyPr wrap="square">
+            <a:spAutoFit/>
+          </a:bodyPr>
+          <a:lstStyle/>
+          <a:p>
+            <a:pPr algn="ctr">
+              <a:defRPr sz="1000" b="0">
+                <a:solidFill>
+                  <a:srgbClr val="E0E0E0"/>
+                </a:solidFill>
+                <a:latin typeface="Calibri"/>
+              </a:defRPr>
+            </a:pPr>
+            <a:r>
+              <a:t>AMR/stress/virulence</a:t>
+            </a:r>
+            <a:br/>
+            <a:r>
+              <a:t>gene detection</a:t>
+            </a:r>
+          </a:p>
+        </p:txBody>
+      </p:sp>
+      <p:sp>
+        <p:nvSpPr>
+          <p:cNvPr id="14" name="Rounded Rectangle 13"/>
+          <p:cNvSpPr/>
+          <p:nvPr/>
+        </p:nvSpPr>
+        <p:spPr>
+          <a:xfrm>
+            <a:off x="9144000" y="1463040"/>
+            <a:ext cx="2743200" cy="1143000"/>
+          </a:xfrm>
+          <a:prstGeom prst="roundRect">
+            <a:avLst/>
+          </a:prstGeom>
+          <a:solidFill>
+            <a:srgbClr val="43A047"/>
+          </a:solidFill>
+          <a:ln>
+            <a:noFill/>
+          </a:ln>
+        </p:spPr>
+        <p:style>
+          <a:lnRef idx="1">
+            <a:schemeClr val="accent1"/>
+          </a:lnRef>
+          <a:fillRef idx="3">
+            <a:schemeClr val="accent1"/>
+          </a:fillRef>
+          <a:effectRef idx="2">
+            <a:schemeClr val="accent1"/>
+          </a:effectRef>
+          <a:fontRef idx="minor">
+            <a:schemeClr val="lt1"/>
+          </a:fontRef>
+        </p:style>
+        <p:txBody>
+          <a:bodyPr rtlCol="0" anchor="ctr"/>
+          <a:lstStyle/>
+          <a:p>
+            <a:pPr algn="ctr"/>
+          </a:p>
+        </p:txBody>
+      </p:sp>
+      <p:sp>
+        <p:nvSpPr>
+          <p:cNvPr id="15" name="TextBox 14"/>
+          <p:cNvSpPr txBox="1"/>
+          <p:nvPr/>
+        </p:nvSpPr>
+        <p:spPr>
+          <a:xfrm>
+            <a:off x="9144000" y="1600200"/>
+            <a:ext cx="2743200" cy="320040"/>
+          </a:xfrm>
+          <a:prstGeom prst="rect">
+            <a:avLst/>
+          </a:prstGeom>
+          <a:noFill/>
+        </p:spPr>
+        <p:txBody>
+          <a:bodyPr wrap="square">
+            <a:spAutoFit/>
+          </a:bodyPr>
+          <a:lstStyle/>
+          <a:p>
+            <a:pPr algn="ctr">
+              <a:defRPr sz="1200" b="1">
+                <a:solidFill>
+                  <a:srgbClr val="FFFFFF"/>
+                </a:solidFill>
+                <a:latin typeface="Calibri"/>
+              </a:defRPr>
+            </a:pPr>
+            <a:r>
+              <a:t>Prodigal Annotation</a:t>
+            </a:r>
+          </a:p>
+        </p:txBody>
+      </p:sp>
+      <p:sp>
+        <p:nvSpPr>
+          <p:cNvPr id="16" name="TextBox 15"/>
+          <p:cNvSpPr txBox="1"/>
+          <p:nvPr/>
+        </p:nvSpPr>
+        <p:spPr>
+          <a:xfrm>
+            <a:off x="9144000" y="1965960"/>
+            <a:ext cx="2743200" cy="548640"/>
+          </a:xfrm>
+          <a:prstGeom prst="rect">
+            <a:avLst/>
+          </a:prstGeom>
+          <a:noFill/>
+        </p:spPr>
+        <p:txBody>
+          <a:bodyPr wrap="square">
+            <a:spAutoFit/>
+          </a:bodyPr>
+          <a:lstStyle/>
+          <a:p>
+            <a:pPr algn="ctr">
+              <a:defRPr sz="1000" b="0">
+                <a:solidFill>
+                  <a:srgbClr val="E0E0E0"/>
+                </a:solidFill>
+                <a:latin typeface="Calibri"/>
+              </a:defRPr>
+            </a:pPr>
+            <a:r>
+              <a:t>Full ORF prediction,</a:t>
+            </a:r>
+            <a:br/>
+            <a:r>
+              <a:t>coding density stats</a:t>
+            </a:r>
+          </a:p>
+        </p:txBody>
+      </p:sp>
+      <p:sp>
+        <p:nvSpPr>
+          <p:cNvPr id="17" name="Rounded Rectangle 16"/>
+          <p:cNvSpPr/>
+          <p:nvPr/>
+        </p:nvSpPr>
+        <p:spPr>
+          <a:xfrm>
+            <a:off x="365760" y="2743200"/>
+            <a:ext cx="2743200" cy="1143000"/>
+          </a:xfrm>
+          <a:prstGeom prst="roundRect">
+            <a:avLst/>
+          </a:prstGeom>
+          <a:solidFill>
+            <a:srgbClr val="FB8C00"/>
+          </a:solidFill>
+          <a:ln>
+            <a:noFill/>
+          </a:ln>
+        </p:spPr>
+        <p:style>
+          <a:lnRef idx="1">
+            <a:schemeClr val="accent1"/>
+          </a:lnRef>
+          <a:fillRef idx="3">
+            <a:schemeClr val="accent1"/>
+          </a:fillRef>
+          <a:effectRef idx="2">
+            <a:schemeClr val="accent1"/>
+          </a:effectRef>
+          <a:fontRef idx="minor">
+            <a:schemeClr val="lt1"/>
+          </a:fontRef>
+        </p:style>
+        <p:txBody>
+          <a:bodyPr rtlCol="0" anchor="ctr"/>
+          <a:lstStyle/>
+          <a:p>
+            <a:pPr algn="ctr"/>
+          </a:p>
+        </p:txBody>
+      </p:sp>
+      <p:sp>
+        <p:nvSpPr>
+          <p:cNvPr id="18" name="TextBox 17"/>
+          <p:cNvSpPr txBox="1"/>
+          <p:nvPr/>
+        </p:nvSpPr>
+        <p:spPr>
+          <a:xfrm>
+            <a:off x="365760" y="2880360"/>
+            <a:ext cx="2743200" cy="320040"/>
+          </a:xfrm>
+          <a:prstGeom prst="rect">
+            <a:avLst/>
+          </a:prstGeom>
+          <a:noFill/>
+        </p:spPr>
+        <p:txBody>
+          <a:bodyPr wrap="square">
+            <a:spAutoFit/>
+          </a:bodyPr>
+          <a:lstStyle/>
+          <a:p>
+            <a:pPr algn="ctr">
+              <a:defRPr sz="1200" b="1">
+                <a:solidFill>
+                  <a:srgbClr val="FFFFFF"/>
+                </a:solidFill>
+                <a:latin typeface="Calibri"/>
+              </a:defRPr>
+            </a:pPr>
+            <a:r>
+              <a:t>Mobility Prediction</a:t>
+            </a:r>
+          </a:p>
+        </p:txBody>
+      </p:sp>
+      <p:sp>
+        <p:nvSpPr>
+          <p:cNvPr id="19" name="TextBox 18"/>
+          <p:cNvSpPr txBox="1"/>
+          <p:nvPr/>
+        </p:nvSpPr>
+        <p:spPr>
+          <a:xfrm>
+            <a:off x="365760" y="3246120"/>
+            <a:ext cx="2743200" cy="548640"/>
+          </a:xfrm>
+          <a:prstGeom prst="rect">
+            <a:avLst/>
+          </a:prstGeom>
+          <a:noFill/>
+        </p:spPr>
+        <p:txBody>
+          <a:bodyPr wrap="square">
+            <a:spAutoFit/>
+          </a:bodyPr>
+          <a:lstStyle/>
+          <a:p>
+            <a:pPr algn="ctr">
+              <a:defRPr sz="1000" b="0">
+                <a:solidFill>
+                  <a:srgbClr val="E0E0E0"/>
+                </a:solidFill>
+                <a:latin typeface="Calibri"/>
+              </a:defRPr>
+            </a:pPr>
+            <a:r>
+              <a:t>Conjugative/mobilizable</a:t>
+            </a:r>
+            <a:br/>
+            <a:r>
+              <a:t>from tra/mob genes</a:t>
+            </a:r>
+          </a:p>
+        </p:txBody>
+      </p:sp>
+      <p:sp>
+        <p:nvSpPr>
+          <p:cNvPr id="20" name="Rounded Rectangle 19"/>
+          <p:cNvSpPr/>
+          <p:nvPr/>
+        </p:nvSpPr>
+        <p:spPr>
+          <a:xfrm>
+            <a:off x="3291840" y="2743200"/>
+            <a:ext cx="2743200" cy="1143000"/>
+          </a:xfrm>
+          <a:prstGeom prst="roundRect">
+            <a:avLst/>
+          </a:prstGeom>
+          <a:solidFill>
+            <a:srgbClr val="8E24AA"/>
+          </a:solidFill>
+          <a:ln>
+            <a:noFill/>
+          </a:ln>
+        </p:spPr>
+        <p:style>
+          <a:lnRef idx="1">
+            <a:schemeClr val="accent1"/>
+          </a:lnRef>
+          <a:fillRef idx="3">
+            <a:schemeClr val="accent1"/>
+          </a:fillRef>
+          <a:effectRef idx="2">
+            <a:schemeClr val="accent1"/>
+          </a:effectRef>
+          <a:fontRef idx="minor">
+            <a:schemeClr val="lt1"/>
+          </a:fontRef>
+        </p:style>
+        <p:txBody>
+          <a:bodyPr rtlCol="0" anchor="ctr"/>
+          <a:lstStyle/>
+          <a:p>
+            <a:pPr algn="ctr"/>
+          </a:p>
+        </p:txBody>
+      </p:sp>
+      <p:sp>
+        <p:nvSpPr>
+          <p:cNvPr id="21" name="TextBox 20"/>
+          <p:cNvSpPr txBox="1"/>
+          <p:nvPr/>
+        </p:nvSpPr>
+        <p:spPr>
+          <a:xfrm>
+            <a:off x="3291840" y="2880360"/>
+            <a:ext cx="2743200" cy="320040"/>
+          </a:xfrm>
+          <a:prstGeom prst="rect">
+            <a:avLst/>
+          </a:prstGeom>
+          <a:noFill/>
+        </p:spPr>
+        <p:txBody>
+          <a:bodyPr wrap="square">
+            <a:spAutoFit/>
+          </a:bodyPr>
+          <a:lstStyle/>
+          <a:p>
+            <a:pPr algn="ctr">
+              <a:defRPr sz="1200" b="1">
+                <a:solidFill>
+                  <a:srgbClr val="FFFFFF"/>
+                </a:solidFill>
+                <a:latin typeface="Calibri"/>
+              </a:defRPr>
+            </a:pPr>
+            <a:r>
+              <a:t>Outbreak Detection</a:t>
+            </a:r>
+          </a:p>
+        </p:txBody>
+      </p:sp>
+      <p:sp>
+        <p:nvSpPr>
+          <p:cNvPr id="22" name="TextBox 21"/>
+          <p:cNvSpPr txBox="1"/>
+          <p:nvPr/>
+        </p:nvSpPr>
+        <p:spPr>
+          <a:xfrm>
+            <a:off x="3291840" y="3246120"/>
+            <a:ext cx="2743200" cy="548640"/>
+          </a:xfrm>
+          <a:prstGeom prst="rect">
+            <a:avLst/>
+          </a:prstGeom>
+          <a:noFill/>
+        </p:spPr>
+        <p:txBody>
+          <a:bodyPr wrap="square">
+            <a:spAutoFit/>
+          </a:bodyPr>
+          <a:lstStyle/>
+          <a:p>
+            <a:pPr algn="ctr">
+              <a:defRPr sz="1000" b="0">
+                <a:solidFill>
+                  <a:srgbClr val="E0E0E0"/>
+                </a:solidFill>
+                <a:latin typeface="Calibri"/>
+              </a:defRPr>
+            </a:pPr>
+            <a:r>
+              <a:t>Strain + AMR profile</a:t>
+            </a:r>
+            <a:br/>
+            <a:r>
+              <a:t>cluster identification</a:t>
+            </a:r>
+          </a:p>
+        </p:txBody>
+      </p:sp>
+      <p:sp>
+        <p:nvSpPr>
+          <p:cNvPr id="23" name="Rounded Rectangle 22"/>
+          <p:cNvSpPr/>
+          <p:nvPr/>
+        </p:nvSpPr>
+        <p:spPr>
+          <a:xfrm>
+            <a:off x="6217920" y="2743200"/>
+            <a:ext cx="2743200" cy="1143000"/>
+          </a:xfrm>
+          <a:prstGeom prst="roundRect">
+            <a:avLst/>
+          </a:prstGeom>
+          <a:solidFill>
+            <a:srgbClr val="009688"/>
+          </a:solidFill>
+          <a:ln>
+            <a:noFill/>
+          </a:ln>
+        </p:spPr>
+        <p:style>
+          <a:lnRef idx="1">
+            <a:schemeClr val="accent1"/>
+          </a:lnRef>
+          <a:fillRef idx="3">
+            <a:schemeClr val="accent1"/>
+          </a:fillRef>
+          <a:effectRef idx="2">
+            <a:schemeClr val="accent1"/>
+          </a:effectRef>
+          <a:fontRef idx="minor">
+            <a:schemeClr val="lt1"/>
+          </a:fontRef>
+        </p:style>
+        <p:txBody>
+          <a:bodyPr rtlCol="0" anchor="ctr"/>
+          <a:lstStyle/>
+          <a:p>
+            <a:pPr algn="ctr"/>
+          </a:p>
+        </p:txBody>
+      </p:sp>
+      <p:sp>
+        <p:nvSpPr>
+          <p:cNvPr id="24" name="TextBox 23"/>
+          <p:cNvSpPr txBox="1"/>
+          <p:nvPr/>
+        </p:nvSpPr>
+        <p:spPr>
+          <a:xfrm>
+            <a:off x="6217920" y="2880360"/>
+            <a:ext cx="2743200" cy="320040"/>
+          </a:xfrm>
+          <a:prstGeom prst="rect">
+            <a:avLst/>
+          </a:prstGeom>
+          <a:noFill/>
+        </p:spPr>
+        <p:txBody>
+          <a:bodyPr wrap="square">
+            <a:spAutoFit/>
+          </a:bodyPr>
+          <a:lstStyle/>
+          <a:p>
+            <a:pPr algn="ctr">
+              <a:defRPr sz="1200" b="1">
+                <a:solidFill>
+                  <a:srgbClr val="FFFFFF"/>
+                </a:solidFill>
+                <a:latin typeface="Calibri"/>
+              </a:defRPr>
+            </a:pPr>
+            <a:r>
+              <a:t>Adaptive Thresholds</a:t>
+            </a:r>
+          </a:p>
+        </p:txBody>
+      </p:sp>
+      <p:sp>
+        <p:nvSpPr>
+          <p:cNvPr id="25" name="TextBox 24"/>
+          <p:cNvSpPr txBox="1"/>
+          <p:nvPr/>
+        </p:nvSpPr>
+        <p:spPr>
+          <a:xfrm>
+            <a:off x="6217920" y="3246120"/>
+            <a:ext cx="2743200" cy="548640"/>
+          </a:xfrm>
+          <a:prstGeom prst="rect">
+            <a:avLst/>
+          </a:prstGeom>
+          <a:noFill/>
+        </p:spPr>
+        <p:txBody>
+          <a:bodyPr wrap="square">
+            <a:spAutoFit/>
+          </a:bodyPr>
+          <a:lstStyle/>
+          <a:p>
+            <a:pPr algn="ctr">
+              <a:defRPr sz="1000" b="0">
+                <a:solidFill>
+                  <a:srgbClr val="E0E0E0"/>
+                </a:solidFill>
+                <a:latin typeface="Calibri"/>
+              </a:defRPr>
+            </a:pPr>
+            <a:r>
+              <a:t>Per-Inc calibrated</a:t>
+            </a:r>
+            <a:br/>
+            <a:r>
+              <a:t>distance thresholds</a:t>
+            </a:r>
+          </a:p>
+        </p:txBody>
+      </p:sp>
+      <p:sp>
+        <p:nvSpPr>
+          <p:cNvPr id="26" name="Rounded Rectangle 25"/>
+          <p:cNvSpPr/>
+          <p:nvPr/>
+        </p:nvSpPr>
+        <p:spPr>
+          <a:xfrm>
+            <a:off x="9144000" y="2743200"/>
+            <a:ext cx="2743200" cy="1143000"/>
+          </a:xfrm>
+          <a:prstGeom prst="roundRect">
+            <a:avLst/>
+          </a:prstGeom>
+          <a:solidFill>
+            <a:srgbClr val="757575"/>
+          </a:solidFill>
+          <a:ln>
+            <a:noFill/>
+          </a:ln>
+        </p:spPr>
+        <p:style>
+          <a:lnRef idx="1">
+            <a:schemeClr val="accent1"/>
+          </a:lnRef>
+          <a:fillRef idx="3">
+            <a:schemeClr val="accent1"/>
+          </a:fillRef>
+          <a:effectRef idx="2">
+            <a:schemeClr val="accent1"/>
+          </a:effectRef>
+          <a:fontRef idx="minor">
+            <a:schemeClr val="lt1"/>
+          </a:fontRef>
+        </p:style>
+        <p:txBody>
+          <a:bodyPr rtlCol="0" anchor="ctr"/>
+          <a:lstStyle/>
+          <a:p>
+            <a:pPr algn="ctr"/>
+          </a:p>
+        </p:txBody>
+      </p:sp>
+      <p:sp>
+        <p:nvSpPr>
+          <p:cNvPr id="27" name="TextBox 26"/>
+          <p:cNvSpPr txBox="1"/>
+          <p:nvPr/>
+        </p:nvSpPr>
+        <p:spPr>
+          <a:xfrm>
+            <a:off x="9144000" y="2880360"/>
+            <a:ext cx="2743200" cy="320040"/>
+          </a:xfrm>
+          <a:prstGeom prst="rect">
+            <a:avLst/>
+          </a:prstGeom>
+          <a:noFill/>
+        </p:spPr>
+        <p:txBody>
+          <a:bodyPr wrap="square">
+            <a:spAutoFit/>
+          </a:bodyPr>
+          <a:lstStyle/>
+          <a:p>
+            <a:pPr algn="ctr">
+              <a:defRPr sz="1200" b="1">
+                <a:solidFill>
+                  <a:srgbClr val="FFFFFF"/>
+                </a:solidFill>
+                <a:latin typeface="Calibri"/>
+              </a:defRPr>
+            </a:pPr>
+            <a:r>
+              <a:t>Multi-Linkage</a:t>
+            </a:r>
+          </a:p>
+        </p:txBody>
+      </p:sp>
+      <p:sp>
+        <p:nvSpPr>
+          <p:cNvPr id="28" name="TextBox 27"/>
+          <p:cNvSpPr txBox="1"/>
+          <p:nvPr/>
+        </p:nvSpPr>
+        <p:spPr>
+          <a:xfrm>
+            <a:off x="9144000" y="3246120"/>
+            <a:ext cx="2743200" cy="548640"/>
+          </a:xfrm>
+          <a:prstGeom prst="rect">
+            <a:avLst/>
+          </a:prstGeom>
+          <a:noFill/>
+        </p:spPr>
+        <p:txBody>
+          <a:bodyPr wrap="square">
+            <a:spAutoFit/>
+          </a:bodyPr>
+          <a:lstStyle/>
+          <a:p>
+            <a:pPr algn="ctr">
+              <a:defRPr sz="1000" b="0">
+                <a:solidFill>
+                  <a:srgbClr val="E0E0E0"/>
+                </a:solidFill>
+                <a:latin typeface="Calibri"/>
+              </a:defRPr>
+            </a:pPr>
+            <a:r>
+              <a:t>Single/complete/average</a:t>
+            </a:r>
+            <a:br/>
+            <a:r>
+              <a:t>clustering methods</a:t>
+            </a:r>
+          </a:p>
+        </p:txBody>
+      </p:sp>
+      <p:sp>
+        <p:nvSpPr>
+          <p:cNvPr id="29" name="Rounded Rectangle 28"/>
+          <p:cNvSpPr/>
+          <p:nvPr/>
+        </p:nvSpPr>
+        <p:spPr>
+          <a:xfrm>
+            <a:off x="365760" y="4023360"/>
+            <a:ext cx="2743200" cy="1143000"/>
+          </a:xfrm>
+          <a:prstGeom prst="roundRect">
+            <a:avLst/>
+          </a:prstGeom>
+          <a:solidFill>
+            <a:srgbClr val="6A1B9A"/>
+          </a:solidFill>
+          <a:ln>
+            <a:noFill/>
+          </a:ln>
+        </p:spPr>
+        <p:style>
+          <a:lnRef idx="1">
+            <a:schemeClr val="accent1"/>
+          </a:lnRef>
+          <a:fillRef idx="3">
+            <a:schemeClr val="accent1"/>
+          </a:fillRef>
+          <a:effectRef idx="2">
+            <a:schemeClr val="accent1"/>
+          </a:effectRef>
+          <a:fontRef idx="minor">
+            <a:schemeClr val="lt1"/>
+          </a:fontRef>
+        </p:style>
+        <p:txBody>
+          <a:bodyPr rtlCol="0" anchor="ctr"/>
+          <a:lstStyle/>
+          <a:p>
+            <a:pPr algn="ctr"/>
+          </a:p>
+        </p:txBody>
+      </p:sp>
+      <p:sp>
+        <p:nvSpPr>
+          <p:cNvPr id="30" name="TextBox 29"/>
+          <p:cNvSpPr txBox="1"/>
+          <p:nvPr/>
+        </p:nvSpPr>
+        <p:spPr>
+          <a:xfrm>
+            <a:off x="365760" y="4160520"/>
+            <a:ext cx="2743200" cy="320040"/>
+          </a:xfrm>
+          <a:prstGeom prst="rect">
+            <a:avLst/>
+          </a:prstGeom>
+          <a:noFill/>
+        </p:spPr>
+        <p:txBody>
+          <a:bodyPr wrap="square">
+            <a:spAutoFit/>
+          </a:bodyPr>
+          <a:lstStyle/>
+          <a:p>
+            <a:pPr algn="ctr">
+              <a:defRPr sz="1200" b="1">
+                <a:solidFill>
+                  <a:srgbClr val="FFFFFF"/>
+                </a:solidFill>
+                <a:latin typeface="Calibri"/>
+              </a:defRPr>
+            </a:pPr>
+            <a:r>
+              <a:t>Nucleotide Transformer</a:t>
+            </a:r>
+          </a:p>
+        </p:txBody>
+      </p:sp>
+      <p:sp>
+        <p:nvSpPr>
+          <p:cNvPr id="31" name="TextBox 30"/>
+          <p:cNvSpPr txBox="1"/>
+          <p:nvPr/>
+        </p:nvSpPr>
+        <p:spPr>
+          <a:xfrm>
+            <a:off x="365760" y="4526280"/>
+            <a:ext cx="2743200" cy="548640"/>
+          </a:xfrm>
+          <a:prstGeom prst="rect">
+            <a:avLst/>
+          </a:prstGeom>
+          <a:noFill/>
+        </p:spPr>
+        <p:txBody>
+          <a:bodyPr wrap="square">
+            <a:spAutoFit/>
+          </a:bodyPr>
+          <a:lstStyle/>
+          <a:p>
+            <a:pPr algn="ctr">
+              <a:defRPr sz="1000" b="0">
+                <a:solidFill>
+                  <a:srgbClr val="E0E0E0"/>
+                </a:solidFill>
+                <a:latin typeface="Calibri"/>
+              </a:defRPr>
+            </a:pPr>
+            <a:r>
+              <a:t>LLM-based Inc/AMR</a:t>
+            </a:r>
+            <a:br/>
+            <a:r>
+              <a:t>prediction (optional)</a:t>
+            </a:r>
+          </a:p>
+        </p:txBody>
+      </p:sp>
+      <p:sp>
+        <p:nvSpPr>
+          <p:cNvPr id="32" name="Rounded Rectangle 31"/>
+          <p:cNvSpPr/>
+          <p:nvPr/>
+        </p:nvSpPr>
+        <p:spPr>
+          <a:xfrm>
+            <a:off x="3291840" y="4023360"/>
+            <a:ext cx="2743200" cy="1143000"/>
+          </a:xfrm>
+          <a:prstGeom prst="roundRect">
+            <a:avLst/>
+          </a:prstGeom>
+          <a:solidFill>
+            <a:srgbClr val="00695C"/>
+          </a:solidFill>
+          <a:ln>
+            <a:noFill/>
+          </a:ln>
+        </p:spPr>
+        <p:style>
+          <a:lnRef idx="1">
+            <a:schemeClr val="accent1"/>
+          </a:lnRef>
+          <a:fillRef idx="3">
+            <a:schemeClr val="accent1"/>
+          </a:fillRef>
+          <a:effectRef idx="2">
+            <a:schemeClr val="accent1"/>
+          </a:effectRef>
+          <a:fontRef idx="minor">
+            <a:schemeClr val="lt1"/>
+          </a:fontRef>
+        </p:style>
+        <p:txBody>
+          <a:bodyPr rtlCol="0" anchor="ctr"/>
+          <a:lstStyle/>
+          <a:p>
+            <a:pPr algn="ctr"/>
+          </a:p>
+        </p:txBody>
+      </p:sp>
+      <p:sp>
+        <p:nvSpPr>
+          <p:cNvPr id="33" name="TextBox 32"/>
+          <p:cNvSpPr txBox="1"/>
+          <p:nvPr/>
+        </p:nvSpPr>
+        <p:spPr>
+          <a:xfrm>
+            <a:off x="3291840" y="4160520"/>
+            <a:ext cx="2743200" cy="320040"/>
+          </a:xfrm>
+          <a:prstGeom prst="rect">
+            <a:avLst/>
+          </a:prstGeom>
+          <a:noFill/>
+        </p:spPr>
+        <p:txBody>
+          <a:bodyPr wrap="square">
+            <a:spAutoFit/>
+          </a:bodyPr>
+          <a:lstStyle/>
+          <a:p>
+            <a:pPr algn="ctr">
+              <a:defRPr sz="1200" b="1">
+                <a:solidFill>
+                  <a:srgbClr val="FFFFFF"/>
+                </a:solidFill>
+                <a:latin typeface="Calibri"/>
+              </a:defRPr>
+            </a:pPr>
+            <a:r>
+              <a:t>Bacterial Buddy</a:t>
+            </a:r>
+          </a:p>
+        </p:txBody>
+      </p:sp>
+      <p:sp>
+        <p:nvSpPr>
+          <p:cNvPr id="34" name="TextBox 33"/>
+          <p:cNvSpPr txBox="1"/>
+          <p:nvPr/>
+        </p:nvSpPr>
+        <p:spPr>
+          <a:xfrm>
+            <a:off x="3291840" y="4526280"/>
+            <a:ext cx="2743200" cy="548640"/>
+          </a:xfrm>
+          <a:prstGeom prst="rect">
+            <a:avLst/>
+          </a:prstGeom>
+          <a:noFill/>
+        </p:spPr>
+        <p:txBody>
+          <a:bodyPr wrap="square">
+            <a:spAutoFit/>
+          </a:bodyPr>
+          <a:lstStyle/>
+          <a:p>
+            <a:pPr algn="ctr">
+              <a:defRPr sz="1000" b="0">
+                <a:solidFill>
+                  <a:srgbClr val="E0E0E0"/>
+                </a:solidFill>
+                <a:latin typeface="Calibri"/>
+              </a:defRPr>
+            </a:pPr>
+            <a:r>
+              <a:t>AI chatbot for Q&amp;A</a:t>
+            </a:r>
+            <a:br/>
+            <a:r>
+              <a:t>via local Ollama</a:t>
+            </a:r>
+          </a:p>
+        </p:txBody>
+      </p:sp>
+      <p:sp>
+        <p:nvSpPr>
+          <p:cNvPr id="35" name="Rounded Rectangle 34"/>
+          <p:cNvSpPr/>
+          <p:nvPr/>
+        </p:nvSpPr>
+        <p:spPr>
+          <a:xfrm>
+            <a:off x="6217920" y="4023360"/>
+            <a:ext cx="2743200" cy="1143000"/>
+          </a:xfrm>
+          <a:prstGeom prst="roundRect">
+            <a:avLst/>
+          </a:prstGeom>
+          <a:solidFill>
+            <a:srgbClr val="BF360C"/>
+          </a:solidFill>
+          <a:ln>
+            <a:noFill/>
+          </a:ln>
+        </p:spPr>
+        <p:style>
+          <a:lnRef idx="1">
+            <a:schemeClr val="accent1"/>
+          </a:lnRef>
+          <a:fillRef idx="3">
+            <a:schemeClr val="accent1"/>
+          </a:fillRef>
+          <a:effectRef idx="2">
+            <a:schemeClr val="accent1"/>
+          </a:effectRef>
+          <a:fontRef idx="minor">
+            <a:schemeClr val="lt1"/>
+          </a:fontRef>
+        </p:style>
+        <p:txBody>
+          <a:bodyPr rtlCol="0" anchor="ctr"/>
+          <a:lstStyle/>
+          <a:p>
+            <a:pPr algn="ctr"/>
+          </a:p>
+        </p:txBody>
+      </p:sp>
+      <p:sp>
+        <p:nvSpPr>
+          <p:cNvPr id="36" name="TextBox 35"/>
+          <p:cNvSpPr txBox="1"/>
+          <p:nvPr/>
+        </p:nvSpPr>
+        <p:spPr>
+          <a:xfrm>
+            <a:off x="6217920" y="4160520"/>
+            <a:ext cx="2743200" cy="320040"/>
+          </a:xfrm>
+          <a:prstGeom prst="rect">
+            <a:avLst/>
+          </a:prstGeom>
+          <a:noFill/>
+        </p:spPr>
+        <p:txBody>
+          <a:bodyPr wrap="square">
+            <a:spAutoFit/>
+          </a:bodyPr>
+          <a:lstStyle/>
+          <a:p>
+            <a:pPr algn="ctr">
+              <a:defRPr sz="1200" b="1">
+                <a:solidFill>
+                  <a:srgbClr val="FFFFFF"/>
+                </a:solidFill>
+                <a:latin typeface="Calibri"/>
+              </a:defRPr>
+            </a:pPr>
+            <a:r>
+              <a:t>Unknown Detection</a:t>
+            </a:r>
+          </a:p>
+        </p:txBody>
+      </p:sp>
+      <p:sp>
+        <p:nvSpPr>
+          <p:cNvPr id="37" name="TextBox 36"/>
+          <p:cNvSpPr txBox="1"/>
+          <p:nvPr/>
+        </p:nvSpPr>
+        <p:spPr>
+          <a:xfrm>
+            <a:off x="6217920" y="4526280"/>
+            <a:ext cx="2743200" cy="548640"/>
+          </a:xfrm>
+          <a:prstGeom prst="rect">
+            <a:avLst/>
+          </a:prstGeom>
+          <a:noFill/>
+        </p:spPr>
+        <p:txBody>
+          <a:bodyPr wrap="square">
+            <a:spAutoFit/>
+          </a:bodyPr>
+          <a:lstStyle/>
+          <a:p>
+            <a:pPr algn="ctr">
+              <a:defRPr sz="1000" b="0">
+                <a:solidFill>
+                  <a:srgbClr val="E0E0E0"/>
+                </a:solidFill>
+                <a:latin typeface="Calibri"/>
+              </a:defRPr>
+            </a:pPr>
+            <a:r>
+              <a:t>Low-confidence flagging</a:t>
+            </a:r>
+            <a:br/>
+            <a:r>
+              <a:t>+ top 5 candidates</a:t>
+            </a:r>
+          </a:p>
+        </p:txBody>
+      </p:sp>
+      <p:sp>
+        <p:nvSpPr>
+          <p:cNvPr id="38" name="Rounded Rectangle 37"/>
+          <p:cNvSpPr/>
+          <p:nvPr/>
+        </p:nvSpPr>
+        <p:spPr>
+          <a:xfrm>
+            <a:off x="9144000" y="4023360"/>
+            <a:ext cx="2743200" cy="1143000"/>
+          </a:xfrm>
+          <a:prstGeom prst="roundRect">
+            <a:avLst/>
+          </a:prstGeom>
+          <a:solidFill>
+            <a:srgbClr val="1A237E"/>
+          </a:solidFill>
+          <a:ln>
+            <a:noFill/>
+          </a:ln>
+        </p:spPr>
+        <p:style>
+          <a:lnRef idx="1">
+            <a:schemeClr val="accent1"/>
+          </a:lnRef>
+          <a:fillRef idx="3">
+            <a:schemeClr val="accent1"/>
+          </a:fillRef>
+          <a:effectRef idx="2">
+            <a:schemeClr val="accent1"/>
+          </a:effectRef>
+          <a:fontRef idx="minor">
+            <a:schemeClr val="lt1"/>
+          </a:fontRef>
+        </p:style>
+        <p:txBody>
+          <a:bodyPr rtlCol="0" anchor="ctr"/>
+          <a:lstStyle/>
+          <a:p>
+            <a:pPr algn="ctr"/>
+          </a:p>
+        </p:txBody>
+      </p:sp>
+      <p:sp>
+        <p:nvSpPr>
+          <p:cNvPr id="39" name="TextBox 38"/>
+          <p:cNvSpPr txBox="1"/>
+          <p:nvPr/>
+        </p:nvSpPr>
+        <p:spPr>
+          <a:xfrm>
+            <a:off x="9144000" y="4160520"/>
+            <a:ext cx="2743200" cy="320040"/>
+          </a:xfrm>
+          <a:prstGeom prst="rect">
+            <a:avLst/>
+          </a:prstGeom>
+          <a:noFill/>
+        </p:spPr>
+        <p:txBody>
+          <a:bodyPr wrap="square">
+            <a:spAutoFit/>
+          </a:bodyPr>
+          <a:lstStyle/>
+          <a:p>
+            <a:pPr algn="ctr">
+              <a:defRPr sz="1200" b="1">
+                <a:solidFill>
+                  <a:srgbClr val="FFFFFF"/>
+                </a:solidFill>
+                <a:latin typeface="Calibri"/>
+              </a:defRPr>
+            </a:pPr>
+            <a:r>
+              <a:t>Context-Aware AI</a:t>
+            </a:r>
+          </a:p>
+        </p:txBody>
+      </p:sp>
+      <p:sp>
+        <p:nvSpPr>
+          <p:cNvPr id="40" name="TextBox 39"/>
+          <p:cNvSpPr txBox="1"/>
+          <p:nvPr/>
+        </p:nvSpPr>
+        <p:spPr>
+          <a:xfrm>
+            <a:off x="9144000" y="4526280"/>
+            <a:ext cx="2743200" cy="548640"/>
+          </a:xfrm>
+          <a:prstGeom prst="rect">
+            <a:avLst/>
+          </a:prstGeom>
+          <a:noFill/>
+        </p:spPr>
+        <p:txBody>
+          <a:bodyPr wrap="square">
+            <a:spAutoFit/>
+          </a:bodyPr>
+          <a:lstStyle/>
+          <a:p>
+            <a:pPr algn="ctr">
+              <a:defRPr sz="1000" b="0">
+                <a:solidFill>
+                  <a:srgbClr val="E0E0E0"/>
+                </a:solidFill>
+                <a:latin typeface="Calibri"/>
+              </a:defRPr>
+            </a:pPr>
+            <a:r>
+              <a:t>Analysis results feed</a:t>
+            </a:r>
+            <a:br/>
+            <a:r>
+              <a:t>into LLM responses</a:t>
+            </a:r>
+          </a:p>
+        </p:txBody>
+      </p:sp>
+      <p:sp>
+        <p:nvSpPr>
+          <p:cNvPr id="41" name="Rounded Rectangle 40"/>
+          <p:cNvSpPr/>
+          <p:nvPr/>
+        </p:nvSpPr>
+        <p:spPr>
+          <a:xfrm>
+            <a:off x="365760" y="5303519"/>
+            <a:ext cx="2743200" cy="1143000"/>
+          </a:xfrm>
+          <a:prstGeom prst="roundRect">
+            <a:avLst/>
+          </a:prstGeom>
+          <a:solidFill>
+            <a:srgbClr val="FF4B4B"/>
+          </a:solidFill>
+          <a:ln>
+            <a:noFill/>
+          </a:ln>
+        </p:spPr>
+        <p:style>
+          <a:lnRef idx="1">
+            <a:schemeClr val="accent1"/>
+          </a:lnRef>
+          <a:fillRef idx="3">
+            <a:schemeClr val="accent1"/>
+          </a:fillRef>
+          <a:effectRef idx="2">
+            <a:schemeClr val="accent1"/>
+          </a:effectRef>
+          <a:fontRef idx="minor">
+            <a:schemeClr val="lt1"/>
+          </a:fontRef>
+        </p:style>
+        <p:txBody>
+          <a:bodyPr rtlCol="0" anchor="ctr"/>
+          <a:lstStyle/>
+          <a:p>
+            <a:pPr algn="ctr"/>
+          </a:p>
+        </p:txBody>
+      </p:sp>
+      <p:sp>
+        <p:nvSpPr>
+          <p:cNvPr id="42" name="TextBox 41"/>
+          <p:cNvSpPr txBox="1"/>
+          <p:nvPr/>
+        </p:nvSpPr>
+        <p:spPr>
+          <a:xfrm>
+            <a:off x="365760" y="5440679"/>
+            <a:ext cx="2743200" cy="320040"/>
+          </a:xfrm>
+          <a:prstGeom prst="rect">
+            <a:avLst/>
+          </a:prstGeom>
+          <a:noFill/>
+        </p:spPr>
+        <p:txBody>
+          <a:bodyPr wrap="square">
+            <a:spAutoFit/>
+          </a:bodyPr>
+          <a:lstStyle/>
+          <a:p>
+            <a:pPr algn="ctr">
+              <a:defRPr sz="1200" b="1">
+                <a:solidFill>
+                  <a:srgbClr val="FFFFFF"/>
+                </a:solidFill>
+                <a:latin typeface="Calibri"/>
+              </a:defRPr>
+            </a:pPr>
+            <a:r>
+              <a:t>Streamlit GUI</a:t>
+            </a:r>
+          </a:p>
+        </p:txBody>
+      </p:sp>
+      <p:sp>
+        <p:nvSpPr>
+          <p:cNvPr id="43" name="TextBox 42"/>
+          <p:cNvSpPr txBox="1"/>
+          <p:nvPr/>
+        </p:nvSpPr>
+        <p:spPr>
+          <a:xfrm>
+            <a:off x="365760" y="5806439"/>
+            <a:ext cx="2743200" cy="548640"/>
+          </a:xfrm>
+          <a:prstGeom prst="rect">
+            <a:avLst/>
+          </a:prstGeom>
+          <a:noFill/>
+        </p:spPr>
+        <p:txBody>
+          <a:bodyPr wrap="square">
+            <a:spAutoFit/>
+          </a:bodyPr>
+          <a:lstStyle/>
+          <a:p>
+            <a:pPr algn="ctr">
+              <a:defRPr sz="1000" b="0">
+                <a:solidFill>
+                  <a:srgbClr val="E0E0E0"/>
+                </a:solidFill>
+                <a:latin typeface="Calibri"/>
+              </a:defRPr>
+            </a:pPr>
+            <a:r>
+              <a:t>7-tab web interface</a:t>
+            </a:r>
+            <a:br/>
+            <a:r>
+              <a:t>no CLI required</a:t>
+            </a:r>
+          </a:p>
+        </p:txBody>
+      </p:sp>
+      <p:sp>
+        <p:nvSpPr>
+          <p:cNvPr id="44" name="Rounded Rectangle 43"/>
+          <p:cNvSpPr/>
+          <p:nvPr/>
+        </p:nvSpPr>
+        <p:spPr>
+          <a:xfrm>
+            <a:off x="3291840" y="5303519"/>
+            <a:ext cx="2743200" cy="1143000"/>
+          </a:xfrm>
+          <a:prstGeom prst="roundRect">
+            <a:avLst/>
+          </a:prstGeom>
+          <a:solidFill>
+            <a:srgbClr val="0097A7"/>
+          </a:solidFill>
+          <a:ln>
+            <a:noFill/>
+          </a:ln>
+        </p:spPr>
+        <p:style>
+          <a:lnRef idx="1">
+            <a:schemeClr val="accent1"/>
+          </a:lnRef>
+          <a:fillRef idx="3">
+            <a:schemeClr val="accent1"/>
+          </a:fillRef>
+          <a:effectRef idx="2">
+            <a:schemeClr val="accent1"/>
+          </a:effectRef>
+          <a:fontRef idx="minor">
+            <a:schemeClr val="lt1"/>
+          </a:fontRef>
+        </p:style>
+        <p:txBody>
+          <a:bodyPr rtlCol="0" anchor="ctr"/>
+          <a:lstStyle/>
+          <a:p>
+            <a:pPr algn="ctr"/>
+          </a:p>
+        </p:txBody>
+      </p:sp>
+      <p:sp>
+        <p:nvSpPr>
+          <p:cNvPr id="45" name="TextBox 44"/>
+          <p:cNvSpPr txBox="1"/>
+          <p:nvPr/>
+        </p:nvSpPr>
+        <p:spPr>
+          <a:xfrm>
+            <a:off x="3291840" y="5440679"/>
+            <a:ext cx="2743200" cy="320040"/>
+          </a:xfrm>
+          <a:prstGeom prst="rect">
+            <a:avLst/>
+          </a:prstGeom>
+          <a:noFill/>
+        </p:spPr>
+        <p:txBody>
+          <a:bodyPr wrap="square">
+            <a:spAutoFit/>
+          </a:bodyPr>
+          <a:lstStyle/>
+          <a:p>
+            <a:pPr algn="ctr">
+              <a:defRPr sz="1200" b="1">
+                <a:solidFill>
+                  <a:srgbClr val="FFFFFF"/>
+                </a:solidFill>
+                <a:latin typeface="Calibri"/>
+              </a:defRPr>
+            </a:pPr>
+            <a:r>
+              <a:t>Docker Support</a:t>
+            </a:r>
+          </a:p>
+        </p:txBody>
+      </p:sp>
+      <p:sp>
+        <p:nvSpPr>
+          <p:cNvPr id="46" name="TextBox 45"/>
+          <p:cNvSpPr txBox="1"/>
+          <p:nvPr/>
+        </p:nvSpPr>
+        <p:spPr>
+          <a:xfrm>
+            <a:off x="3291840" y="5806439"/>
+            <a:ext cx="2743200" cy="548640"/>
+          </a:xfrm>
+          <a:prstGeom prst="rect">
+            <a:avLst/>
+          </a:prstGeom>
+          <a:noFill/>
+        </p:spPr>
+        <p:txBody>
+          <a:bodyPr wrap="square">
+            <a:spAutoFit/>
+          </a:bodyPr>
+          <a:lstStyle/>
+          <a:p>
+            <a:pPr algn="ctr">
+              <a:defRPr sz="1000" b="0">
+                <a:solidFill>
+                  <a:srgbClr val="E0E0E0"/>
+                </a:solidFill>
+                <a:latin typeface="Calibri"/>
+              </a:defRPr>
+            </a:pPr>
+            <a:r>
+              <a:t>Containerized deployment</a:t>
+            </a:r>
+            <a:br/>
+            <a:r>
+              <a:t>for servers</a:t>
+            </a:r>
+          </a:p>
+        </p:txBody>
+      </p:sp>
+      <p:sp>
+        <p:nvSpPr>
+          <p:cNvPr id="47" name="Rounded Rectangle 46"/>
+          <p:cNvSpPr/>
+          <p:nvPr/>
+        </p:nvSpPr>
+        <p:spPr>
+          <a:xfrm>
+            <a:off x="6217920" y="5303519"/>
+            <a:ext cx="2743200" cy="1143000"/>
+          </a:xfrm>
+          <a:prstGeom prst="roundRect">
+            <a:avLst/>
+          </a:prstGeom>
+          <a:solidFill>
+            <a:srgbClr val="7B1FA2"/>
+          </a:solidFill>
+          <a:ln>
+            <a:noFill/>
+          </a:ln>
+        </p:spPr>
+        <p:style>
+          <a:lnRef idx="1">
+            <a:schemeClr val="accent1"/>
+          </a:lnRef>
+          <a:fillRef idx="3">
+            <a:schemeClr val="accent1"/>
+          </a:fillRef>
+          <a:effectRef idx="2">
+            <a:schemeClr val="accent1"/>
+          </a:effectRef>
+          <a:fontRef idx="minor">
+            <a:schemeClr val="lt1"/>
+          </a:fontRef>
+        </p:style>
+        <p:txBody>
+          <a:bodyPr rtlCol="0" anchor="ctr"/>
+          <a:lstStyle/>
+          <a:p>
+            <a:pPr algn="ctr"/>
+          </a:p>
+        </p:txBody>
+      </p:sp>
+      <p:sp>
+        <p:nvSpPr>
+          <p:cNvPr id="48" name="TextBox 47"/>
+          <p:cNvSpPr txBox="1"/>
+          <p:nvPr/>
+        </p:nvSpPr>
+        <p:spPr>
+          <a:xfrm>
+            <a:off x="6217920" y="5440679"/>
+            <a:ext cx="2743200" cy="320040"/>
+          </a:xfrm>
+          <a:prstGeom prst="rect">
+            <a:avLst/>
+          </a:prstGeom>
+          <a:noFill/>
+        </p:spPr>
+        <p:txBody>
+          <a:bodyPr wrap="square">
+            <a:spAutoFit/>
+          </a:bodyPr>
+          <a:lstStyle/>
+          <a:p>
+            <a:pPr algn="ctr">
+              <a:defRPr sz="1200" b="1">
+                <a:solidFill>
+                  <a:srgbClr val="FFFFFF"/>
+                </a:solidFill>
+                <a:latin typeface="Calibri"/>
+              </a:defRPr>
+            </a:pPr>
+            <a:r>
+              <a:t>One-Click Launch</a:t>
+            </a:r>
+          </a:p>
+        </p:txBody>
+      </p:sp>
+      <p:sp>
+        <p:nvSpPr>
+          <p:cNvPr id="49" name="TextBox 48"/>
+          <p:cNvSpPr txBox="1"/>
+          <p:nvPr/>
+        </p:nvSpPr>
+        <p:spPr>
+          <a:xfrm>
+            <a:off x="6217920" y="5806439"/>
+            <a:ext cx="2743200" cy="548640"/>
+          </a:xfrm>
+          <a:prstGeom prst="rect">
+            <a:avLst/>
+          </a:prstGeom>
+          <a:noFill/>
+        </p:spPr>
+        <p:txBody>
+          <a:bodyPr wrap="square">
+            <a:spAutoFit/>
+          </a:bodyPr>
+          <a:lstStyle/>
+          <a:p>
+            <a:pPr algn="ctr">
+              <a:defRPr sz="1000" b="0">
+                <a:solidFill>
+                  <a:srgbClr val="E0E0E0"/>
+                </a:solidFill>
+                <a:latin typeface="Calibri"/>
+              </a:defRPr>
+            </a:pPr>
+            <a:r>
+              <a:t>Windows/macOS/Linux</a:t>
+            </a:r>
+            <a:br/>
+            <a:r>
+              <a:t>auto-setup launchers</a:t>
+            </a:r>
+          </a:p>
+        </p:txBody>
+      </p:sp>
+      <p:sp>
+        <p:nvSpPr>
+          <p:cNvPr id="50" name="Rounded Rectangle 49"/>
+          <p:cNvSpPr/>
+          <p:nvPr/>
+        </p:nvSpPr>
+        <p:spPr>
+          <a:xfrm>
+            <a:off x="9144000" y="5303519"/>
+            <a:ext cx="2743200" cy="1143000"/>
+          </a:xfrm>
+          <a:prstGeom prst="roundRect">
+            <a:avLst/>
+          </a:prstGeom>
+          <a:solidFill>
+            <a:srgbClr val="2E7D32"/>
+          </a:solidFill>
+          <a:ln>
+            <a:noFill/>
+          </a:ln>
+        </p:spPr>
+        <p:style>
+          <a:lnRef idx="1">
+            <a:schemeClr val="accent1"/>
+          </a:lnRef>
+          <a:fillRef idx="3">
+            <a:schemeClr val="accent1"/>
+          </a:fillRef>
+          <a:effectRef idx="2">
+            <a:schemeClr val="accent1"/>
+          </a:effectRef>
+          <a:fontRef idx="minor">
+            <a:schemeClr val="lt1"/>
+          </a:fontRef>
+        </p:style>
+        <p:txBody>
+          <a:bodyPr rtlCol="0" anchor="ctr"/>
+          <a:lstStyle/>
+          <a:p>
+            <a:pPr algn="ctr"/>
+          </a:p>
+        </p:txBody>
+      </p:sp>
+      <p:sp>
+        <p:nvSpPr>
+          <p:cNvPr id="51" name="TextBox 50"/>
+          <p:cNvSpPr txBox="1"/>
+          <p:nvPr/>
+        </p:nvSpPr>
+        <p:spPr>
+          <a:xfrm>
+            <a:off x="9144000" y="5440679"/>
+            <a:ext cx="2743200" cy="320040"/>
+          </a:xfrm>
+          <a:prstGeom prst="rect">
+            <a:avLst/>
+          </a:prstGeom>
+          <a:noFill/>
+        </p:spPr>
+        <p:txBody>
+          <a:bodyPr wrap="square">
+            <a:spAutoFit/>
+          </a:bodyPr>
+          <a:lstStyle/>
+          <a:p>
+            <a:pPr algn="ctr">
+              <a:defRPr sz="1200" b="1">
+                <a:solidFill>
+                  <a:srgbClr val="FFFFFF"/>
+                </a:solidFill>
+                <a:latin typeface="Calibri"/>
+              </a:defRPr>
+            </a:pPr>
+            <a:r>
+              <a:t>Export Options</a:t>
+            </a:r>
+          </a:p>
+        </p:txBody>
+      </p:sp>
+      <p:sp>
+        <p:nvSpPr>
+          <p:cNvPr id="52" name="TextBox 51"/>
+          <p:cNvSpPr txBox="1"/>
+          <p:nvPr/>
+        </p:nvSpPr>
+        <p:spPr>
+          <a:xfrm>
+            <a:off x="9144000" y="5806439"/>
+            <a:ext cx="2743200" cy="548640"/>
+          </a:xfrm>
+          <a:prstGeom prst="rect">
+            <a:avLst/>
+          </a:prstGeom>
+          <a:noFill/>
+        </p:spPr>
+        <p:txBody>
+          <a:bodyPr wrap="square">
+            <a:spAutoFit/>
+          </a:bodyPr>
+          <a:lstStyle/>
+          <a:p>
+            <a:pPr algn="ctr">
+              <a:defRPr sz="1000" b="0">
+                <a:solidFill>
+                  <a:srgbClr val="E0E0E0"/>
+                </a:solidFill>
+                <a:latin typeface="Calibri"/>
+              </a:defRPr>
+            </a:pPr>
+            <a:r>
+              <a:t>TSV, PNG, PDF, ZIP</a:t>
+            </a:r>
+            <a:br/>
+            <a:r>
+              <a:t>bundle downloads</a:t>
+            </a:r>
+          </a:p>
+        </p:txBody>
+      </p:sp>
+      <p:sp>
+        <p:nvSpPr>
+          <p:cNvPr id="53" name="TextBox 52"/>
+          <p:cNvSpPr txBox="1"/>
+          <p:nvPr/>
+        </p:nvSpPr>
+        <p:spPr>
+          <a:xfrm>
+            <a:off x="457200" y="6400800"/>
+            <a:ext cx="11247120" cy="274320"/>
+          </a:xfrm>
+          <a:prstGeom prst="rect">
+            <a:avLst/>
+          </a:prstGeom>
+          <a:noFill/>
+        </p:spPr>
+        <p:txBody>
+          <a:bodyPr wrap="square">
+            <a:spAutoFit/>
+          </a:bodyPr>
+          <a:lstStyle/>
+          <a:p>
+            <a:pPr algn="ctr">
+              <a:defRPr sz="1000" b="0">
+                <a:solidFill>
+                  <a:srgbClr val="757575"/>
+                </a:solidFill>
+                <a:latin typeface="Calibri"/>
+              </a:defRPr>
+            </a:pPr>
+            <a:r>
+              <a:t>pLIN v2.0 — Plasmid Life Identification Number System • GPL-3.0 + Citation Clause • github.com/xavierbasilbritto-hub/pLIN-plasmid-classification</a:t>
             </a:r>
           </a:p>
         </p:txBody>
